--- a/images/runtimes/OW-Utilization-Scaling.pptx
+++ b/images/runtimes/OW-Utilization-Scaling.pptx
@@ -2,7 +2,7 @@
 <file path=ppt/presentation.xml><?xml version="1.0" encoding="utf-8"?>
 <p:presentation xmlns:a="http://schemas.openxmlformats.org/drawingml/2006/main" xmlns:r="http://schemas.openxmlformats.org/officeDocument/2006/relationships" xmlns:p="http://schemas.openxmlformats.org/presentationml/2006/main" saveSubsetFonts="1" autoCompressPictures="0">
   <p:sldMasterIdLst>
-    <p:sldMasterId id="2147483667" r:id="rId1"/>
+    <p:sldMasterId id="2147483723" r:id="rId1"/>
   </p:sldMasterIdLst>
   <p:notesMasterIdLst>
     <p:notesMasterId r:id="rId3"/>
@@ -10,14 +10,14 @@
   <p:sldIdLst>
     <p:sldId id="313" r:id="rId2"/>
   </p:sldIdLst>
-  <p:sldSz cx="12192000" cy="6858000"/>
+  <p:sldSz cx="3657600" cy="2743200"/>
   <p:notesSz cx="6858000" cy="9144000"/>
   <p:defaultTextStyle>
     <a:defPPr>
       <a:defRPr lang="en-US"/>
     </a:defPPr>
-    <a:lvl1pPr marL="0" algn="l" defTabSz="457200" rtl="0" eaLnBrk="1" latinLnBrk="0" hangingPunct="1">
-      <a:defRPr sz="1800" kern="1200">
+    <a:lvl1pPr marL="0" algn="l" defTabSz="245760" rtl="0" eaLnBrk="1" latinLnBrk="0" hangingPunct="1">
+      <a:defRPr sz="967" kern="1200">
         <a:solidFill>
           <a:schemeClr val="tx1"/>
         </a:solidFill>
@@ -26,8 +26,8 @@
         <a:cs typeface="+mn-cs"/>
       </a:defRPr>
     </a:lvl1pPr>
-    <a:lvl2pPr marL="457200" algn="l" defTabSz="457200" rtl="0" eaLnBrk="1" latinLnBrk="0" hangingPunct="1">
-      <a:defRPr sz="1800" kern="1200">
+    <a:lvl2pPr marL="245760" algn="l" defTabSz="245760" rtl="0" eaLnBrk="1" latinLnBrk="0" hangingPunct="1">
+      <a:defRPr sz="967" kern="1200">
         <a:solidFill>
           <a:schemeClr val="tx1"/>
         </a:solidFill>
@@ -36,8 +36,8 @@
         <a:cs typeface="+mn-cs"/>
       </a:defRPr>
     </a:lvl2pPr>
-    <a:lvl3pPr marL="914400" algn="l" defTabSz="457200" rtl="0" eaLnBrk="1" latinLnBrk="0" hangingPunct="1">
-      <a:defRPr sz="1800" kern="1200">
+    <a:lvl3pPr marL="491519" algn="l" defTabSz="245760" rtl="0" eaLnBrk="1" latinLnBrk="0" hangingPunct="1">
+      <a:defRPr sz="967" kern="1200">
         <a:solidFill>
           <a:schemeClr val="tx1"/>
         </a:solidFill>
@@ -46,8 +46,8 @@
         <a:cs typeface="+mn-cs"/>
       </a:defRPr>
     </a:lvl3pPr>
-    <a:lvl4pPr marL="1371600" algn="l" defTabSz="457200" rtl="0" eaLnBrk="1" latinLnBrk="0" hangingPunct="1">
-      <a:defRPr sz="1800" kern="1200">
+    <a:lvl4pPr marL="737279" algn="l" defTabSz="245760" rtl="0" eaLnBrk="1" latinLnBrk="0" hangingPunct="1">
+      <a:defRPr sz="967" kern="1200">
         <a:solidFill>
           <a:schemeClr val="tx1"/>
         </a:solidFill>
@@ -56,8 +56,8 @@
         <a:cs typeface="+mn-cs"/>
       </a:defRPr>
     </a:lvl4pPr>
-    <a:lvl5pPr marL="1828800" algn="l" defTabSz="457200" rtl="0" eaLnBrk="1" latinLnBrk="0" hangingPunct="1">
-      <a:defRPr sz="1800" kern="1200">
+    <a:lvl5pPr marL="983038" algn="l" defTabSz="245760" rtl="0" eaLnBrk="1" latinLnBrk="0" hangingPunct="1">
+      <a:defRPr sz="967" kern="1200">
         <a:solidFill>
           <a:schemeClr val="tx1"/>
         </a:solidFill>
@@ -66,8 +66,8 @@
         <a:cs typeface="+mn-cs"/>
       </a:defRPr>
     </a:lvl5pPr>
-    <a:lvl6pPr marL="2286000" algn="l" defTabSz="457200" rtl="0" eaLnBrk="1" latinLnBrk="0" hangingPunct="1">
-      <a:defRPr sz="1800" kern="1200">
+    <a:lvl6pPr marL="1228798" algn="l" defTabSz="245760" rtl="0" eaLnBrk="1" latinLnBrk="0" hangingPunct="1">
+      <a:defRPr sz="967" kern="1200">
         <a:solidFill>
           <a:schemeClr val="tx1"/>
         </a:solidFill>
@@ -76,8 +76,8 @@
         <a:cs typeface="+mn-cs"/>
       </a:defRPr>
     </a:lvl6pPr>
-    <a:lvl7pPr marL="2743200" algn="l" defTabSz="457200" rtl="0" eaLnBrk="1" latinLnBrk="0" hangingPunct="1">
-      <a:defRPr sz="1800" kern="1200">
+    <a:lvl7pPr marL="1474558" algn="l" defTabSz="245760" rtl="0" eaLnBrk="1" latinLnBrk="0" hangingPunct="1">
+      <a:defRPr sz="967" kern="1200">
         <a:solidFill>
           <a:schemeClr val="tx1"/>
         </a:solidFill>
@@ -86,8 +86,8 @@
         <a:cs typeface="+mn-cs"/>
       </a:defRPr>
     </a:lvl7pPr>
-    <a:lvl8pPr marL="3200400" algn="l" defTabSz="457200" rtl="0" eaLnBrk="1" latinLnBrk="0" hangingPunct="1">
-      <a:defRPr sz="1800" kern="1200">
+    <a:lvl8pPr marL="1720317" algn="l" defTabSz="245760" rtl="0" eaLnBrk="1" latinLnBrk="0" hangingPunct="1">
+      <a:defRPr sz="967" kern="1200">
         <a:solidFill>
           <a:schemeClr val="tx1"/>
         </a:solidFill>
@@ -96,8 +96,8 @@
         <a:cs typeface="+mn-cs"/>
       </a:defRPr>
     </a:lvl8pPr>
-    <a:lvl9pPr marL="3657600" algn="l" defTabSz="457200" rtl="0" eaLnBrk="1" latinLnBrk="0" hangingPunct="1">
-      <a:defRPr sz="1800" kern="1200">
+    <a:lvl9pPr marL="1966077" algn="l" defTabSz="245760" rtl="0" eaLnBrk="1" latinLnBrk="0" hangingPunct="1">
+      <a:defRPr sz="967" kern="1200">
         <a:solidFill>
           <a:schemeClr val="tx1"/>
         </a:solidFill>
@@ -215,8 +215,8 @@
         </p:nvSpPr>
         <p:spPr>
           <a:xfrm>
-            <a:off x="685800" y="1143000"/>
-            <a:ext cx="5486400" cy="3086100"/>
+            <a:off x="1371600" y="1143000"/>
+            <a:ext cx="4114800" cy="3086100"/>
           </a:xfrm>
           <a:prstGeom prst="rect">
             <a:avLst/>
@@ -370,8 +370,8 @@
   </p:cSld>
   <p:clrMap bg1="lt1" tx1="dk1" bg2="lt2" tx2="dk2" accent1="accent1" accent2="accent2" accent3="accent3" accent4="accent4" accent5="accent5" accent6="accent6" hlink="hlink" folHlink="folHlink"/>
   <p:notesStyle>
-    <a:lvl1pPr marL="0" algn="l" defTabSz="914400" rtl="0" eaLnBrk="1" latinLnBrk="0" hangingPunct="1">
-      <a:defRPr sz="1200" kern="1200">
+    <a:lvl1pPr marL="0" algn="l" defTabSz="491519" rtl="0" eaLnBrk="1" latinLnBrk="0" hangingPunct="1">
+      <a:defRPr sz="645" kern="1200">
         <a:solidFill>
           <a:schemeClr val="tx1"/>
         </a:solidFill>
@@ -380,8 +380,8 @@
         <a:cs typeface="+mn-cs"/>
       </a:defRPr>
     </a:lvl1pPr>
-    <a:lvl2pPr marL="457200" algn="l" defTabSz="914400" rtl="0" eaLnBrk="1" latinLnBrk="0" hangingPunct="1">
-      <a:defRPr sz="1200" kern="1200">
+    <a:lvl2pPr marL="245760" algn="l" defTabSz="491519" rtl="0" eaLnBrk="1" latinLnBrk="0" hangingPunct="1">
+      <a:defRPr sz="645" kern="1200">
         <a:solidFill>
           <a:schemeClr val="tx1"/>
         </a:solidFill>
@@ -390,8 +390,8 @@
         <a:cs typeface="+mn-cs"/>
       </a:defRPr>
     </a:lvl2pPr>
-    <a:lvl3pPr marL="914400" algn="l" defTabSz="914400" rtl="0" eaLnBrk="1" latinLnBrk="0" hangingPunct="1">
-      <a:defRPr sz="1200" kern="1200">
+    <a:lvl3pPr marL="491519" algn="l" defTabSz="491519" rtl="0" eaLnBrk="1" latinLnBrk="0" hangingPunct="1">
+      <a:defRPr sz="645" kern="1200">
         <a:solidFill>
           <a:schemeClr val="tx1"/>
         </a:solidFill>
@@ -400,8 +400,8 @@
         <a:cs typeface="+mn-cs"/>
       </a:defRPr>
     </a:lvl3pPr>
-    <a:lvl4pPr marL="1371600" algn="l" defTabSz="914400" rtl="0" eaLnBrk="1" latinLnBrk="0" hangingPunct="1">
-      <a:defRPr sz="1200" kern="1200">
+    <a:lvl4pPr marL="737279" algn="l" defTabSz="491519" rtl="0" eaLnBrk="1" latinLnBrk="0" hangingPunct="1">
+      <a:defRPr sz="645" kern="1200">
         <a:solidFill>
           <a:schemeClr val="tx1"/>
         </a:solidFill>
@@ -410,8 +410,8 @@
         <a:cs typeface="+mn-cs"/>
       </a:defRPr>
     </a:lvl4pPr>
-    <a:lvl5pPr marL="1828800" algn="l" defTabSz="914400" rtl="0" eaLnBrk="1" latinLnBrk="0" hangingPunct="1">
-      <a:defRPr sz="1200" kern="1200">
+    <a:lvl5pPr marL="983038" algn="l" defTabSz="491519" rtl="0" eaLnBrk="1" latinLnBrk="0" hangingPunct="1">
+      <a:defRPr sz="645" kern="1200">
         <a:solidFill>
           <a:schemeClr val="tx1"/>
         </a:solidFill>
@@ -420,8 +420,8 @@
         <a:cs typeface="+mn-cs"/>
       </a:defRPr>
     </a:lvl5pPr>
-    <a:lvl6pPr marL="2286000" algn="l" defTabSz="914400" rtl="0" eaLnBrk="1" latinLnBrk="0" hangingPunct="1">
-      <a:defRPr sz="1200" kern="1200">
+    <a:lvl6pPr marL="1228798" algn="l" defTabSz="491519" rtl="0" eaLnBrk="1" latinLnBrk="0" hangingPunct="1">
+      <a:defRPr sz="645" kern="1200">
         <a:solidFill>
           <a:schemeClr val="tx1"/>
         </a:solidFill>
@@ -430,8 +430,8 @@
         <a:cs typeface="+mn-cs"/>
       </a:defRPr>
     </a:lvl6pPr>
-    <a:lvl7pPr marL="2743200" algn="l" defTabSz="914400" rtl="0" eaLnBrk="1" latinLnBrk="0" hangingPunct="1">
-      <a:defRPr sz="1200" kern="1200">
+    <a:lvl7pPr marL="1474558" algn="l" defTabSz="491519" rtl="0" eaLnBrk="1" latinLnBrk="0" hangingPunct="1">
+      <a:defRPr sz="645" kern="1200">
         <a:solidFill>
           <a:schemeClr val="tx1"/>
         </a:solidFill>
@@ -440,8 +440,8 @@
         <a:cs typeface="+mn-cs"/>
       </a:defRPr>
     </a:lvl7pPr>
-    <a:lvl8pPr marL="3200400" algn="l" defTabSz="914400" rtl="0" eaLnBrk="1" latinLnBrk="0" hangingPunct="1">
-      <a:defRPr sz="1200" kern="1200">
+    <a:lvl8pPr marL="1720317" algn="l" defTabSz="491519" rtl="0" eaLnBrk="1" latinLnBrk="0" hangingPunct="1">
+      <a:defRPr sz="645" kern="1200">
         <a:solidFill>
           <a:schemeClr val="tx1"/>
         </a:solidFill>
@@ -450,8 +450,8 @@
         <a:cs typeface="+mn-cs"/>
       </a:defRPr>
     </a:lvl8pPr>
-    <a:lvl9pPr marL="3657600" algn="l" defTabSz="914400" rtl="0" eaLnBrk="1" latinLnBrk="0" hangingPunct="1">
-      <a:defRPr sz="1200" kern="1200">
+    <a:lvl9pPr marL="1966077" algn="l" defTabSz="491519" rtl="0" eaLnBrk="1" latinLnBrk="0" hangingPunct="1">
+      <a:defRPr sz="645" kern="1200">
         <a:solidFill>
           <a:schemeClr val="tx1"/>
         </a:solidFill>
@@ -491,7 +491,12 @@
             <p:ph type="sldImg"/>
           </p:nvPr>
         </p:nvSpPr>
-        <p:spPr/>
+        <p:spPr>
+          <a:xfrm>
+            <a:off x="1371600" y="1143000"/>
+            <a:ext cx="4114800" cy="3086100"/>
+          </a:xfrm>
+        </p:spPr>
       </p:sp>
       <p:sp>
         <p:nvSpPr>
@@ -580,8 +585,8 @@
 </file>
 
 <file path=ppt/slideLayouts/slideLayout1.xml><?xml version="1.0" encoding="utf-8"?>
-<p:sldLayout xmlns:a="http://schemas.openxmlformats.org/drawingml/2006/main" xmlns:r="http://schemas.openxmlformats.org/officeDocument/2006/relationships" xmlns:p="http://schemas.openxmlformats.org/presentationml/2006/main" preserve="1" userDrawn="1">
-  <p:cSld name="Blank">
+<p:sldLayout xmlns:a="http://schemas.openxmlformats.org/drawingml/2006/main" xmlns:r="http://schemas.openxmlformats.org/officeDocument/2006/relationships" xmlns:p="http://schemas.openxmlformats.org/presentationml/2006/main" type="title" preserve="1">
+  <p:cSld name="Title Slide">
     <p:spTree>
       <p:nvGrpSpPr>
         <p:cNvPr id="1" name=""/>
@@ -598,18 +603,563 @@
       </p:grpSpPr>
       <p:sp>
         <p:nvSpPr>
-          <p:cNvPr id="4" name="Slide Number Placeholder 5"/>
-          <p:cNvSpPr>
-            <a:spLocks noGrp="1"/>
-          </p:cNvSpPr>
-          <p:nvPr>
-            <p:ph type="sldNum" sz="quarter" idx="12"/>
+          <p:cNvPr id="2" name="Title 1"/>
+          <p:cNvSpPr>
+            <a:spLocks noGrp="1"/>
+          </p:cNvSpPr>
+          <p:nvPr>
+            <p:ph type="ctrTitle"/>
           </p:nvPr>
         </p:nvSpPr>
         <p:spPr>
           <a:xfrm>
-            <a:off x="9342120" y="6583680"/>
-            <a:ext cx="2743200" cy="274320"/>
+            <a:off x="274320" y="448945"/>
+            <a:ext cx="3108960" cy="955040"/>
+          </a:xfrm>
+        </p:spPr>
+        <p:txBody>
+          <a:bodyPr anchor="b"/>
+          <a:lstStyle>
+            <a:lvl1pPr algn="ctr">
+              <a:defRPr sz="2400"/>
+            </a:lvl1pPr>
+          </a:lstStyle>
+          <a:p>
+            <a:r>
+              <a:rPr lang="en-US" smtClean="0"/>
+              <a:t>Click to edit Master title style</a:t>
+            </a:r>
+            <a:endParaRPr lang="en-US" dirty="0"/>
+          </a:p>
+        </p:txBody>
+      </p:sp>
+      <p:sp>
+        <p:nvSpPr>
+          <p:cNvPr id="3" name="Subtitle 2"/>
+          <p:cNvSpPr>
+            <a:spLocks noGrp="1"/>
+          </p:cNvSpPr>
+          <p:nvPr>
+            <p:ph type="subTitle" idx="1"/>
+          </p:nvPr>
+        </p:nvSpPr>
+        <p:spPr>
+          <a:xfrm>
+            <a:off x="457200" y="1440815"/>
+            <a:ext cx="2743200" cy="662305"/>
+          </a:xfrm>
+        </p:spPr>
+        <p:txBody>
+          <a:bodyPr/>
+          <a:lstStyle>
+            <a:lvl1pPr marL="0" indent="0" algn="ctr">
+              <a:buNone/>
+              <a:defRPr sz="960"/>
+            </a:lvl1pPr>
+            <a:lvl2pPr marL="182880" indent="0" algn="ctr">
+              <a:buNone/>
+              <a:defRPr sz="800"/>
+            </a:lvl2pPr>
+            <a:lvl3pPr marL="365760" indent="0" algn="ctr">
+              <a:buNone/>
+              <a:defRPr sz="720"/>
+            </a:lvl3pPr>
+            <a:lvl4pPr marL="548640" indent="0" algn="ctr">
+              <a:buNone/>
+              <a:defRPr sz="640"/>
+            </a:lvl4pPr>
+            <a:lvl5pPr marL="731520" indent="0" algn="ctr">
+              <a:buNone/>
+              <a:defRPr sz="640"/>
+            </a:lvl5pPr>
+            <a:lvl6pPr marL="914400" indent="0" algn="ctr">
+              <a:buNone/>
+              <a:defRPr sz="640"/>
+            </a:lvl6pPr>
+            <a:lvl7pPr marL="1097280" indent="0" algn="ctr">
+              <a:buNone/>
+              <a:defRPr sz="640"/>
+            </a:lvl7pPr>
+            <a:lvl8pPr marL="1280160" indent="0" algn="ctr">
+              <a:buNone/>
+              <a:defRPr sz="640"/>
+            </a:lvl8pPr>
+            <a:lvl9pPr marL="1463040" indent="0" algn="ctr">
+              <a:buNone/>
+              <a:defRPr sz="640"/>
+            </a:lvl9pPr>
+          </a:lstStyle>
+          <a:p>
+            <a:r>
+              <a:rPr lang="en-US" smtClean="0"/>
+              <a:t>Click to edit Master subtitle style</a:t>
+            </a:r>
+            <a:endParaRPr lang="en-US" dirty="0"/>
+          </a:p>
+        </p:txBody>
+      </p:sp>
+      <p:sp>
+        <p:nvSpPr>
+          <p:cNvPr id="4" name="Date Placeholder 3"/>
+          <p:cNvSpPr>
+            <a:spLocks noGrp="1"/>
+          </p:cNvSpPr>
+          <p:nvPr>
+            <p:ph type="dt" sz="half" idx="10"/>
+          </p:nvPr>
+        </p:nvSpPr>
+        <p:spPr/>
+        <p:txBody>
+          <a:bodyPr/>
+          <a:lstStyle/>
+          <a:p>
+            <a:fld id="{C764DE79-268F-4C1A-8933-263129D2AF90}" type="datetimeFigureOut">
+              <a:rPr lang="en-US" smtClean="0"/>
+              <a:t>8/13/18</a:t>
+            </a:fld>
+            <a:endParaRPr lang="en-US" dirty="0"/>
+          </a:p>
+        </p:txBody>
+      </p:sp>
+      <p:sp>
+        <p:nvSpPr>
+          <p:cNvPr id="5" name="Footer Placeholder 4"/>
+          <p:cNvSpPr>
+            <a:spLocks noGrp="1"/>
+          </p:cNvSpPr>
+          <p:nvPr>
+            <p:ph type="ftr" sz="quarter" idx="11"/>
+          </p:nvPr>
+        </p:nvSpPr>
+        <p:spPr/>
+        <p:txBody>
+          <a:bodyPr/>
+          <a:lstStyle/>
+          <a:p>
+            <a:endParaRPr lang="en-US" dirty="0"/>
+          </a:p>
+        </p:txBody>
+      </p:sp>
+      <p:sp>
+        <p:nvSpPr>
+          <p:cNvPr id="6" name="Slide Number Placeholder 5"/>
+          <p:cNvSpPr>
+            <a:spLocks noGrp="1"/>
+          </p:cNvSpPr>
+          <p:nvPr>
+            <p:ph type="sldNum" sz="quarter" idx="12"/>
+          </p:nvPr>
+        </p:nvSpPr>
+        <p:spPr/>
+        <p:txBody>
+          <a:bodyPr/>
+          <a:lstStyle/>
+          <a:p>
+            <a:fld id="{48F63A3B-78C7-47BE-AE5E-E10140E04643}" type="slidenum">
+              <a:rPr lang="en-US" smtClean="0"/>
+              <a:t>‹#›</a:t>
+            </a:fld>
+            <a:endParaRPr lang="en-US" dirty="0"/>
+          </a:p>
+        </p:txBody>
+      </p:sp>
+    </p:spTree>
+    <p:extLst>
+      <p:ext uri="{BB962C8B-B14F-4D97-AF65-F5344CB8AC3E}">
+        <p14:creationId xmlns:p14="http://schemas.microsoft.com/office/powerpoint/2010/main" val="162586228"/>
+      </p:ext>
+    </p:extLst>
+  </p:cSld>
+  <p:clrMapOvr>
+    <a:masterClrMapping/>
+  </p:clrMapOvr>
+  <p:hf hdr="0" ftr="0" dt="0"/>
+</p:sldLayout>
+</file>
+
+<file path=ppt/slideLayouts/slideLayout10.xml><?xml version="1.0" encoding="utf-8"?>
+<p:sldLayout xmlns:a="http://schemas.openxmlformats.org/drawingml/2006/main" xmlns:r="http://schemas.openxmlformats.org/officeDocument/2006/relationships" xmlns:p="http://schemas.openxmlformats.org/presentationml/2006/main" type="vertTx" preserve="1">
+  <p:cSld name="Title and Vertical Text">
+    <p:spTree>
+      <p:nvGrpSpPr>
+        <p:cNvPr id="1" name=""/>
+        <p:cNvGrpSpPr/>
+        <p:nvPr/>
+      </p:nvGrpSpPr>
+      <p:grpSpPr>
+        <a:xfrm>
+          <a:off x="0" y="0"/>
+          <a:ext cx="0" cy="0"/>
+          <a:chOff x="0" y="0"/>
+          <a:chExt cx="0" cy="0"/>
+        </a:xfrm>
+      </p:grpSpPr>
+      <p:sp>
+        <p:nvSpPr>
+          <p:cNvPr id="2" name="Title 1"/>
+          <p:cNvSpPr>
+            <a:spLocks noGrp="1"/>
+          </p:cNvSpPr>
+          <p:nvPr>
+            <p:ph type="title"/>
+          </p:nvPr>
+        </p:nvSpPr>
+        <p:spPr/>
+        <p:txBody>
+          <a:bodyPr/>
+          <a:lstStyle/>
+          <a:p>
+            <a:r>
+              <a:rPr lang="en-US" smtClean="0"/>
+              <a:t>Click to edit Master title style</a:t>
+            </a:r>
+            <a:endParaRPr lang="en-US" dirty="0"/>
+          </a:p>
+        </p:txBody>
+      </p:sp>
+      <p:sp>
+        <p:nvSpPr>
+          <p:cNvPr id="3" name="Vertical Text Placeholder 2"/>
+          <p:cNvSpPr>
+            <a:spLocks noGrp="1"/>
+          </p:cNvSpPr>
+          <p:nvPr>
+            <p:ph type="body" orient="vert" idx="1"/>
+          </p:nvPr>
+        </p:nvSpPr>
+        <p:spPr/>
+        <p:txBody>
+          <a:bodyPr vert="eaVert"/>
+          <a:lstStyle/>
+          <a:p>
+            <a:pPr lvl="0"/>
+            <a:r>
+              <a:rPr lang="en-US" smtClean="0"/>
+              <a:t>Click to edit Master text styles</a:t>
+            </a:r>
+          </a:p>
+          <a:p>
+            <a:pPr lvl="1"/>
+            <a:r>
+              <a:rPr lang="en-US" smtClean="0"/>
+              <a:t>Second level</a:t>
+            </a:r>
+          </a:p>
+          <a:p>
+            <a:pPr lvl="2"/>
+            <a:r>
+              <a:rPr lang="en-US" smtClean="0"/>
+              <a:t>Third level</a:t>
+            </a:r>
+          </a:p>
+          <a:p>
+            <a:pPr lvl="3"/>
+            <a:r>
+              <a:rPr lang="en-US" smtClean="0"/>
+              <a:t>Fourth level</a:t>
+            </a:r>
+          </a:p>
+          <a:p>
+            <a:pPr lvl="4"/>
+            <a:r>
+              <a:rPr lang="en-US" smtClean="0"/>
+              <a:t>Fifth level</a:t>
+            </a:r>
+            <a:endParaRPr lang="en-US" dirty="0"/>
+          </a:p>
+        </p:txBody>
+      </p:sp>
+      <p:sp>
+        <p:nvSpPr>
+          <p:cNvPr id="4" name="Date Placeholder 3"/>
+          <p:cNvSpPr>
+            <a:spLocks noGrp="1"/>
+          </p:cNvSpPr>
+          <p:nvPr>
+            <p:ph type="dt" sz="half" idx="10"/>
+          </p:nvPr>
+        </p:nvSpPr>
+        <p:spPr/>
+        <p:txBody>
+          <a:bodyPr/>
+          <a:lstStyle/>
+          <a:p>
+            <a:fld id="{C764DE79-268F-4C1A-8933-263129D2AF90}" type="datetimeFigureOut">
+              <a:rPr lang="en-US" smtClean="0"/>
+              <a:t>8/13/18</a:t>
+            </a:fld>
+            <a:endParaRPr lang="en-US" dirty="0"/>
+          </a:p>
+        </p:txBody>
+      </p:sp>
+      <p:sp>
+        <p:nvSpPr>
+          <p:cNvPr id="5" name="Footer Placeholder 4"/>
+          <p:cNvSpPr>
+            <a:spLocks noGrp="1"/>
+          </p:cNvSpPr>
+          <p:nvPr>
+            <p:ph type="ftr" sz="quarter" idx="11"/>
+          </p:nvPr>
+        </p:nvSpPr>
+        <p:spPr/>
+        <p:txBody>
+          <a:bodyPr/>
+          <a:lstStyle/>
+          <a:p>
+            <a:endParaRPr lang="en-US" dirty="0"/>
+          </a:p>
+        </p:txBody>
+      </p:sp>
+      <p:sp>
+        <p:nvSpPr>
+          <p:cNvPr id="6" name="Slide Number Placeholder 5"/>
+          <p:cNvSpPr>
+            <a:spLocks noGrp="1"/>
+          </p:cNvSpPr>
+          <p:nvPr>
+            <p:ph type="sldNum" sz="quarter" idx="12"/>
+          </p:nvPr>
+        </p:nvSpPr>
+        <p:spPr/>
+        <p:txBody>
+          <a:bodyPr/>
+          <a:lstStyle/>
+          <a:p>
+            <a:fld id="{48F63A3B-78C7-47BE-AE5E-E10140E04643}" type="slidenum">
+              <a:rPr lang="en-US" smtClean="0"/>
+              <a:t>‹#›</a:t>
+            </a:fld>
+            <a:endParaRPr lang="en-US" dirty="0"/>
+          </a:p>
+        </p:txBody>
+      </p:sp>
+    </p:spTree>
+    <p:extLst>
+      <p:ext uri="{BB962C8B-B14F-4D97-AF65-F5344CB8AC3E}">
+        <p14:creationId xmlns:p14="http://schemas.microsoft.com/office/powerpoint/2010/main" val="684901164"/>
+      </p:ext>
+    </p:extLst>
+  </p:cSld>
+  <p:clrMapOvr>
+    <a:masterClrMapping/>
+  </p:clrMapOvr>
+  <p:hf hdr="0" ftr="0" dt="0"/>
+</p:sldLayout>
+</file>
+
+<file path=ppt/slideLayouts/slideLayout11.xml><?xml version="1.0" encoding="utf-8"?>
+<p:sldLayout xmlns:a="http://schemas.openxmlformats.org/drawingml/2006/main" xmlns:r="http://schemas.openxmlformats.org/officeDocument/2006/relationships" xmlns:p="http://schemas.openxmlformats.org/presentationml/2006/main" type="vertTitleAndTx" preserve="1">
+  <p:cSld name="Vertical Title and Text">
+    <p:spTree>
+      <p:nvGrpSpPr>
+        <p:cNvPr id="1" name=""/>
+        <p:cNvGrpSpPr/>
+        <p:nvPr/>
+      </p:nvGrpSpPr>
+      <p:grpSpPr>
+        <a:xfrm>
+          <a:off x="0" y="0"/>
+          <a:ext cx="0" cy="0"/>
+          <a:chOff x="0" y="0"/>
+          <a:chExt cx="0" cy="0"/>
+        </a:xfrm>
+      </p:grpSpPr>
+      <p:sp>
+        <p:nvSpPr>
+          <p:cNvPr id="2" name="Vertical Title 1"/>
+          <p:cNvSpPr>
+            <a:spLocks noGrp="1"/>
+          </p:cNvSpPr>
+          <p:nvPr>
+            <p:ph type="title" orient="vert"/>
+          </p:nvPr>
+        </p:nvSpPr>
+        <p:spPr>
+          <a:xfrm>
+            <a:off x="2617470" y="146050"/>
+            <a:ext cx="788670" cy="2324735"/>
+          </a:xfrm>
+        </p:spPr>
+        <p:txBody>
+          <a:bodyPr vert="eaVert"/>
+          <a:lstStyle/>
+          <a:p>
+            <a:r>
+              <a:rPr lang="en-US" smtClean="0"/>
+              <a:t>Click to edit Master title style</a:t>
+            </a:r>
+            <a:endParaRPr lang="en-US" dirty="0"/>
+          </a:p>
+        </p:txBody>
+      </p:sp>
+      <p:sp>
+        <p:nvSpPr>
+          <p:cNvPr id="3" name="Vertical Text Placeholder 2"/>
+          <p:cNvSpPr>
+            <a:spLocks noGrp="1"/>
+          </p:cNvSpPr>
+          <p:nvPr>
+            <p:ph type="body" orient="vert" idx="1"/>
+          </p:nvPr>
+        </p:nvSpPr>
+        <p:spPr>
+          <a:xfrm>
+            <a:off x="251460" y="146050"/>
+            <a:ext cx="2320290" cy="2324735"/>
+          </a:xfrm>
+        </p:spPr>
+        <p:txBody>
+          <a:bodyPr vert="eaVert"/>
+          <a:lstStyle/>
+          <a:p>
+            <a:pPr lvl="0"/>
+            <a:r>
+              <a:rPr lang="en-US" smtClean="0"/>
+              <a:t>Click to edit Master text styles</a:t>
+            </a:r>
+          </a:p>
+          <a:p>
+            <a:pPr lvl="1"/>
+            <a:r>
+              <a:rPr lang="en-US" smtClean="0"/>
+              <a:t>Second level</a:t>
+            </a:r>
+          </a:p>
+          <a:p>
+            <a:pPr lvl="2"/>
+            <a:r>
+              <a:rPr lang="en-US" smtClean="0"/>
+              <a:t>Third level</a:t>
+            </a:r>
+          </a:p>
+          <a:p>
+            <a:pPr lvl="3"/>
+            <a:r>
+              <a:rPr lang="en-US" smtClean="0"/>
+              <a:t>Fourth level</a:t>
+            </a:r>
+          </a:p>
+          <a:p>
+            <a:pPr lvl="4"/>
+            <a:r>
+              <a:rPr lang="en-US" smtClean="0"/>
+              <a:t>Fifth level</a:t>
+            </a:r>
+            <a:endParaRPr lang="en-US" dirty="0"/>
+          </a:p>
+        </p:txBody>
+      </p:sp>
+      <p:sp>
+        <p:nvSpPr>
+          <p:cNvPr id="4" name="Date Placeholder 3"/>
+          <p:cNvSpPr>
+            <a:spLocks noGrp="1"/>
+          </p:cNvSpPr>
+          <p:nvPr>
+            <p:ph type="dt" sz="half" idx="10"/>
+          </p:nvPr>
+        </p:nvSpPr>
+        <p:spPr/>
+        <p:txBody>
+          <a:bodyPr/>
+          <a:lstStyle/>
+          <a:p>
+            <a:fld id="{C764DE79-268F-4C1A-8933-263129D2AF90}" type="datetimeFigureOut">
+              <a:rPr lang="en-US" smtClean="0"/>
+              <a:t>8/13/18</a:t>
+            </a:fld>
+            <a:endParaRPr lang="en-US" dirty="0"/>
+          </a:p>
+        </p:txBody>
+      </p:sp>
+      <p:sp>
+        <p:nvSpPr>
+          <p:cNvPr id="5" name="Footer Placeholder 4"/>
+          <p:cNvSpPr>
+            <a:spLocks noGrp="1"/>
+          </p:cNvSpPr>
+          <p:nvPr>
+            <p:ph type="ftr" sz="quarter" idx="11"/>
+          </p:nvPr>
+        </p:nvSpPr>
+        <p:spPr/>
+        <p:txBody>
+          <a:bodyPr/>
+          <a:lstStyle/>
+          <a:p>
+            <a:endParaRPr lang="en-US" dirty="0"/>
+          </a:p>
+        </p:txBody>
+      </p:sp>
+      <p:sp>
+        <p:nvSpPr>
+          <p:cNvPr id="6" name="Slide Number Placeholder 5"/>
+          <p:cNvSpPr>
+            <a:spLocks noGrp="1"/>
+          </p:cNvSpPr>
+          <p:nvPr>
+            <p:ph type="sldNum" sz="quarter" idx="12"/>
+          </p:nvPr>
+        </p:nvSpPr>
+        <p:spPr/>
+        <p:txBody>
+          <a:bodyPr/>
+          <a:lstStyle/>
+          <a:p>
+            <a:fld id="{48F63A3B-78C7-47BE-AE5E-E10140E04643}" type="slidenum">
+              <a:rPr lang="en-US" smtClean="0"/>
+              <a:t>‹#›</a:t>
+            </a:fld>
+            <a:endParaRPr lang="en-US" dirty="0"/>
+          </a:p>
+        </p:txBody>
+      </p:sp>
+    </p:spTree>
+    <p:extLst>
+      <p:ext uri="{BB962C8B-B14F-4D97-AF65-F5344CB8AC3E}">
+        <p14:creationId xmlns:p14="http://schemas.microsoft.com/office/powerpoint/2010/main" val="621515428"/>
+      </p:ext>
+    </p:extLst>
+  </p:cSld>
+  <p:clrMapOvr>
+    <a:masterClrMapping/>
+  </p:clrMapOvr>
+  <p:hf hdr="0" ftr="0" dt="0"/>
+</p:sldLayout>
+</file>
+
+<file path=ppt/slideLayouts/slideLayout12.xml><?xml version="1.0" encoding="utf-8"?>
+<p:sldLayout xmlns:a="http://schemas.openxmlformats.org/drawingml/2006/main" xmlns:r="http://schemas.openxmlformats.org/officeDocument/2006/relationships" xmlns:p="http://schemas.openxmlformats.org/presentationml/2006/main" preserve="1" userDrawn="1">
+  <p:cSld name="1_Blank">
+    <p:spTree>
+      <p:nvGrpSpPr>
+        <p:cNvPr id="1" name=""/>
+        <p:cNvGrpSpPr/>
+        <p:nvPr/>
+      </p:nvGrpSpPr>
+      <p:grpSpPr>
+        <a:xfrm>
+          <a:off x="0" y="0"/>
+          <a:ext cx="0" cy="0"/>
+          <a:chOff x="0" y="0"/>
+          <a:chExt cx="0" cy="0"/>
+        </a:xfrm>
+      </p:grpSpPr>
+      <p:sp>
+        <p:nvSpPr>
+          <p:cNvPr id="4" name="Slide Number Placeholder 5"/>
+          <p:cNvSpPr>
+            <a:spLocks noGrp="1"/>
+          </p:cNvSpPr>
+          <p:nvPr>
+            <p:ph type="sldNum" sz="quarter" idx="12"/>
+          </p:nvPr>
+        </p:nvSpPr>
+        <p:spPr>
+          <a:xfrm>
+            <a:off x="2802636" y="2633472"/>
+            <a:ext cx="822960" cy="109728"/>
           </a:xfrm>
           <a:prstGeom prst="rect">
             <a:avLst/>
@@ -619,7 +1169,7 @@
           <a:bodyPr/>
           <a:lstStyle>
             <a:lvl1pPr algn="r">
-              <a:defRPr sz="1200">
+              <a:defRPr sz="1600">
                 <a:solidFill>
                   <a:schemeClr val="tx1"/>
                 </a:solidFill>
@@ -651,8 +1201,8 @@
         </p:nvSpPr>
         <p:spPr>
           <a:xfrm>
-            <a:off x="161109" y="6538277"/>
-            <a:ext cx="4114800" cy="365125"/>
+            <a:off x="48333" y="2615317"/>
+            <a:ext cx="1234440" cy="146051"/>
           </a:xfrm>
           <a:prstGeom prst="rect">
             <a:avLst/>
@@ -662,7 +1212,7 @@
           <a:bodyPr/>
           <a:lstStyle>
             <a:lvl1pPr>
-              <a:defRPr sz="1200">
+              <a:defRPr sz="1600">
                 <a:solidFill>
                   <a:schemeClr val="tx1"/>
                 </a:solidFill>
@@ -690,7 +1240,7 @@
 </p:sldLayout>
 </file>
 
-<file path=ppt/slideLayouts/slideLayout2.xml><?xml version="1.0" encoding="utf-8"?>
+<file path=ppt/slideLayouts/slideLayout13.xml><?xml version="1.0" encoding="utf-8"?>
 <p:sldLayout xmlns:a="http://schemas.openxmlformats.org/drawingml/2006/main" xmlns:r="http://schemas.openxmlformats.org/officeDocument/2006/relationships" xmlns:p="http://schemas.openxmlformats.org/presentationml/2006/main" preserve="1" userDrawn="1">
   <p:cSld name="Simple_Developer">
     <p:spTree>
@@ -719,8 +1269,8 @@
         </p:nvSpPr>
         <p:spPr>
           <a:xfrm>
-            <a:off x="9342120" y="6583680"/>
-            <a:ext cx="2743200" cy="274320"/>
+            <a:off x="2802636" y="2633472"/>
+            <a:ext cx="822960" cy="109728"/>
           </a:xfrm>
           <a:prstGeom prst="rect">
             <a:avLst/>
@@ -730,7 +1280,7 @@
           <a:bodyPr/>
           <a:lstStyle>
             <a:lvl1pPr algn="r">
-              <a:defRPr sz="1200">
+              <a:defRPr sz="1600">
                 <a:latin typeface="Arial" charset="0"/>
                 <a:ea typeface="Arial" charset="0"/>
                 <a:cs typeface="Arial" charset="0"/>
@@ -757,8 +1307,8 @@
         </p:nvSpPr>
         <p:spPr>
           <a:xfrm>
-            <a:off x="9342120" y="6583680"/>
-            <a:ext cx="2743200" cy="274320"/>
+            <a:off x="2802636" y="2633472"/>
+            <a:ext cx="822960" cy="109728"/>
           </a:xfrm>
           <a:prstGeom prst="rect">
             <a:avLst/>
@@ -863,11 +1413,11 @@
           </a:lstStyle>
           <a:p>
             <a:fld id="{FFF8894C-962F-4043-BDE4-6CA2ABEDD0B4}" type="slidenum">
-              <a:rPr lang="en-US" smtClean="0"/>
+              <a:rPr lang="en-US" sz="1600" smtClean="0"/>
               <a:pPr/>
               <a:t>‹#›</a:t>
             </a:fld>
-            <a:endParaRPr lang="en-US" dirty="0"/>
+            <a:endParaRPr lang="en-US" sz="1600" dirty="0"/>
           </a:p>
         </p:txBody>
       </p:sp>
@@ -894,7 +1444,7 @@
         <p:spPr>
           <a:xfrm>
             <a:off x="0" y="0"/>
-            <a:ext cx="12192000" cy="6858000"/>
+            <a:ext cx="3657600" cy="2743200"/>
           </a:xfrm>
           <a:prstGeom prst="rect">
             <a:avLst/>
@@ -914,7 +1464,7 @@
 </p:sldLayout>
 </file>
 
-<file path=ppt/slideLayouts/slideLayout3.xml><?xml version="1.0" encoding="utf-8"?>
+<file path=ppt/slideLayouts/slideLayout14.xml><?xml version="1.0" encoding="utf-8"?>
 <p:sldLayout xmlns:a="http://schemas.openxmlformats.org/drawingml/2006/main" xmlns:r="http://schemas.openxmlformats.org/officeDocument/2006/relationships" xmlns:p="http://schemas.openxmlformats.org/presentationml/2006/main" preserve="1" userDrawn="1">
   <p:cSld name="Simple_Hackathon">
     <p:spTree>
@@ -943,8 +1493,8 @@
         </p:nvSpPr>
         <p:spPr>
           <a:xfrm>
-            <a:off x="9342120" y="6583680"/>
-            <a:ext cx="2743200" cy="274320"/>
+            <a:off x="2802636" y="2633472"/>
+            <a:ext cx="822960" cy="109728"/>
           </a:xfrm>
           <a:prstGeom prst="rect">
             <a:avLst/>
@@ -954,7 +1504,7 @@
           <a:bodyPr/>
           <a:lstStyle>
             <a:lvl1pPr algn="r">
-              <a:defRPr sz="1200">
+              <a:defRPr sz="1600">
                 <a:latin typeface="Arial" charset="0"/>
                 <a:ea typeface="Arial" charset="0"/>
                 <a:cs typeface="Arial" charset="0"/>
@@ -981,8 +1531,8 @@
         </p:nvSpPr>
         <p:spPr>
           <a:xfrm>
-            <a:off x="9342120" y="6583680"/>
-            <a:ext cx="2743200" cy="274320"/>
+            <a:off x="2802636" y="2633472"/>
+            <a:ext cx="822960" cy="109728"/>
           </a:xfrm>
           <a:prstGeom prst="rect">
             <a:avLst/>
@@ -1087,11 +1637,11 @@
           </a:lstStyle>
           <a:p>
             <a:fld id="{FFF8894C-962F-4043-BDE4-6CA2ABEDD0B4}" type="slidenum">
-              <a:rPr lang="en-US" smtClean="0"/>
+              <a:rPr lang="en-US" sz="1600" smtClean="0"/>
               <a:pPr/>
               <a:t>‹#›</a:t>
             </a:fld>
-            <a:endParaRPr lang="en-US" dirty="0"/>
+            <a:endParaRPr lang="en-US" sz="1600" dirty="0"/>
           </a:p>
         </p:txBody>
       </p:sp>
@@ -1118,7 +1668,7 @@
         <p:spPr>
           <a:xfrm>
             <a:off x="0" y="0"/>
-            <a:ext cx="12192000" cy="6858000"/>
+            <a:ext cx="3657600" cy="2743200"/>
           </a:xfrm>
           <a:prstGeom prst="rect">
             <a:avLst/>
@@ -1138,7 +1688,7 @@
 </p:sldLayout>
 </file>
 
-<file path=ppt/slideLayouts/slideLayout4.xml><?xml version="1.0" encoding="utf-8"?>
+<file path=ppt/slideLayouts/slideLayout15.xml><?xml version="1.0" encoding="utf-8"?>
 <p:sldLayout xmlns:a="http://schemas.openxmlformats.org/drawingml/2006/main" xmlns:r="http://schemas.openxmlformats.org/officeDocument/2006/relationships" xmlns:p="http://schemas.openxmlformats.org/presentationml/2006/main" preserve="1" userDrawn="1">
   <p:cSld name="Custom Layout">
     <p:spTree>
@@ -1184,7 +1734,7 @@
         <p:spPr>
           <a:xfrm>
             <a:off x="0" y="0"/>
-            <a:ext cx="12192000" cy="6858000"/>
+            <a:ext cx="3657600" cy="2743200"/>
           </a:xfrm>
           <a:prstGeom prst="rect">
             <a:avLst/>
@@ -1206,7 +1756,7 @@
         <p:spPr>
           <a:xfrm>
             <a:off x="0" y="0"/>
-            <a:ext cx="12191999" cy="6857999"/>
+            <a:ext cx="3657600" cy="2743200"/>
           </a:xfrm>
           <a:prstGeom prst="rect">
             <a:avLst/>
@@ -1241,7 +1791,7 @@
           <a:lstStyle/>
           <a:p>
             <a:pPr algn="ctr"/>
-            <a:endParaRPr lang="en-US"/>
+            <a:endParaRPr lang="en-US" sz="691"/>
           </a:p>
         </p:txBody>
       </p:sp>
@@ -1258,7 +1808,7 @@
 </p:sldLayout>
 </file>
 
-<file path=ppt/slideLayouts/slideLayout5.xml><?xml version="1.0" encoding="utf-8"?>
+<file path=ppt/slideLayouts/slideLayout16.xml><?xml version="1.0" encoding="utf-8"?>
 <p:sldLayout xmlns:a="http://schemas.openxmlformats.org/drawingml/2006/main" xmlns:r="http://schemas.openxmlformats.org/officeDocument/2006/relationships" xmlns:p="http://schemas.openxmlformats.org/presentationml/2006/main" preserve="1" userDrawn="1">
   <p:cSld name="Simple_Design">
     <p:spTree>
@@ -1287,8 +1837,8 @@
         </p:nvSpPr>
         <p:spPr>
           <a:xfrm>
-            <a:off x="9342120" y="6583680"/>
-            <a:ext cx="2743200" cy="274320"/>
+            <a:off x="2802636" y="2633472"/>
+            <a:ext cx="822960" cy="109728"/>
           </a:xfrm>
           <a:prstGeom prst="rect">
             <a:avLst/>
@@ -1298,7 +1848,7 @@
           <a:bodyPr/>
           <a:lstStyle>
             <a:lvl1pPr algn="r">
-              <a:defRPr sz="1200">
+              <a:defRPr sz="1600">
                 <a:latin typeface="Arial" charset="0"/>
                 <a:ea typeface="Arial" charset="0"/>
                 <a:cs typeface="Arial" charset="0"/>
@@ -1325,8 +1875,8 @@
         </p:nvSpPr>
         <p:spPr>
           <a:xfrm>
-            <a:off x="9342120" y="6583680"/>
-            <a:ext cx="2743200" cy="274320"/>
+            <a:off x="2802636" y="2633472"/>
+            <a:ext cx="822960" cy="109728"/>
           </a:xfrm>
           <a:prstGeom prst="rect">
             <a:avLst/>
@@ -1431,11 +1981,11 @@
           </a:lstStyle>
           <a:p>
             <a:fld id="{FFF8894C-962F-4043-BDE4-6CA2ABEDD0B4}" type="slidenum">
-              <a:rPr lang="en-US" smtClean="0"/>
+              <a:rPr lang="en-US" sz="1600" smtClean="0"/>
               <a:pPr/>
               <a:t>‹#›</a:t>
             </a:fld>
-            <a:endParaRPr lang="en-US" dirty="0"/>
+            <a:endParaRPr lang="en-US" sz="1600" dirty="0"/>
           </a:p>
         </p:txBody>
       </p:sp>
@@ -1462,7 +2012,7 @@
         <p:spPr>
           <a:xfrm>
             <a:off x="0" y="0"/>
-            <a:ext cx="12192000" cy="6858000"/>
+            <a:ext cx="3657600" cy="2743200"/>
           </a:xfrm>
           <a:prstGeom prst="rect">
             <a:avLst/>
@@ -1479,6 +2029,1774 @@
   <p:clrMapOvr>
     <a:masterClrMapping/>
   </p:clrMapOvr>
+</p:sldLayout>
+</file>
+
+<file path=ppt/slideLayouts/slideLayout2.xml><?xml version="1.0" encoding="utf-8"?>
+<p:sldLayout xmlns:a="http://schemas.openxmlformats.org/drawingml/2006/main" xmlns:r="http://schemas.openxmlformats.org/officeDocument/2006/relationships" xmlns:p="http://schemas.openxmlformats.org/presentationml/2006/main" type="obj" preserve="1">
+  <p:cSld name="Title and Content">
+    <p:spTree>
+      <p:nvGrpSpPr>
+        <p:cNvPr id="1" name=""/>
+        <p:cNvGrpSpPr/>
+        <p:nvPr/>
+      </p:nvGrpSpPr>
+      <p:grpSpPr>
+        <a:xfrm>
+          <a:off x="0" y="0"/>
+          <a:ext cx="0" cy="0"/>
+          <a:chOff x="0" y="0"/>
+          <a:chExt cx="0" cy="0"/>
+        </a:xfrm>
+      </p:grpSpPr>
+      <p:sp>
+        <p:nvSpPr>
+          <p:cNvPr id="2" name="Title 1"/>
+          <p:cNvSpPr>
+            <a:spLocks noGrp="1"/>
+          </p:cNvSpPr>
+          <p:nvPr>
+            <p:ph type="title"/>
+          </p:nvPr>
+        </p:nvSpPr>
+        <p:spPr/>
+        <p:txBody>
+          <a:bodyPr/>
+          <a:lstStyle/>
+          <a:p>
+            <a:r>
+              <a:rPr lang="en-US" smtClean="0"/>
+              <a:t>Click to edit Master title style</a:t>
+            </a:r>
+            <a:endParaRPr lang="en-US" dirty="0"/>
+          </a:p>
+        </p:txBody>
+      </p:sp>
+      <p:sp>
+        <p:nvSpPr>
+          <p:cNvPr id="3" name="Content Placeholder 2"/>
+          <p:cNvSpPr>
+            <a:spLocks noGrp="1"/>
+          </p:cNvSpPr>
+          <p:nvPr>
+            <p:ph idx="1"/>
+          </p:nvPr>
+        </p:nvSpPr>
+        <p:spPr/>
+        <p:txBody>
+          <a:bodyPr/>
+          <a:lstStyle/>
+          <a:p>
+            <a:pPr lvl="0"/>
+            <a:r>
+              <a:rPr lang="en-US" smtClean="0"/>
+              <a:t>Click to edit Master text styles</a:t>
+            </a:r>
+          </a:p>
+          <a:p>
+            <a:pPr lvl="1"/>
+            <a:r>
+              <a:rPr lang="en-US" smtClean="0"/>
+              <a:t>Second level</a:t>
+            </a:r>
+          </a:p>
+          <a:p>
+            <a:pPr lvl="2"/>
+            <a:r>
+              <a:rPr lang="en-US" smtClean="0"/>
+              <a:t>Third level</a:t>
+            </a:r>
+          </a:p>
+          <a:p>
+            <a:pPr lvl="3"/>
+            <a:r>
+              <a:rPr lang="en-US" smtClean="0"/>
+              <a:t>Fourth level</a:t>
+            </a:r>
+          </a:p>
+          <a:p>
+            <a:pPr lvl="4"/>
+            <a:r>
+              <a:rPr lang="en-US" smtClean="0"/>
+              <a:t>Fifth level</a:t>
+            </a:r>
+            <a:endParaRPr lang="en-US" dirty="0"/>
+          </a:p>
+        </p:txBody>
+      </p:sp>
+      <p:sp>
+        <p:nvSpPr>
+          <p:cNvPr id="4" name="Date Placeholder 3"/>
+          <p:cNvSpPr>
+            <a:spLocks noGrp="1"/>
+          </p:cNvSpPr>
+          <p:nvPr>
+            <p:ph type="dt" sz="half" idx="10"/>
+          </p:nvPr>
+        </p:nvSpPr>
+        <p:spPr/>
+        <p:txBody>
+          <a:bodyPr/>
+          <a:lstStyle/>
+          <a:p>
+            <a:fld id="{C764DE79-268F-4C1A-8933-263129D2AF90}" type="datetimeFigureOut">
+              <a:rPr lang="en-US" smtClean="0"/>
+              <a:t>8/13/18</a:t>
+            </a:fld>
+            <a:endParaRPr lang="en-US" dirty="0"/>
+          </a:p>
+        </p:txBody>
+      </p:sp>
+      <p:sp>
+        <p:nvSpPr>
+          <p:cNvPr id="5" name="Footer Placeholder 4"/>
+          <p:cNvSpPr>
+            <a:spLocks noGrp="1"/>
+          </p:cNvSpPr>
+          <p:nvPr>
+            <p:ph type="ftr" sz="quarter" idx="11"/>
+          </p:nvPr>
+        </p:nvSpPr>
+        <p:spPr/>
+        <p:txBody>
+          <a:bodyPr/>
+          <a:lstStyle/>
+          <a:p>
+            <a:endParaRPr lang="en-US" dirty="0"/>
+          </a:p>
+        </p:txBody>
+      </p:sp>
+      <p:sp>
+        <p:nvSpPr>
+          <p:cNvPr id="6" name="Slide Number Placeholder 5"/>
+          <p:cNvSpPr>
+            <a:spLocks noGrp="1"/>
+          </p:cNvSpPr>
+          <p:nvPr>
+            <p:ph type="sldNum" sz="quarter" idx="12"/>
+          </p:nvPr>
+        </p:nvSpPr>
+        <p:spPr/>
+        <p:txBody>
+          <a:bodyPr/>
+          <a:lstStyle/>
+          <a:p>
+            <a:fld id="{48F63A3B-78C7-47BE-AE5E-E10140E04643}" type="slidenum">
+              <a:rPr lang="en-US" smtClean="0"/>
+              <a:t>‹#›</a:t>
+            </a:fld>
+            <a:endParaRPr lang="en-US" dirty="0"/>
+          </a:p>
+        </p:txBody>
+      </p:sp>
+    </p:spTree>
+    <p:extLst>
+      <p:ext uri="{BB962C8B-B14F-4D97-AF65-F5344CB8AC3E}">
+        <p14:creationId xmlns:p14="http://schemas.microsoft.com/office/powerpoint/2010/main" val="987535012"/>
+      </p:ext>
+    </p:extLst>
+  </p:cSld>
+  <p:clrMapOvr>
+    <a:masterClrMapping/>
+  </p:clrMapOvr>
+  <p:hf hdr="0" ftr="0" dt="0"/>
+</p:sldLayout>
+</file>
+
+<file path=ppt/slideLayouts/slideLayout3.xml><?xml version="1.0" encoding="utf-8"?>
+<p:sldLayout xmlns:a="http://schemas.openxmlformats.org/drawingml/2006/main" xmlns:r="http://schemas.openxmlformats.org/officeDocument/2006/relationships" xmlns:p="http://schemas.openxmlformats.org/presentationml/2006/main" type="secHead" preserve="1">
+  <p:cSld name="Section Header">
+    <p:spTree>
+      <p:nvGrpSpPr>
+        <p:cNvPr id="1" name=""/>
+        <p:cNvGrpSpPr/>
+        <p:nvPr/>
+      </p:nvGrpSpPr>
+      <p:grpSpPr>
+        <a:xfrm>
+          <a:off x="0" y="0"/>
+          <a:ext cx="0" cy="0"/>
+          <a:chOff x="0" y="0"/>
+          <a:chExt cx="0" cy="0"/>
+        </a:xfrm>
+      </p:grpSpPr>
+      <p:sp>
+        <p:nvSpPr>
+          <p:cNvPr id="2" name="Title 1"/>
+          <p:cNvSpPr>
+            <a:spLocks noGrp="1"/>
+          </p:cNvSpPr>
+          <p:nvPr>
+            <p:ph type="title"/>
+          </p:nvPr>
+        </p:nvSpPr>
+        <p:spPr>
+          <a:xfrm>
+            <a:off x="249555" y="683896"/>
+            <a:ext cx="3154680" cy="1141095"/>
+          </a:xfrm>
+        </p:spPr>
+        <p:txBody>
+          <a:bodyPr anchor="b"/>
+          <a:lstStyle>
+            <a:lvl1pPr>
+              <a:defRPr sz="2400"/>
+            </a:lvl1pPr>
+          </a:lstStyle>
+          <a:p>
+            <a:r>
+              <a:rPr lang="en-US" smtClean="0"/>
+              <a:t>Click to edit Master title style</a:t>
+            </a:r>
+            <a:endParaRPr lang="en-US" dirty="0"/>
+          </a:p>
+        </p:txBody>
+      </p:sp>
+      <p:sp>
+        <p:nvSpPr>
+          <p:cNvPr id="3" name="Text Placeholder 2"/>
+          <p:cNvSpPr>
+            <a:spLocks noGrp="1"/>
+          </p:cNvSpPr>
+          <p:nvPr>
+            <p:ph type="body" idx="1"/>
+          </p:nvPr>
+        </p:nvSpPr>
+        <p:spPr>
+          <a:xfrm>
+            <a:off x="249555" y="1835786"/>
+            <a:ext cx="3154680" cy="600075"/>
+          </a:xfrm>
+        </p:spPr>
+        <p:txBody>
+          <a:bodyPr/>
+          <a:lstStyle>
+            <a:lvl1pPr marL="0" indent="0">
+              <a:buNone/>
+              <a:defRPr sz="960">
+                <a:solidFill>
+                  <a:schemeClr val="tx1"/>
+                </a:solidFill>
+              </a:defRPr>
+            </a:lvl1pPr>
+            <a:lvl2pPr marL="182880" indent="0">
+              <a:buNone/>
+              <a:defRPr sz="800">
+                <a:solidFill>
+                  <a:schemeClr val="tx1">
+                    <a:tint val="75000"/>
+                  </a:schemeClr>
+                </a:solidFill>
+              </a:defRPr>
+            </a:lvl2pPr>
+            <a:lvl3pPr marL="365760" indent="0">
+              <a:buNone/>
+              <a:defRPr sz="720">
+                <a:solidFill>
+                  <a:schemeClr val="tx1">
+                    <a:tint val="75000"/>
+                  </a:schemeClr>
+                </a:solidFill>
+              </a:defRPr>
+            </a:lvl3pPr>
+            <a:lvl4pPr marL="548640" indent="0">
+              <a:buNone/>
+              <a:defRPr sz="640">
+                <a:solidFill>
+                  <a:schemeClr val="tx1">
+                    <a:tint val="75000"/>
+                  </a:schemeClr>
+                </a:solidFill>
+              </a:defRPr>
+            </a:lvl4pPr>
+            <a:lvl5pPr marL="731520" indent="0">
+              <a:buNone/>
+              <a:defRPr sz="640">
+                <a:solidFill>
+                  <a:schemeClr val="tx1">
+                    <a:tint val="75000"/>
+                  </a:schemeClr>
+                </a:solidFill>
+              </a:defRPr>
+            </a:lvl5pPr>
+            <a:lvl6pPr marL="914400" indent="0">
+              <a:buNone/>
+              <a:defRPr sz="640">
+                <a:solidFill>
+                  <a:schemeClr val="tx1">
+                    <a:tint val="75000"/>
+                  </a:schemeClr>
+                </a:solidFill>
+              </a:defRPr>
+            </a:lvl6pPr>
+            <a:lvl7pPr marL="1097280" indent="0">
+              <a:buNone/>
+              <a:defRPr sz="640">
+                <a:solidFill>
+                  <a:schemeClr val="tx1">
+                    <a:tint val="75000"/>
+                  </a:schemeClr>
+                </a:solidFill>
+              </a:defRPr>
+            </a:lvl7pPr>
+            <a:lvl8pPr marL="1280160" indent="0">
+              <a:buNone/>
+              <a:defRPr sz="640">
+                <a:solidFill>
+                  <a:schemeClr val="tx1">
+                    <a:tint val="75000"/>
+                  </a:schemeClr>
+                </a:solidFill>
+              </a:defRPr>
+            </a:lvl8pPr>
+            <a:lvl9pPr marL="1463040" indent="0">
+              <a:buNone/>
+              <a:defRPr sz="640">
+                <a:solidFill>
+                  <a:schemeClr val="tx1">
+                    <a:tint val="75000"/>
+                  </a:schemeClr>
+                </a:solidFill>
+              </a:defRPr>
+            </a:lvl9pPr>
+          </a:lstStyle>
+          <a:p>
+            <a:pPr lvl="0"/>
+            <a:r>
+              <a:rPr lang="en-US" smtClean="0"/>
+              <a:t>Click to edit Master text styles</a:t>
+            </a:r>
+          </a:p>
+        </p:txBody>
+      </p:sp>
+      <p:sp>
+        <p:nvSpPr>
+          <p:cNvPr id="4" name="Date Placeholder 3"/>
+          <p:cNvSpPr>
+            <a:spLocks noGrp="1"/>
+          </p:cNvSpPr>
+          <p:nvPr>
+            <p:ph type="dt" sz="half" idx="10"/>
+          </p:nvPr>
+        </p:nvSpPr>
+        <p:spPr/>
+        <p:txBody>
+          <a:bodyPr/>
+          <a:lstStyle/>
+          <a:p>
+            <a:fld id="{C764DE79-268F-4C1A-8933-263129D2AF90}" type="datetimeFigureOut">
+              <a:rPr lang="en-US" smtClean="0"/>
+              <a:t>8/13/18</a:t>
+            </a:fld>
+            <a:endParaRPr lang="en-US" dirty="0"/>
+          </a:p>
+        </p:txBody>
+      </p:sp>
+      <p:sp>
+        <p:nvSpPr>
+          <p:cNvPr id="5" name="Footer Placeholder 4"/>
+          <p:cNvSpPr>
+            <a:spLocks noGrp="1"/>
+          </p:cNvSpPr>
+          <p:nvPr>
+            <p:ph type="ftr" sz="quarter" idx="11"/>
+          </p:nvPr>
+        </p:nvSpPr>
+        <p:spPr/>
+        <p:txBody>
+          <a:bodyPr/>
+          <a:lstStyle/>
+          <a:p>
+            <a:endParaRPr lang="en-US" dirty="0"/>
+          </a:p>
+        </p:txBody>
+      </p:sp>
+      <p:sp>
+        <p:nvSpPr>
+          <p:cNvPr id="6" name="Slide Number Placeholder 5"/>
+          <p:cNvSpPr>
+            <a:spLocks noGrp="1"/>
+          </p:cNvSpPr>
+          <p:nvPr>
+            <p:ph type="sldNum" sz="quarter" idx="12"/>
+          </p:nvPr>
+        </p:nvSpPr>
+        <p:spPr/>
+        <p:txBody>
+          <a:bodyPr/>
+          <a:lstStyle/>
+          <a:p>
+            <a:fld id="{48F63A3B-78C7-47BE-AE5E-E10140E04643}" type="slidenum">
+              <a:rPr lang="en-US" smtClean="0"/>
+              <a:t>‹#›</a:t>
+            </a:fld>
+            <a:endParaRPr lang="en-US" dirty="0"/>
+          </a:p>
+        </p:txBody>
+      </p:sp>
+    </p:spTree>
+    <p:extLst>
+      <p:ext uri="{BB962C8B-B14F-4D97-AF65-F5344CB8AC3E}">
+        <p14:creationId xmlns:p14="http://schemas.microsoft.com/office/powerpoint/2010/main" val="1747322668"/>
+      </p:ext>
+    </p:extLst>
+  </p:cSld>
+  <p:clrMapOvr>
+    <a:masterClrMapping/>
+  </p:clrMapOvr>
+  <p:hf hdr="0" ftr="0" dt="0"/>
+</p:sldLayout>
+</file>
+
+<file path=ppt/slideLayouts/slideLayout4.xml><?xml version="1.0" encoding="utf-8"?>
+<p:sldLayout xmlns:a="http://schemas.openxmlformats.org/drawingml/2006/main" xmlns:r="http://schemas.openxmlformats.org/officeDocument/2006/relationships" xmlns:p="http://schemas.openxmlformats.org/presentationml/2006/main" type="twoObj" preserve="1">
+  <p:cSld name="Two Content">
+    <p:spTree>
+      <p:nvGrpSpPr>
+        <p:cNvPr id="1" name=""/>
+        <p:cNvGrpSpPr/>
+        <p:nvPr/>
+      </p:nvGrpSpPr>
+      <p:grpSpPr>
+        <a:xfrm>
+          <a:off x="0" y="0"/>
+          <a:ext cx="0" cy="0"/>
+          <a:chOff x="0" y="0"/>
+          <a:chExt cx="0" cy="0"/>
+        </a:xfrm>
+      </p:grpSpPr>
+      <p:sp>
+        <p:nvSpPr>
+          <p:cNvPr id="2" name="Title 1"/>
+          <p:cNvSpPr>
+            <a:spLocks noGrp="1"/>
+          </p:cNvSpPr>
+          <p:nvPr>
+            <p:ph type="title"/>
+          </p:nvPr>
+        </p:nvSpPr>
+        <p:spPr/>
+        <p:txBody>
+          <a:bodyPr/>
+          <a:lstStyle/>
+          <a:p>
+            <a:r>
+              <a:rPr lang="en-US" smtClean="0"/>
+              <a:t>Click to edit Master title style</a:t>
+            </a:r>
+            <a:endParaRPr lang="en-US" dirty="0"/>
+          </a:p>
+        </p:txBody>
+      </p:sp>
+      <p:sp>
+        <p:nvSpPr>
+          <p:cNvPr id="3" name="Content Placeholder 2"/>
+          <p:cNvSpPr>
+            <a:spLocks noGrp="1"/>
+          </p:cNvSpPr>
+          <p:nvPr>
+            <p:ph sz="half" idx="1"/>
+          </p:nvPr>
+        </p:nvSpPr>
+        <p:spPr>
+          <a:xfrm>
+            <a:off x="251460" y="730250"/>
+            <a:ext cx="1554480" cy="1740535"/>
+          </a:xfrm>
+        </p:spPr>
+        <p:txBody>
+          <a:bodyPr/>
+          <a:lstStyle/>
+          <a:p>
+            <a:pPr lvl="0"/>
+            <a:r>
+              <a:rPr lang="en-US" smtClean="0"/>
+              <a:t>Click to edit Master text styles</a:t>
+            </a:r>
+          </a:p>
+          <a:p>
+            <a:pPr lvl="1"/>
+            <a:r>
+              <a:rPr lang="en-US" smtClean="0"/>
+              <a:t>Second level</a:t>
+            </a:r>
+          </a:p>
+          <a:p>
+            <a:pPr lvl="2"/>
+            <a:r>
+              <a:rPr lang="en-US" smtClean="0"/>
+              <a:t>Third level</a:t>
+            </a:r>
+          </a:p>
+          <a:p>
+            <a:pPr lvl="3"/>
+            <a:r>
+              <a:rPr lang="en-US" smtClean="0"/>
+              <a:t>Fourth level</a:t>
+            </a:r>
+          </a:p>
+          <a:p>
+            <a:pPr lvl="4"/>
+            <a:r>
+              <a:rPr lang="en-US" smtClean="0"/>
+              <a:t>Fifth level</a:t>
+            </a:r>
+            <a:endParaRPr lang="en-US" dirty="0"/>
+          </a:p>
+        </p:txBody>
+      </p:sp>
+      <p:sp>
+        <p:nvSpPr>
+          <p:cNvPr id="4" name="Content Placeholder 3"/>
+          <p:cNvSpPr>
+            <a:spLocks noGrp="1"/>
+          </p:cNvSpPr>
+          <p:nvPr>
+            <p:ph sz="half" idx="2"/>
+          </p:nvPr>
+        </p:nvSpPr>
+        <p:spPr>
+          <a:xfrm>
+            <a:off x="1851660" y="730250"/>
+            <a:ext cx="1554480" cy="1740535"/>
+          </a:xfrm>
+        </p:spPr>
+        <p:txBody>
+          <a:bodyPr/>
+          <a:lstStyle/>
+          <a:p>
+            <a:pPr lvl="0"/>
+            <a:r>
+              <a:rPr lang="en-US" smtClean="0"/>
+              <a:t>Click to edit Master text styles</a:t>
+            </a:r>
+          </a:p>
+          <a:p>
+            <a:pPr lvl="1"/>
+            <a:r>
+              <a:rPr lang="en-US" smtClean="0"/>
+              <a:t>Second level</a:t>
+            </a:r>
+          </a:p>
+          <a:p>
+            <a:pPr lvl="2"/>
+            <a:r>
+              <a:rPr lang="en-US" smtClean="0"/>
+              <a:t>Third level</a:t>
+            </a:r>
+          </a:p>
+          <a:p>
+            <a:pPr lvl="3"/>
+            <a:r>
+              <a:rPr lang="en-US" smtClean="0"/>
+              <a:t>Fourth level</a:t>
+            </a:r>
+          </a:p>
+          <a:p>
+            <a:pPr lvl="4"/>
+            <a:r>
+              <a:rPr lang="en-US" smtClean="0"/>
+              <a:t>Fifth level</a:t>
+            </a:r>
+            <a:endParaRPr lang="en-US" dirty="0"/>
+          </a:p>
+        </p:txBody>
+      </p:sp>
+      <p:sp>
+        <p:nvSpPr>
+          <p:cNvPr id="5" name="Date Placeholder 4"/>
+          <p:cNvSpPr>
+            <a:spLocks noGrp="1"/>
+          </p:cNvSpPr>
+          <p:nvPr>
+            <p:ph type="dt" sz="half" idx="10"/>
+          </p:nvPr>
+        </p:nvSpPr>
+        <p:spPr/>
+        <p:txBody>
+          <a:bodyPr/>
+          <a:lstStyle/>
+          <a:p>
+            <a:fld id="{C764DE79-268F-4C1A-8933-263129D2AF90}" type="datetimeFigureOut">
+              <a:rPr lang="en-US" smtClean="0"/>
+              <a:t>8/13/18</a:t>
+            </a:fld>
+            <a:endParaRPr lang="en-US" dirty="0"/>
+          </a:p>
+        </p:txBody>
+      </p:sp>
+      <p:sp>
+        <p:nvSpPr>
+          <p:cNvPr id="6" name="Footer Placeholder 5"/>
+          <p:cNvSpPr>
+            <a:spLocks noGrp="1"/>
+          </p:cNvSpPr>
+          <p:nvPr>
+            <p:ph type="ftr" sz="quarter" idx="11"/>
+          </p:nvPr>
+        </p:nvSpPr>
+        <p:spPr/>
+        <p:txBody>
+          <a:bodyPr/>
+          <a:lstStyle/>
+          <a:p>
+            <a:endParaRPr lang="en-US" dirty="0"/>
+          </a:p>
+        </p:txBody>
+      </p:sp>
+      <p:sp>
+        <p:nvSpPr>
+          <p:cNvPr id="7" name="Slide Number Placeholder 6"/>
+          <p:cNvSpPr>
+            <a:spLocks noGrp="1"/>
+          </p:cNvSpPr>
+          <p:nvPr>
+            <p:ph type="sldNum" sz="quarter" idx="12"/>
+          </p:nvPr>
+        </p:nvSpPr>
+        <p:spPr/>
+        <p:txBody>
+          <a:bodyPr/>
+          <a:lstStyle/>
+          <a:p>
+            <a:fld id="{48F63A3B-78C7-47BE-AE5E-E10140E04643}" type="slidenum">
+              <a:rPr lang="en-US" smtClean="0"/>
+              <a:t>‹#›</a:t>
+            </a:fld>
+            <a:endParaRPr lang="en-US" dirty="0"/>
+          </a:p>
+        </p:txBody>
+      </p:sp>
+    </p:spTree>
+    <p:extLst>
+      <p:ext uri="{BB962C8B-B14F-4D97-AF65-F5344CB8AC3E}">
+        <p14:creationId xmlns:p14="http://schemas.microsoft.com/office/powerpoint/2010/main" val="413208351"/>
+      </p:ext>
+    </p:extLst>
+  </p:cSld>
+  <p:clrMapOvr>
+    <a:masterClrMapping/>
+  </p:clrMapOvr>
+  <p:hf hdr="0" ftr="0" dt="0"/>
+</p:sldLayout>
+</file>
+
+<file path=ppt/slideLayouts/slideLayout5.xml><?xml version="1.0" encoding="utf-8"?>
+<p:sldLayout xmlns:a="http://schemas.openxmlformats.org/drawingml/2006/main" xmlns:r="http://schemas.openxmlformats.org/officeDocument/2006/relationships" xmlns:p="http://schemas.openxmlformats.org/presentationml/2006/main" type="twoTxTwoObj" preserve="1">
+  <p:cSld name="Comparison">
+    <p:spTree>
+      <p:nvGrpSpPr>
+        <p:cNvPr id="1" name=""/>
+        <p:cNvGrpSpPr/>
+        <p:nvPr/>
+      </p:nvGrpSpPr>
+      <p:grpSpPr>
+        <a:xfrm>
+          <a:off x="0" y="0"/>
+          <a:ext cx="0" cy="0"/>
+          <a:chOff x="0" y="0"/>
+          <a:chExt cx="0" cy="0"/>
+        </a:xfrm>
+      </p:grpSpPr>
+      <p:sp>
+        <p:nvSpPr>
+          <p:cNvPr id="2" name="Title 1"/>
+          <p:cNvSpPr>
+            <a:spLocks noGrp="1"/>
+          </p:cNvSpPr>
+          <p:nvPr>
+            <p:ph type="title"/>
+          </p:nvPr>
+        </p:nvSpPr>
+        <p:spPr>
+          <a:xfrm>
+            <a:off x="251936" y="146051"/>
+            <a:ext cx="3154680" cy="530225"/>
+          </a:xfrm>
+        </p:spPr>
+        <p:txBody>
+          <a:bodyPr/>
+          <a:lstStyle/>
+          <a:p>
+            <a:r>
+              <a:rPr lang="en-US" smtClean="0"/>
+              <a:t>Click to edit Master title style</a:t>
+            </a:r>
+            <a:endParaRPr lang="en-US" dirty="0"/>
+          </a:p>
+        </p:txBody>
+      </p:sp>
+      <p:sp>
+        <p:nvSpPr>
+          <p:cNvPr id="3" name="Text Placeholder 2"/>
+          <p:cNvSpPr>
+            <a:spLocks noGrp="1"/>
+          </p:cNvSpPr>
+          <p:nvPr>
+            <p:ph type="body" idx="1"/>
+          </p:nvPr>
+        </p:nvSpPr>
+        <p:spPr>
+          <a:xfrm>
+            <a:off x="251937" y="672465"/>
+            <a:ext cx="1547336" cy="329565"/>
+          </a:xfrm>
+        </p:spPr>
+        <p:txBody>
+          <a:bodyPr anchor="b"/>
+          <a:lstStyle>
+            <a:lvl1pPr marL="0" indent="0">
+              <a:buNone/>
+              <a:defRPr sz="960" b="1"/>
+            </a:lvl1pPr>
+            <a:lvl2pPr marL="182880" indent="0">
+              <a:buNone/>
+              <a:defRPr sz="800" b="1"/>
+            </a:lvl2pPr>
+            <a:lvl3pPr marL="365760" indent="0">
+              <a:buNone/>
+              <a:defRPr sz="720" b="1"/>
+            </a:lvl3pPr>
+            <a:lvl4pPr marL="548640" indent="0">
+              <a:buNone/>
+              <a:defRPr sz="640" b="1"/>
+            </a:lvl4pPr>
+            <a:lvl5pPr marL="731520" indent="0">
+              <a:buNone/>
+              <a:defRPr sz="640" b="1"/>
+            </a:lvl5pPr>
+            <a:lvl6pPr marL="914400" indent="0">
+              <a:buNone/>
+              <a:defRPr sz="640" b="1"/>
+            </a:lvl6pPr>
+            <a:lvl7pPr marL="1097280" indent="0">
+              <a:buNone/>
+              <a:defRPr sz="640" b="1"/>
+            </a:lvl7pPr>
+            <a:lvl8pPr marL="1280160" indent="0">
+              <a:buNone/>
+              <a:defRPr sz="640" b="1"/>
+            </a:lvl8pPr>
+            <a:lvl9pPr marL="1463040" indent="0">
+              <a:buNone/>
+              <a:defRPr sz="640" b="1"/>
+            </a:lvl9pPr>
+          </a:lstStyle>
+          <a:p>
+            <a:pPr lvl="0"/>
+            <a:r>
+              <a:rPr lang="en-US" smtClean="0"/>
+              <a:t>Click to edit Master text styles</a:t>
+            </a:r>
+          </a:p>
+        </p:txBody>
+      </p:sp>
+      <p:sp>
+        <p:nvSpPr>
+          <p:cNvPr id="4" name="Content Placeholder 3"/>
+          <p:cNvSpPr>
+            <a:spLocks noGrp="1"/>
+          </p:cNvSpPr>
+          <p:nvPr>
+            <p:ph sz="half" idx="2"/>
+          </p:nvPr>
+        </p:nvSpPr>
+        <p:spPr>
+          <a:xfrm>
+            <a:off x="251937" y="1002030"/>
+            <a:ext cx="1547336" cy="1473835"/>
+          </a:xfrm>
+        </p:spPr>
+        <p:txBody>
+          <a:bodyPr/>
+          <a:lstStyle/>
+          <a:p>
+            <a:pPr lvl="0"/>
+            <a:r>
+              <a:rPr lang="en-US" smtClean="0"/>
+              <a:t>Click to edit Master text styles</a:t>
+            </a:r>
+          </a:p>
+          <a:p>
+            <a:pPr lvl="1"/>
+            <a:r>
+              <a:rPr lang="en-US" smtClean="0"/>
+              <a:t>Second level</a:t>
+            </a:r>
+          </a:p>
+          <a:p>
+            <a:pPr lvl="2"/>
+            <a:r>
+              <a:rPr lang="en-US" smtClean="0"/>
+              <a:t>Third level</a:t>
+            </a:r>
+          </a:p>
+          <a:p>
+            <a:pPr lvl="3"/>
+            <a:r>
+              <a:rPr lang="en-US" smtClean="0"/>
+              <a:t>Fourth level</a:t>
+            </a:r>
+          </a:p>
+          <a:p>
+            <a:pPr lvl="4"/>
+            <a:r>
+              <a:rPr lang="en-US" smtClean="0"/>
+              <a:t>Fifth level</a:t>
+            </a:r>
+            <a:endParaRPr lang="en-US" dirty="0"/>
+          </a:p>
+        </p:txBody>
+      </p:sp>
+      <p:sp>
+        <p:nvSpPr>
+          <p:cNvPr id="5" name="Text Placeholder 4"/>
+          <p:cNvSpPr>
+            <a:spLocks noGrp="1"/>
+          </p:cNvSpPr>
+          <p:nvPr>
+            <p:ph type="body" sz="quarter" idx="3"/>
+          </p:nvPr>
+        </p:nvSpPr>
+        <p:spPr>
+          <a:xfrm>
+            <a:off x="1851660" y="672465"/>
+            <a:ext cx="1554956" cy="329565"/>
+          </a:xfrm>
+        </p:spPr>
+        <p:txBody>
+          <a:bodyPr anchor="b"/>
+          <a:lstStyle>
+            <a:lvl1pPr marL="0" indent="0">
+              <a:buNone/>
+              <a:defRPr sz="960" b="1"/>
+            </a:lvl1pPr>
+            <a:lvl2pPr marL="182880" indent="0">
+              <a:buNone/>
+              <a:defRPr sz="800" b="1"/>
+            </a:lvl2pPr>
+            <a:lvl3pPr marL="365760" indent="0">
+              <a:buNone/>
+              <a:defRPr sz="720" b="1"/>
+            </a:lvl3pPr>
+            <a:lvl4pPr marL="548640" indent="0">
+              <a:buNone/>
+              <a:defRPr sz="640" b="1"/>
+            </a:lvl4pPr>
+            <a:lvl5pPr marL="731520" indent="0">
+              <a:buNone/>
+              <a:defRPr sz="640" b="1"/>
+            </a:lvl5pPr>
+            <a:lvl6pPr marL="914400" indent="0">
+              <a:buNone/>
+              <a:defRPr sz="640" b="1"/>
+            </a:lvl6pPr>
+            <a:lvl7pPr marL="1097280" indent="0">
+              <a:buNone/>
+              <a:defRPr sz="640" b="1"/>
+            </a:lvl7pPr>
+            <a:lvl8pPr marL="1280160" indent="0">
+              <a:buNone/>
+              <a:defRPr sz="640" b="1"/>
+            </a:lvl8pPr>
+            <a:lvl9pPr marL="1463040" indent="0">
+              <a:buNone/>
+              <a:defRPr sz="640" b="1"/>
+            </a:lvl9pPr>
+          </a:lstStyle>
+          <a:p>
+            <a:pPr lvl="0"/>
+            <a:r>
+              <a:rPr lang="en-US" smtClean="0"/>
+              <a:t>Click to edit Master text styles</a:t>
+            </a:r>
+          </a:p>
+        </p:txBody>
+      </p:sp>
+      <p:sp>
+        <p:nvSpPr>
+          <p:cNvPr id="6" name="Content Placeholder 5"/>
+          <p:cNvSpPr>
+            <a:spLocks noGrp="1"/>
+          </p:cNvSpPr>
+          <p:nvPr>
+            <p:ph sz="quarter" idx="4"/>
+          </p:nvPr>
+        </p:nvSpPr>
+        <p:spPr>
+          <a:xfrm>
+            <a:off x="1851660" y="1002030"/>
+            <a:ext cx="1554956" cy="1473835"/>
+          </a:xfrm>
+        </p:spPr>
+        <p:txBody>
+          <a:bodyPr/>
+          <a:lstStyle/>
+          <a:p>
+            <a:pPr lvl="0"/>
+            <a:r>
+              <a:rPr lang="en-US" smtClean="0"/>
+              <a:t>Click to edit Master text styles</a:t>
+            </a:r>
+          </a:p>
+          <a:p>
+            <a:pPr lvl="1"/>
+            <a:r>
+              <a:rPr lang="en-US" smtClean="0"/>
+              <a:t>Second level</a:t>
+            </a:r>
+          </a:p>
+          <a:p>
+            <a:pPr lvl="2"/>
+            <a:r>
+              <a:rPr lang="en-US" smtClean="0"/>
+              <a:t>Third level</a:t>
+            </a:r>
+          </a:p>
+          <a:p>
+            <a:pPr lvl="3"/>
+            <a:r>
+              <a:rPr lang="en-US" smtClean="0"/>
+              <a:t>Fourth level</a:t>
+            </a:r>
+          </a:p>
+          <a:p>
+            <a:pPr lvl="4"/>
+            <a:r>
+              <a:rPr lang="en-US" smtClean="0"/>
+              <a:t>Fifth level</a:t>
+            </a:r>
+            <a:endParaRPr lang="en-US" dirty="0"/>
+          </a:p>
+        </p:txBody>
+      </p:sp>
+      <p:sp>
+        <p:nvSpPr>
+          <p:cNvPr id="7" name="Date Placeholder 6"/>
+          <p:cNvSpPr>
+            <a:spLocks noGrp="1"/>
+          </p:cNvSpPr>
+          <p:nvPr>
+            <p:ph type="dt" sz="half" idx="10"/>
+          </p:nvPr>
+        </p:nvSpPr>
+        <p:spPr/>
+        <p:txBody>
+          <a:bodyPr/>
+          <a:lstStyle/>
+          <a:p>
+            <a:fld id="{C764DE79-268F-4C1A-8933-263129D2AF90}" type="datetimeFigureOut">
+              <a:rPr lang="en-US" smtClean="0"/>
+              <a:t>8/13/18</a:t>
+            </a:fld>
+            <a:endParaRPr lang="en-US" dirty="0"/>
+          </a:p>
+        </p:txBody>
+      </p:sp>
+      <p:sp>
+        <p:nvSpPr>
+          <p:cNvPr id="8" name="Footer Placeholder 7"/>
+          <p:cNvSpPr>
+            <a:spLocks noGrp="1"/>
+          </p:cNvSpPr>
+          <p:nvPr>
+            <p:ph type="ftr" sz="quarter" idx="11"/>
+          </p:nvPr>
+        </p:nvSpPr>
+        <p:spPr/>
+        <p:txBody>
+          <a:bodyPr/>
+          <a:lstStyle/>
+          <a:p>
+            <a:endParaRPr lang="en-US" dirty="0"/>
+          </a:p>
+        </p:txBody>
+      </p:sp>
+      <p:sp>
+        <p:nvSpPr>
+          <p:cNvPr id="9" name="Slide Number Placeholder 8"/>
+          <p:cNvSpPr>
+            <a:spLocks noGrp="1"/>
+          </p:cNvSpPr>
+          <p:nvPr>
+            <p:ph type="sldNum" sz="quarter" idx="12"/>
+          </p:nvPr>
+        </p:nvSpPr>
+        <p:spPr/>
+        <p:txBody>
+          <a:bodyPr/>
+          <a:lstStyle/>
+          <a:p>
+            <a:fld id="{48F63A3B-78C7-47BE-AE5E-E10140E04643}" type="slidenum">
+              <a:rPr lang="en-US" smtClean="0"/>
+              <a:t>‹#›</a:t>
+            </a:fld>
+            <a:endParaRPr lang="en-US" dirty="0"/>
+          </a:p>
+        </p:txBody>
+      </p:sp>
+    </p:spTree>
+    <p:extLst>
+      <p:ext uri="{BB962C8B-B14F-4D97-AF65-F5344CB8AC3E}">
+        <p14:creationId xmlns:p14="http://schemas.microsoft.com/office/powerpoint/2010/main" val="1978124506"/>
+      </p:ext>
+    </p:extLst>
+  </p:cSld>
+  <p:clrMapOvr>
+    <a:masterClrMapping/>
+  </p:clrMapOvr>
+  <p:hf hdr="0" ftr="0" dt="0"/>
+</p:sldLayout>
+</file>
+
+<file path=ppt/slideLayouts/slideLayout6.xml><?xml version="1.0" encoding="utf-8"?>
+<p:sldLayout xmlns:a="http://schemas.openxmlformats.org/drawingml/2006/main" xmlns:r="http://schemas.openxmlformats.org/officeDocument/2006/relationships" xmlns:p="http://schemas.openxmlformats.org/presentationml/2006/main" type="titleOnly" preserve="1">
+  <p:cSld name="Title Only">
+    <p:spTree>
+      <p:nvGrpSpPr>
+        <p:cNvPr id="1" name=""/>
+        <p:cNvGrpSpPr/>
+        <p:nvPr/>
+      </p:nvGrpSpPr>
+      <p:grpSpPr>
+        <a:xfrm>
+          <a:off x="0" y="0"/>
+          <a:ext cx="0" cy="0"/>
+          <a:chOff x="0" y="0"/>
+          <a:chExt cx="0" cy="0"/>
+        </a:xfrm>
+      </p:grpSpPr>
+      <p:sp>
+        <p:nvSpPr>
+          <p:cNvPr id="2" name="Title 1"/>
+          <p:cNvSpPr>
+            <a:spLocks noGrp="1"/>
+          </p:cNvSpPr>
+          <p:nvPr>
+            <p:ph type="title"/>
+          </p:nvPr>
+        </p:nvSpPr>
+        <p:spPr/>
+        <p:txBody>
+          <a:bodyPr/>
+          <a:lstStyle/>
+          <a:p>
+            <a:r>
+              <a:rPr lang="en-US" smtClean="0"/>
+              <a:t>Click to edit Master title style</a:t>
+            </a:r>
+            <a:endParaRPr lang="en-US" dirty="0"/>
+          </a:p>
+        </p:txBody>
+      </p:sp>
+      <p:sp>
+        <p:nvSpPr>
+          <p:cNvPr id="3" name="Date Placeholder 2"/>
+          <p:cNvSpPr>
+            <a:spLocks noGrp="1"/>
+          </p:cNvSpPr>
+          <p:nvPr>
+            <p:ph type="dt" sz="half" idx="10"/>
+          </p:nvPr>
+        </p:nvSpPr>
+        <p:spPr/>
+        <p:txBody>
+          <a:bodyPr/>
+          <a:lstStyle/>
+          <a:p>
+            <a:fld id="{C764DE79-268F-4C1A-8933-263129D2AF90}" type="datetimeFigureOut">
+              <a:rPr lang="en-US" smtClean="0"/>
+              <a:t>8/13/18</a:t>
+            </a:fld>
+            <a:endParaRPr lang="en-US" dirty="0"/>
+          </a:p>
+        </p:txBody>
+      </p:sp>
+      <p:sp>
+        <p:nvSpPr>
+          <p:cNvPr id="4" name="Footer Placeholder 3"/>
+          <p:cNvSpPr>
+            <a:spLocks noGrp="1"/>
+          </p:cNvSpPr>
+          <p:nvPr>
+            <p:ph type="ftr" sz="quarter" idx="11"/>
+          </p:nvPr>
+        </p:nvSpPr>
+        <p:spPr/>
+        <p:txBody>
+          <a:bodyPr/>
+          <a:lstStyle/>
+          <a:p>
+            <a:endParaRPr lang="en-US" dirty="0"/>
+          </a:p>
+        </p:txBody>
+      </p:sp>
+      <p:sp>
+        <p:nvSpPr>
+          <p:cNvPr id="5" name="Slide Number Placeholder 4"/>
+          <p:cNvSpPr>
+            <a:spLocks noGrp="1"/>
+          </p:cNvSpPr>
+          <p:nvPr>
+            <p:ph type="sldNum" sz="quarter" idx="12"/>
+          </p:nvPr>
+        </p:nvSpPr>
+        <p:spPr/>
+        <p:txBody>
+          <a:bodyPr/>
+          <a:lstStyle/>
+          <a:p>
+            <a:fld id="{48F63A3B-78C7-47BE-AE5E-E10140E04643}" type="slidenum">
+              <a:rPr lang="en-US" smtClean="0"/>
+              <a:t>‹#›</a:t>
+            </a:fld>
+            <a:endParaRPr lang="en-US" dirty="0"/>
+          </a:p>
+        </p:txBody>
+      </p:sp>
+    </p:spTree>
+    <p:extLst>
+      <p:ext uri="{BB962C8B-B14F-4D97-AF65-F5344CB8AC3E}">
+        <p14:creationId xmlns:p14="http://schemas.microsoft.com/office/powerpoint/2010/main" val="1144233135"/>
+      </p:ext>
+    </p:extLst>
+  </p:cSld>
+  <p:clrMapOvr>
+    <a:masterClrMapping/>
+  </p:clrMapOvr>
+  <p:hf hdr="0" ftr="0" dt="0"/>
+</p:sldLayout>
+</file>
+
+<file path=ppt/slideLayouts/slideLayout7.xml><?xml version="1.0" encoding="utf-8"?>
+<p:sldLayout xmlns:a="http://schemas.openxmlformats.org/drawingml/2006/main" xmlns:r="http://schemas.openxmlformats.org/officeDocument/2006/relationships" xmlns:p="http://schemas.openxmlformats.org/presentationml/2006/main" type="blank" preserve="1">
+  <p:cSld name="Blank">
+    <p:spTree>
+      <p:nvGrpSpPr>
+        <p:cNvPr id="1" name=""/>
+        <p:cNvGrpSpPr/>
+        <p:nvPr/>
+      </p:nvGrpSpPr>
+      <p:grpSpPr>
+        <a:xfrm>
+          <a:off x="0" y="0"/>
+          <a:ext cx="0" cy="0"/>
+          <a:chOff x="0" y="0"/>
+          <a:chExt cx="0" cy="0"/>
+        </a:xfrm>
+      </p:grpSpPr>
+      <p:sp>
+        <p:nvSpPr>
+          <p:cNvPr id="2" name="Date Placeholder 1"/>
+          <p:cNvSpPr>
+            <a:spLocks noGrp="1"/>
+          </p:cNvSpPr>
+          <p:nvPr>
+            <p:ph type="dt" sz="half" idx="10"/>
+          </p:nvPr>
+        </p:nvSpPr>
+        <p:spPr/>
+        <p:txBody>
+          <a:bodyPr/>
+          <a:lstStyle/>
+          <a:p>
+            <a:fld id="{C764DE79-268F-4C1A-8933-263129D2AF90}" type="datetimeFigureOut">
+              <a:rPr lang="en-US" smtClean="0"/>
+              <a:t>8/13/18</a:t>
+            </a:fld>
+            <a:endParaRPr lang="en-US" dirty="0"/>
+          </a:p>
+        </p:txBody>
+      </p:sp>
+      <p:sp>
+        <p:nvSpPr>
+          <p:cNvPr id="3" name="Footer Placeholder 2"/>
+          <p:cNvSpPr>
+            <a:spLocks noGrp="1"/>
+          </p:cNvSpPr>
+          <p:nvPr>
+            <p:ph type="ftr" sz="quarter" idx="11"/>
+          </p:nvPr>
+        </p:nvSpPr>
+        <p:spPr/>
+        <p:txBody>
+          <a:bodyPr/>
+          <a:lstStyle/>
+          <a:p>
+            <a:endParaRPr lang="en-US" dirty="0"/>
+          </a:p>
+        </p:txBody>
+      </p:sp>
+      <p:sp>
+        <p:nvSpPr>
+          <p:cNvPr id="4" name="Slide Number Placeholder 3"/>
+          <p:cNvSpPr>
+            <a:spLocks noGrp="1"/>
+          </p:cNvSpPr>
+          <p:nvPr>
+            <p:ph type="sldNum" sz="quarter" idx="12"/>
+          </p:nvPr>
+        </p:nvSpPr>
+        <p:spPr/>
+        <p:txBody>
+          <a:bodyPr/>
+          <a:lstStyle/>
+          <a:p>
+            <a:fld id="{FFF8894C-962F-4043-BDE4-6CA2ABEDD0B4}" type="slidenum">
+              <a:rPr lang="en-US" smtClean="0"/>
+              <a:pPr/>
+              <a:t>‹#›</a:t>
+            </a:fld>
+            <a:endParaRPr lang="en-US" dirty="0"/>
+          </a:p>
+        </p:txBody>
+      </p:sp>
+    </p:spTree>
+    <p:extLst>
+      <p:ext uri="{BB962C8B-B14F-4D97-AF65-F5344CB8AC3E}">
+        <p14:creationId xmlns:p14="http://schemas.microsoft.com/office/powerpoint/2010/main" val="410241060"/>
+      </p:ext>
+    </p:extLst>
+  </p:cSld>
+  <p:clrMapOvr>
+    <a:masterClrMapping/>
+  </p:clrMapOvr>
+</p:sldLayout>
+</file>
+
+<file path=ppt/slideLayouts/slideLayout8.xml><?xml version="1.0" encoding="utf-8"?>
+<p:sldLayout xmlns:a="http://schemas.openxmlformats.org/drawingml/2006/main" xmlns:r="http://schemas.openxmlformats.org/officeDocument/2006/relationships" xmlns:p="http://schemas.openxmlformats.org/presentationml/2006/main" type="objTx" preserve="1">
+  <p:cSld name="Content with Caption">
+    <p:spTree>
+      <p:nvGrpSpPr>
+        <p:cNvPr id="1" name=""/>
+        <p:cNvGrpSpPr/>
+        <p:nvPr/>
+      </p:nvGrpSpPr>
+      <p:grpSpPr>
+        <a:xfrm>
+          <a:off x="0" y="0"/>
+          <a:ext cx="0" cy="0"/>
+          <a:chOff x="0" y="0"/>
+          <a:chExt cx="0" cy="0"/>
+        </a:xfrm>
+      </p:grpSpPr>
+      <p:sp>
+        <p:nvSpPr>
+          <p:cNvPr id="2" name="Title 1"/>
+          <p:cNvSpPr>
+            <a:spLocks noGrp="1"/>
+          </p:cNvSpPr>
+          <p:nvPr>
+            <p:ph type="title"/>
+          </p:nvPr>
+        </p:nvSpPr>
+        <p:spPr>
+          <a:xfrm>
+            <a:off x="251937" y="182880"/>
+            <a:ext cx="1179671" cy="640080"/>
+          </a:xfrm>
+        </p:spPr>
+        <p:txBody>
+          <a:bodyPr anchor="b"/>
+          <a:lstStyle>
+            <a:lvl1pPr>
+              <a:defRPr sz="1280"/>
+            </a:lvl1pPr>
+          </a:lstStyle>
+          <a:p>
+            <a:r>
+              <a:rPr lang="en-US" smtClean="0"/>
+              <a:t>Click to edit Master title style</a:t>
+            </a:r>
+            <a:endParaRPr lang="en-US" dirty="0"/>
+          </a:p>
+        </p:txBody>
+      </p:sp>
+      <p:sp>
+        <p:nvSpPr>
+          <p:cNvPr id="3" name="Content Placeholder 2"/>
+          <p:cNvSpPr>
+            <a:spLocks noGrp="1"/>
+          </p:cNvSpPr>
+          <p:nvPr>
+            <p:ph idx="1"/>
+          </p:nvPr>
+        </p:nvSpPr>
+        <p:spPr>
+          <a:xfrm>
+            <a:off x="1554956" y="394971"/>
+            <a:ext cx="1851660" cy="1949450"/>
+          </a:xfrm>
+        </p:spPr>
+        <p:txBody>
+          <a:bodyPr/>
+          <a:lstStyle>
+            <a:lvl1pPr>
+              <a:defRPr sz="1280"/>
+            </a:lvl1pPr>
+            <a:lvl2pPr>
+              <a:defRPr sz="1120"/>
+            </a:lvl2pPr>
+            <a:lvl3pPr>
+              <a:defRPr sz="960"/>
+            </a:lvl3pPr>
+            <a:lvl4pPr>
+              <a:defRPr sz="800"/>
+            </a:lvl4pPr>
+            <a:lvl5pPr>
+              <a:defRPr sz="800"/>
+            </a:lvl5pPr>
+            <a:lvl6pPr>
+              <a:defRPr sz="800"/>
+            </a:lvl6pPr>
+            <a:lvl7pPr>
+              <a:defRPr sz="800"/>
+            </a:lvl7pPr>
+            <a:lvl8pPr>
+              <a:defRPr sz="800"/>
+            </a:lvl8pPr>
+            <a:lvl9pPr>
+              <a:defRPr sz="800"/>
+            </a:lvl9pPr>
+          </a:lstStyle>
+          <a:p>
+            <a:pPr lvl="0"/>
+            <a:r>
+              <a:rPr lang="en-US" smtClean="0"/>
+              <a:t>Click to edit Master text styles</a:t>
+            </a:r>
+          </a:p>
+          <a:p>
+            <a:pPr lvl="1"/>
+            <a:r>
+              <a:rPr lang="en-US" smtClean="0"/>
+              <a:t>Second level</a:t>
+            </a:r>
+          </a:p>
+          <a:p>
+            <a:pPr lvl="2"/>
+            <a:r>
+              <a:rPr lang="en-US" smtClean="0"/>
+              <a:t>Third level</a:t>
+            </a:r>
+          </a:p>
+          <a:p>
+            <a:pPr lvl="3"/>
+            <a:r>
+              <a:rPr lang="en-US" smtClean="0"/>
+              <a:t>Fourth level</a:t>
+            </a:r>
+          </a:p>
+          <a:p>
+            <a:pPr lvl="4"/>
+            <a:r>
+              <a:rPr lang="en-US" smtClean="0"/>
+              <a:t>Fifth level</a:t>
+            </a:r>
+            <a:endParaRPr lang="en-US" dirty="0"/>
+          </a:p>
+        </p:txBody>
+      </p:sp>
+      <p:sp>
+        <p:nvSpPr>
+          <p:cNvPr id="4" name="Text Placeholder 3"/>
+          <p:cNvSpPr>
+            <a:spLocks noGrp="1"/>
+          </p:cNvSpPr>
+          <p:nvPr>
+            <p:ph type="body" sz="half" idx="2"/>
+          </p:nvPr>
+        </p:nvSpPr>
+        <p:spPr>
+          <a:xfrm>
+            <a:off x="251937" y="822960"/>
+            <a:ext cx="1179671" cy="1524635"/>
+          </a:xfrm>
+        </p:spPr>
+        <p:txBody>
+          <a:bodyPr/>
+          <a:lstStyle>
+            <a:lvl1pPr marL="0" indent="0">
+              <a:buNone/>
+              <a:defRPr sz="640"/>
+            </a:lvl1pPr>
+            <a:lvl2pPr marL="182880" indent="0">
+              <a:buNone/>
+              <a:defRPr sz="560"/>
+            </a:lvl2pPr>
+            <a:lvl3pPr marL="365760" indent="0">
+              <a:buNone/>
+              <a:defRPr sz="480"/>
+            </a:lvl3pPr>
+            <a:lvl4pPr marL="548640" indent="0">
+              <a:buNone/>
+              <a:defRPr sz="400"/>
+            </a:lvl4pPr>
+            <a:lvl5pPr marL="731520" indent="0">
+              <a:buNone/>
+              <a:defRPr sz="400"/>
+            </a:lvl5pPr>
+            <a:lvl6pPr marL="914400" indent="0">
+              <a:buNone/>
+              <a:defRPr sz="400"/>
+            </a:lvl6pPr>
+            <a:lvl7pPr marL="1097280" indent="0">
+              <a:buNone/>
+              <a:defRPr sz="400"/>
+            </a:lvl7pPr>
+            <a:lvl8pPr marL="1280160" indent="0">
+              <a:buNone/>
+              <a:defRPr sz="400"/>
+            </a:lvl8pPr>
+            <a:lvl9pPr marL="1463040" indent="0">
+              <a:buNone/>
+              <a:defRPr sz="400"/>
+            </a:lvl9pPr>
+          </a:lstStyle>
+          <a:p>
+            <a:pPr lvl="0"/>
+            <a:r>
+              <a:rPr lang="en-US" smtClean="0"/>
+              <a:t>Click to edit Master text styles</a:t>
+            </a:r>
+          </a:p>
+        </p:txBody>
+      </p:sp>
+      <p:sp>
+        <p:nvSpPr>
+          <p:cNvPr id="5" name="Date Placeholder 4"/>
+          <p:cNvSpPr>
+            <a:spLocks noGrp="1"/>
+          </p:cNvSpPr>
+          <p:nvPr>
+            <p:ph type="dt" sz="half" idx="10"/>
+          </p:nvPr>
+        </p:nvSpPr>
+        <p:spPr/>
+        <p:txBody>
+          <a:bodyPr/>
+          <a:lstStyle/>
+          <a:p>
+            <a:fld id="{C764DE79-268F-4C1A-8933-263129D2AF90}" type="datetimeFigureOut">
+              <a:rPr lang="en-US" smtClean="0"/>
+              <a:t>8/13/18</a:t>
+            </a:fld>
+            <a:endParaRPr lang="en-US" dirty="0"/>
+          </a:p>
+        </p:txBody>
+      </p:sp>
+      <p:sp>
+        <p:nvSpPr>
+          <p:cNvPr id="6" name="Footer Placeholder 5"/>
+          <p:cNvSpPr>
+            <a:spLocks noGrp="1"/>
+          </p:cNvSpPr>
+          <p:nvPr>
+            <p:ph type="ftr" sz="quarter" idx="11"/>
+          </p:nvPr>
+        </p:nvSpPr>
+        <p:spPr/>
+        <p:txBody>
+          <a:bodyPr/>
+          <a:lstStyle/>
+          <a:p>
+            <a:endParaRPr lang="en-US" dirty="0"/>
+          </a:p>
+        </p:txBody>
+      </p:sp>
+      <p:sp>
+        <p:nvSpPr>
+          <p:cNvPr id="7" name="Slide Number Placeholder 6"/>
+          <p:cNvSpPr>
+            <a:spLocks noGrp="1"/>
+          </p:cNvSpPr>
+          <p:nvPr>
+            <p:ph type="sldNum" sz="quarter" idx="12"/>
+          </p:nvPr>
+        </p:nvSpPr>
+        <p:spPr/>
+        <p:txBody>
+          <a:bodyPr/>
+          <a:lstStyle/>
+          <a:p>
+            <a:fld id="{48F63A3B-78C7-47BE-AE5E-E10140E04643}" type="slidenum">
+              <a:rPr lang="en-US" smtClean="0"/>
+              <a:t>‹#›</a:t>
+            </a:fld>
+            <a:endParaRPr lang="en-US" dirty="0"/>
+          </a:p>
+        </p:txBody>
+      </p:sp>
+    </p:spTree>
+    <p:extLst>
+      <p:ext uri="{BB962C8B-B14F-4D97-AF65-F5344CB8AC3E}">
+        <p14:creationId xmlns:p14="http://schemas.microsoft.com/office/powerpoint/2010/main" val="1498988550"/>
+      </p:ext>
+    </p:extLst>
+  </p:cSld>
+  <p:clrMapOvr>
+    <a:masterClrMapping/>
+  </p:clrMapOvr>
+  <p:hf hdr="0" ftr="0" dt="0"/>
+</p:sldLayout>
+</file>
+
+<file path=ppt/slideLayouts/slideLayout9.xml><?xml version="1.0" encoding="utf-8"?>
+<p:sldLayout xmlns:a="http://schemas.openxmlformats.org/drawingml/2006/main" xmlns:r="http://schemas.openxmlformats.org/officeDocument/2006/relationships" xmlns:p="http://schemas.openxmlformats.org/presentationml/2006/main" type="picTx" preserve="1">
+  <p:cSld name="Picture with Caption">
+    <p:spTree>
+      <p:nvGrpSpPr>
+        <p:cNvPr id="1" name=""/>
+        <p:cNvGrpSpPr/>
+        <p:nvPr/>
+      </p:nvGrpSpPr>
+      <p:grpSpPr>
+        <a:xfrm>
+          <a:off x="0" y="0"/>
+          <a:ext cx="0" cy="0"/>
+          <a:chOff x="0" y="0"/>
+          <a:chExt cx="0" cy="0"/>
+        </a:xfrm>
+      </p:grpSpPr>
+      <p:sp>
+        <p:nvSpPr>
+          <p:cNvPr id="2" name="Title 1"/>
+          <p:cNvSpPr>
+            <a:spLocks noGrp="1"/>
+          </p:cNvSpPr>
+          <p:nvPr>
+            <p:ph type="title"/>
+          </p:nvPr>
+        </p:nvSpPr>
+        <p:spPr>
+          <a:xfrm>
+            <a:off x="251937" y="182880"/>
+            <a:ext cx="1179671" cy="640080"/>
+          </a:xfrm>
+        </p:spPr>
+        <p:txBody>
+          <a:bodyPr anchor="b"/>
+          <a:lstStyle>
+            <a:lvl1pPr>
+              <a:defRPr sz="1280"/>
+            </a:lvl1pPr>
+          </a:lstStyle>
+          <a:p>
+            <a:r>
+              <a:rPr lang="en-US" smtClean="0"/>
+              <a:t>Click to edit Master title style</a:t>
+            </a:r>
+            <a:endParaRPr lang="en-US" dirty="0"/>
+          </a:p>
+        </p:txBody>
+      </p:sp>
+      <p:sp>
+        <p:nvSpPr>
+          <p:cNvPr id="3" name="Picture Placeholder 2"/>
+          <p:cNvSpPr>
+            <a:spLocks noGrp="1" noChangeAspect="1"/>
+          </p:cNvSpPr>
+          <p:nvPr>
+            <p:ph type="pic" idx="1"/>
+          </p:nvPr>
+        </p:nvSpPr>
+        <p:spPr>
+          <a:xfrm>
+            <a:off x="1554956" y="394971"/>
+            <a:ext cx="1851660" cy="1949450"/>
+          </a:xfrm>
+        </p:spPr>
+        <p:txBody>
+          <a:bodyPr anchor="t"/>
+          <a:lstStyle>
+            <a:lvl1pPr marL="0" indent="0">
+              <a:buNone/>
+              <a:defRPr sz="1280"/>
+            </a:lvl1pPr>
+            <a:lvl2pPr marL="182880" indent="0">
+              <a:buNone/>
+              <a:defRPr sz="1120"/>
+            </a:lvl2pPr>
+            <a:lvl3pPr marL="365760" indent="0">
+              <a:buNone/>
+              <a:defRPr sz="960"/>
+            </a:lvl3pPr>
+            <a:lvl4pPr marL="548640" indent="0">
+              <a:buNone/>
+              <a:defRPr sz="800"/>
+            </a:lvl4pPr>
+            <a:lvl5pPr marL="731520" indent="0">
+              <a:buNone/>
+              <a:defRPr sz="800"/>
+            </a:lvl5pPr>
+            <a:lvl6pPr marL="914400" indent="0">
+              <a:buNone/>
+              <a:defRPr sz="800"/>
+            </a:lvl6pPr>
+            <a:lvl7pPr marL="1097280" indent="0">
+              <a:buNone/>
+              <a:defRPr sz="800"/>
+            </a:lvl7pPr>
+            <a:lvl8pPr marL="1280160" indent="0">
+              <a:buNone/>
+              <a:defRPr sz="800"/>
+            </a:lvl8pPr>
+            <a:lvl9pPr marL="1463040" indent="0">
+              <a:buNone/>
+              <a:defRPr sz="800"/>
+            </a:lvl9pPr>
+          </a:lstStyle>
+          <a:p>
+            <a:r>
+              <a:rPr lang="en-US" smtClean="0"/>
+              <a:t>Drag picture to placeholder or click icon to add</a:t>
+            </a:r>
+            <a:endParaRPr lang="en-US" dirty="0"/>
+          </a:p>
+        </p:txBody>
+      </p:sp>
+      <p:sp>
+        <p:nvSpPr>
+          <p:cNvPr id="4" name="Text Placeholder 3"/>
+          <p:cNvSpPr>
+            <a:spLocks noGrp="1"/>
+          </p:cNvSpPr>
+          <p:nvPr>
+            <p:ph type="body" sz="half" idx="2"/>
+          </p:nvPr>
+        </p:nvSpPr>
+        <p:spPr>
+          <a:xfrm>
+            <a:off x="251937" y="822960"/>
+            <a:ext cx="1179671" cy="1524635"/>
+          </a:xfrm>
+        </p:spPr>
+        <p:txBody>
+          <a:bodyPr/>
+          <a:lstStyle>
+            <a:lvl1pPr marL="0" indent="0">
+              <a:buNone/>
+              <a:defRPr sz="640"/>
+            </a:lvl1pPr>
+            <a:lvl2pPr marL="182880" indent="0">
+              <a:buNone/>
+              <a:defRPr sz="560"/>
+            </a:lvl2pPr>
+            <a:lvl3pPr marL="365760" indent="0">
+              <a:buNone/>
+              <a:defRPr sz="480"/>
+            </a:lvl3pPr>
+            <a:lvl4pPr marL="548640" indent="0">
+              <a:buNone/>
+              <a:defRPr sz="400"/>
+            </a:lvl4pPr>
+            <a:lvl5pPr marL="731520" indent="0">
+              <a:buNone/>
+              <a:defRPr sz="400"/>
+            </a:lvl5pPr>
+            <a:lvl6pPr marL="914400" indent="0">
+              <a:buNone/>
+              <a:defRPr sz="400"/>
+            </a:lvl6pPr>
+            <a:lvl7pPr marL="1097280" indent="0">
+              <a:buNone/>
+              <a:defRPr sz="400"/>
+            </a:lvl7pPr>
+            <a:lvl8pPr marL="1280160" indent="0">
+              <a:buNone/>
+              <a:defRPr sz="400"/>
+            </a:lvl8pPr>
+            <a:lvl9pPr marL="1463040" indent="0">
+              <a:buNone/>
+              <a:defRPr sz="400"/>
+            </a:lvl9pPr>
+          </a:lstStyle>
+          <a:p>
+            <a:pPr lvl="0"/>
+            <a:r>
+              <a:rPr lang="en-US" smtClean="0"/>
+              <a:t>Click to edit Master text styles</a:t>
+            </a:r>
+          </a:p>
+        </p:txBody>
+      </p:sp>
+      <p:sp>
+        <p:nvSpPr>
+          <p:cNvPr id="5" name="Date Placeholder 4"/>
+          <p:cNvSpPr>
+            <a:spLocks noGrp="1"/>
+          </p:cNvSpPr>
+          <p:nvPr>
+            <p:ph type="dt" sz="half" idx="10"/>
+          </p:nvPr>
+        </p:nvSpPr>
+        <p:spPr/>
+        <p:txBody>
+          <a:bodyPr/>
+          <a:lstStyle/>
+          <a:p>
+            <a:fld id="{C764DE79-268F-4C1A-8933-263129D2AF90}" type="datetimeFigureOut">
+              <a:rPr lang="en-US" smtClean="0"/>
+              <a:t>8/13/18</a:t>
+            </a:fld>
+            <a:endParaRPr lang="en-US" dirty="0"/>
+          </a:p>
+        </p:txBody>
+      </p:sp>
+      <p:sp>
+        <p:nvSpPr>
+          <p:cNvPr id="6" name="Footer Placeholder 5"/>
+          <p:cNvSpPr>
+            <a:spLocks noGrp="1"/>
+          </p:cNvSpPr>
+          <p:nvPr>
+            <p:ph type="ftr" sz="quarter" idx="11"/>
+          </p:nvPr>
+        </p:nvSpPr>
+        <p:spPr/>
+        <p:txBody>
+          <a:bodyPr/>
+          <a:lstStyle/>
+          <a:p>
+            <a:endParaRPr lang="en-US" dirty="0"/>
+          </a:p>
+        </p:txBody>
+      </p:sp>
+      <p:sp>
+        <p:nvSpPr>
+          <p:cNvPr id="7" name="Slide Number Placeholder 6"/>
+          <p:cNvSpPr>
+            <a:spLocks noGrp="1"/>
+          </p:cNvSpPr>
+          <p:nvPr>
+            <p:ph type="sldNum" sz="quarter" idx="12"/>
+          </p:nvPr>
+        </p:nvSpPr>
+        <p:spPr/>
+        <p:txBody>
+          <a:bodyPr/>
+          <a:lstStyle/>
+          <a:p>
+            <a:fld id="{48F63A3B-78C7-47BE-AE5E-E10140E04643}" type="slidenum">
+              <a:rPr lang="en-US" smtClean="0"/>
+              <a:t>‹#›</a:t>
+            </a:fld>
+            <a:endParaRPr lang="en-US" dirty="0"/>
+          </a:p>
+        </p:txBody>
+      </p:sp>
+    </p:spTree>
+    <p:extLst>
+      <p:ext uri="{BB962C8B-B14F-4D97-AF65-F5344CB8AC3E}">
+        <p14:creationId xmlns:p14="http://schemas.microsoft.com/office/powerpoint/2010/main" val="1369896893"/>
+      </p:ext>
+    </p:extLst>
+  </p:cSld>
+  <p:clrMapOvr>
+    <a:masterClrMapping/>
+  </p:clrMapOvr>
+  <p:hf hdr="0" ftr="0" dt="0"/>
 </p:sldLayout>
 </file>
 
@@ -1504,25 +3822,250 @@
           <a:chExt cx="0" cy="0"/>
         </a:xfrm>
       </p:grpSpPr>
+      <p:sp>
+        <p:nvSpPr>
+          <p:cNvPr id="2" name="Title Placeholder 1"/>
+          <p:cNvSpPr>
+            <a:spLocks noGrp="1"/>
+          </p:cNvSpPr>
+          <p:nvPr>
+            <p:ph type="title"/>
+          </p:nvPr>
+        </p:nvSpPr>
+        <p:spPr>
+          <a:xfrm>
+            <a:off x="251460" y="146051"/>
+            <a:ext cx="3154680" cy="530225"/>
+          </a:xfrm>
+          <a:prstGeom prst="rect">
+            <a:avLst/>
+          </a:prstGeom>
+        </p:spPr>
+        <p:txBody>
+          <a:bodyPr vert="horz" lIns="91440" tIns="45720" rIns="91440" bIns="45720" rtlCol="0" anchor="ctr">
+            <a:normAutofit/>
+          </a:bodyPr>
+          <a:lstStyle/>
+          <a:p>
+            <a:r>
+              <a:rPr lang="en-US" smtClean="0"/>
+              <a:t>Click to edit Master title style</a:t>
+            </a:r>
+            <a:endParaRPr lang="en-US" dirty="0"/>
+          </a:p>
+        </p:txBody>
+      </p:sp>
+      <p:sp>
+        <p:nvSpPr>
+          <p:cNvPr id="3" name="Text Placeholder 2"/>
+          <p:cNvSpPr>
+            <a:spLocks noGrp="1"/>
+          </p:cNvSpPr>
+          <p:nvPr>
+            <p:ph type="body" idx="1"/>
+          </p:nvPr>
+        </p:nvSpPr>
+        <p:spPr>
+          <a:xfrm>
+            <a:off x="251460" y="730250"/>
+            <a:ext cx="3154680" cy="1740535"/>
+          </a:xfrm>
+          <a:prstGeom prst="rect">
+            <a:avLst/>
+          </a:prstGeom>
+        </p:spPr>
+        <p:txBody>
+          <a:bodyPr vert="horz" lIns="91440" tIns="45720" rIns="91440" bIns="45720" rtlCol="0">
+            <a:normAutofit/>
+          </a:bodyPr>
+          <a:lstStyle/>
+          <a:p>
+            <a:pPr lvl="0"/>
+            <a:r>
+              <a:rPr lang="en-US" smtClean="0"/>
+              <a:t>Click to edit Master text styles</a:t>
+            </a:r>
+          </a:p>
+          <a:p>
+            <a:pPr lvl="1"/>
+            <a:r>
+              <a:rPr lang="en-US" smtClean="0"/>
+              <a:t>Second level</a:t>
+            </a:r>
+          </a:p>
+          <a:p>
+            <a:pPr lvl="2"/>
+            <a:r>
+              <a:rPr lang="en-US" smtClean="0"/>
+              <a:t>Third level</a:t>
+            </a:r>
+          </a:p>
+          <a:p>
+            <a:pPr lvl="3"/>
+            <a:r>
+              <a:rPr lang="en-US" smtClean="0"/>
+              <a:t>Fourth level</a:t>
+            </a:r>
+          </a:p>
+          <a:p>
+            <a:pPr lvl="4"/>
+            <a:r>
+              <a:rPr lang="en-US" smtClean="0"/>
+              <a:t>Fifth level</a:t>
+            </a:r>
+            <a:endParaRPr lang="en-US" dirty="0"/>
+          </a:p>
+        </p:txBody>
+      </p:sp>
+      <p:sp>
+        <p:nvSpPr>
+          <p:cNvPr id="4" name="Date Placeholder 3"/>
+          <p:cNvSpPr>
+            <a:spLocks noGrp="1"/>
+          </p:cNvSpPr>
+          <p:nvPr>
+            <p:ph type="dt" sz="half" idx="2"/>
+          </p:nvPr>
+        </p:nvSpPr>
+        <p:spPr>
+          <a:xfrm>
+            <a:off x="251460" y="2542541"/>
+            <a:ext cx="822960" cy="146050"/>
+          </a:xfrm>
+          <a:prstGeom prst="rect">
+            <a:avLst/>
+          </a:prstGeom>
+        </p:spPr>
+        <p:txBody>
+          <a:bodyPr vert="horz" lIns="91440" tIns="45720" rIns="91440" bIns="45720" rtlCol="0" anchor="ctr"/>
+          <a:lstStyle>
+            <a:lvl1pPr algn="l">
+              <a:defRPr sz="480">
+                <a:solidFill>
+                  <a:schemeClr val="tx1">
+                    <a:tint val="75000"/>
+                  </a:schemeClr>
+                </a:solidFill>
+              </a:defRPr>
+            </a:lvl1pPr>
+          </a:lstStyle>
+          <a:p>
+            <a:fld id="{C764DE79-268F-4C1A-8933-263129D2AF90}" type="datetimeFigureOut">
+              <a:rPr lang="en-US" smtClean="0"/>
+              <a:t>8/13/18</a:t>
+            </a:fld>
+            <a:endParaRPr lang="en-US" dirty="0"/>
+          </a:p>
+        </p:txBody>
+      </p:sp>
+      <p:sp>
+        <p:nvSpPr>
+          <p:cNvPr id="5" name="Footer Placeholder 4"/>
+          <p:cNvSpPr>
+            <a:spLocks noGrp="1"/>
+          </p:cNvSpPr>
+          <p:nvPr>
+            <p:ph type="ftr" sz="quarter" idx="3"/>
+          </p:nvPr>
+        </p:nvSpPr>
+        <p:spPr>
+          <a:xfrm>
+            <a:off x="1211580" y="2542541"/>
+            <a:ext cx="1234440" cy="146050"/>
+          </a:xfrm>
+          <a:prstGeom prst="rect">
+            <a:avLst/>
+          </a:prstGeom>
+        </p:spPr>
+        <p:txBody>
+          <a:bodyPr vert="horz" lIns="91440" tIns="45720" rIns="91440" bIns="45720" rtlCol="0" anchor="ctr"/>
+          <a:lstStyle>
+            <a:lvl1pPr algn="ctr">
+              <a:defRPr sz="480">
+                <a:solidFill>
+                  <a:schemeClr val="tx1">
+                    <a:tint val="75000"/>
+                  </a:schemeClr>
+                </a:solidFill>
+              </a:defRPr>
+            </a:lvl1pPr>
+          </a:lstStyle>
+          <a:p>
+            <a:endParaRPr lang="en-US" dirty="0"/>
+          </a:p>
+        </p:txBody>
+      </p:sp>
+      <p:sp>
+        <p:nvSpPr>
+          <p:cNvPr id="6" name="Slide Number Placeholder 5"/>
+          <p:cNvSpPr>
+            <a:spLocks noGrp="1"/>
+          </p:cNvSpPr>
+          <p:nvPr>
+            <p:ph type="sldNum" sz="quarter" idx="4"/>
+          </p:nvPr>
+        </p:nvSpPr>
+        <p:spPr>
+          <a:xfrm>
+            <a:off x="2583180" y="2542541"/>
+            <a:ext cx="822960" cy="146050"/>
+          </a:xfrm>
+          <a:prstGeom prst="rect">
+            <a:avLst/>
+          </a:prstGeom>
+        </p:spPr>
+        <p:txBody>
+          <a:bodyPr vert="horz" lIns="91440" tIns="45720" rIns="91440" bIns="45720" rtlCol="0" anchor="ctr"/>
+          <a:lstStyle>
+            <a:lvl1pPr algn="r">
+              <a:defRPr sz="480">
+                <a:solidFill>
+                  <a:schemeClr val="tx1">
+                    <a:tint val="75000"/>
+                  </a:schemeClr>
+                </a:solidFill>
+              </a:defRPr>
+            </a:lvl1pPr>
+          </a:lstStyle>
+          <a:p>
+            <a:fld id="{48F63A3B-78C7-47BE-AE5E-E10140E04643}" type="slidenum">
+              <a:rPr lang="en-US" smtClean="0"/>
+              <a:t>‹#›</a:t>
+            </a:fld>
+            <a:endParaRPr lang="en-US" dirty="0"/>
+          </a:p>
+        </p:txBody>
+      </p:sp>
     </p:spTree>
     <p:extLst>
       <p:ext uri="{BB962C8B-B14F-4D97-AF65-F5344CB8AC3E}">
-        <p14:creationId xmlns:p14="http://schemas.microsoft.com/office/powerpoint/2010/main" val="1064020481"/>
+        <p14:creationId xmlns:p14="http://schemas.microsoft.com/office/powerpoint/2010/main" val="1507094199"/>
       </p:ext>
     </p:extLst>
   </p:cSld>
   <p:clrMap bg1="lt1" tx1="dk1" bg2="lt2" tx2="dk2" accent1="accent1" accent2="accent2" accent3="accent3" accent4="accent4" accent5="accent5" accent6="accent6" hlink="hlink" folHlink="folHlink"/>
   <p:sldLayoutIdLst>
-    <p:sldLayoutId id="2147483681" r:id="rId1"/>
-    <p:sldLayoutId id="2147483682" r:id="rId2"/>
-    <p:sldLayoutId id="2147483683" r:id="rId3"/>
-    <p:sldLayoutId id="2147483686" r:id="rId4"/>
-    <p:sldLayoutId id="2147483684" r:id="rId5"/>
+    <p:sldLayoutId id="2147483724" r:id="rId1"/>
+    <p:sldLayoutId id="2147483725" r:id="rId2"/>
+    <p:sldLayoutId id="2147483726" r:id="rId3"/>
+    <p:sldLayoutId id="2147483727" r:id="rId4"/>
+    <p:sldLayoutId id="2147483728" r:id="rId5"/>
+    <p:sldLayoutId id="2147483729" r:id="rId6"/>
+    <p:sldLayoutId id="2147483730" r:id="rId7"/>
+    <p:sldLayoutId id="2147483731" r:id="rId8"/>
+    <p:sldLayoutId id="2147483732" r:id="rId9"/>
+    <p:sldLayoutId id="2147483733" r:id="rId10"/>
+    <p:sldLayoutId id="2147483734" r:id="rId11"/>
+    <p:sldLayoutId id="2147483681" r:id="rId12"/>
+    <p:sldLayoutId id="2147483682" r:id="rId13"/>
+    <p:sldLayoutId id="2147483683" r:id="rId14"/>
+    <p:sldLayoutId id="2147483686" r:id="rId15"/>
+    <p:sldLayoutId id="2147483684" r:id="rId16"/>
   </p:sldLayoutIdLst>
   <p:hf hdr="0" ftr="0" dt="0"/>
   <p:txStyles>
     <p:titleStyle>
-      <a:lvl1pPr algn="l" defTabSz="914400" rtl="0" eaLnBrk="1" latinLnBrk="0" hangingPunct="1">
+      <a:lvl1pPr algn="l" defTabSz="365760" rtl="0" eaLnBrk="1" latinLnBrk="0" hangingPunct="1">
         <a:lnSpc>
           <a:spcPct val="90000"/>
         </a:lnSpc>
@@ -1530,7 +4073,7 @@
           <a:spcPct val="0"/>
         </a:spcBef>
         <a:buNone/>
-        <a:defRPr sz="4400" kern="1200">
+        <a:defRPr sz="1760" kern="1200">
           <a:solidFill>
             <a:schemeClr val="tx1"/>
           </a:solidFill>
@@ -1541,16 +4084,16 @@
       </a:lvl1pPr>
     </p:titleStyle>
     <p:bodyStyle>
-      <a:lvl1pPr marL="228600" indent="-228600" algn="l" defTabSz="914400" rtl="0" eaLnBrk="1" latinLnBrk="0" hangingPunct="1">
+      <a:lvl1pPr marL="91440" indent="-91440" algn="l" defTabSz="365760" rtl="0" eaLnBrk="1" latinLnBrk="0" hangingPunct="1">
         <a:lnSpc>
           <a:spcPct val="90000"/>
         </a:lnSpc>
         <a:spcBef>
-          <a:spcPts val="1000"/>
+          <a:spcPts val="400"/>
         </a:spcBef>
-        <a:buFont typeface="Arial"/>
+        <a:buFont typeface="Arial" panose="020B0604020202020204" pitchFamily="34" charset="0"/>
         <a:buChar char="•"/>
-        <a:defRPr sz="2800" kern="1200">
+        <a:defRPr sz="1120" kern="1200">
           <a:solidFill>
             <a:schemeClr val="tx1"/>
           </a:solidFill>
@@ -1559,16 +4102,16 @@
           <a:cs typeface="+mn-cs"/>
         </a:defRPr>
       </a:lvl1pPr>
-      <a:lvl2pPr marL="685800" indent="-228600" algn="l" defTabSz="914400" rtl="0" eaLnBrk="1" latinLnBrk="0" hangingPunct="1">
+      <a:lvl2pPr marL="274320" indent="-91440" algn="l" defTabSz="365760" rtl="0" eaLnBrk="1" latinLnBrk="0" hangingPunct="1">
         <a:lnSpc>
           <a:spcPct val="90000"/>
         </a:lnSpc>
         <a:spcBef>
-          <a:spcPts val="500"/>
+          <a:spcPts val="200"/>
         </a:spcBef>
-        <a:buFont typeface="Arial"/>
+        <a:buFont typeface="Arial" panose="020B0604020202020204" pitchFamily="34" charset="0"/>
         <a:buChar char="•"/>
-        <a:defRPr sz="2400" kern="1200">
+        <a:defRPr sz="960" kern="1200">
           <a:solidFill>
             <a:schemeClr val="tx1"/>
           </a:solidFill>
@@ -1577,16 +4120,16 @@
           <a:cs typeface="+mn-cs"/>
         </a:defRPr>
       </a:lvl2pPr>
-      <a:lvl3pPr marL="1143000" indent="-228600" algn="l" defTabSz="914400" rtl="0" eaLnBrk="1" latinLnBrk="0" hangingPunct="1">
+      <a:lvl3pPr marL="457200" indent="-91440" algn="l" defTabSz="365760" rtl="0" eaLnBrk="1" latinLnBrk="0" hangingPunct="1">
         <a:lnSpc>
           <a:spcPct val="90000"/>
         </a:lnSpc>
         <a:spcBef>
-          <a:spcPts val="500"/>
+          <a:spcPts val="200"/>
         </a:spcBef>
-        <a:buFont typeface="Arial"/>
+        <a:buFont typeface="Arial" panose="020B0604020202020204" pitchFamily="34" charset="0"/>
         <a:buChar char="•"/>
-        <a:defRPr sz="2000" kern="1200">
+        <a:defRPr sz="800" kern="1200">
           <a:solidFill>
             <a:schemeClr val="tx1"/>
           </a:solidFill>
@@ -1595,16 +4138,16 @@
           <a:cs typeface="+mn-cs"/>
         </a:defRPr>
       </a:lvl3pPr>
-      <a:lvl4pPr marL="1600200" indent="-228600" algn="l" defTabSz="914400" rtl="0" eaLnBrk="1" latinLnBrk="0" hangingPunct="1">
+      <a:lvl4pPr marL="640080" indent="-91440" algn="l" defTabSz="365760" rtl="0" eaLnBrk="1" latinLnBrk="0" hangingPunct="1">
         <a:lnSpc>
           <a:spcPct val="90000"/>
         </a:lnSpc>
         <a:spcBef>
-          <a:spcPts val="500"/>
+          <a:spcPts val="200"/>
         </a:spcBef>
-        <a:buFont typeface="Arial"/>
+        <a:buFont typeface="Arial" panose="020B0604020202020204" pitchFamily="34" charset="0"/>
         <a:buChar char="•"/>
-        <a:defRPr sz="1800" kern="1200">
+        <a:defRPr sz="720" kern="1200">
           <a:solidFill>
             <a:schemeClr val="tx1"/>
           </a:solidFill>
@@ -1613,16 +4156,16 @@
           <a:cs typeface="+mn-cs"/>
         </a:defRPr>
       </a:lvl4pPr>
-      <a:lvl5pPr marL="2057400" indent="-228600" algn="l" defTabSz="914400" rtl="0" eaLnBrk="1" latinLnBrk="0" hangingPunct="1">
+      <a:lvl5pPr marL="822960" indent="-91440" algn="l" defTabSz="365760" rtl="0" eaLnBrk="1" latinLnBrk="0" hangingPunct="1">
         <a:lnSpc>
           <a:spcPct val="90000"/>
         </a:lnSpc>
         <a:spcBef>
-          <a:spcPts val="500"/>
+          <a:spcPts val="200"/>
         </a:spcBef>
-        <a:buFont typeface="Arial"/>
+        <a:buFont typeface="Arial" panose="020B0604020202020204" pitchFamily="34" charset="0"/>
         <a:buChar char="•"/>
-        <a:defRPr sz="1800" kern="1200">
+        <a:defRPr sz="720" kern="1200">
           <a:solidFill>
             <a:schemeClr val="tx1"/>
           </a:solidFill>
@@ -1631,16 +4174,16 @@
           <a:cs typeface="+mn-cs"/>
         </a:defRPr>
       </a:lvl5pPr>
-      <a:lvl6pPr marL="2514600" indent="-228600" algn="l" defTabSz="914400" rtl="0" eaLnBrk="1" latinLnBrk="0" hangingPunct="1">
+      <a:lvl6pPr marL="1005840" indent="-91440" algn="l" defTabSz="365760" rtl="0" eaLnBrk="1" latinLnBrk="0" hangingPunct="1">
         <a:lnSpc>
           <a:spcPct val="90000"/>
         </a:lnSpc>
         <a:spcBef>
-          <a:spcPts val="500"/>
+          <a:spcPts val="200"/>
         </a:spcBef>
-        <a:buFont typeface="Arial"/>
+        <a:buFont typeface="Arial" panose="020B0604020202020204" pitchFamily="34" charset="0"/>
         <a:buChar char="•"/>
-        <a:defRPr sz="1800" kern="1200">
+        <a:defRPr sz="720" kern="1200">
           <a:solidFill>
             <a:schemeClr val="tx1"/>
           </a:solidFill>
@@ -1649,16 +4192,16 @@
           <a:cs typeface="+mn-cs"/>
         </a:defRPr>
       </a:lvl6pPr>
-      <a:lvl7pPr marL="2971800" indent="-228600" algn="l" defTabSz="914400" rtl="0" eaLnBrk="1" latinLnBrk="0" hangingPunct="1">
+      <a:lvl7pPr marL="1188720" indent="-91440" algn="l" defTabSz="365760" rtl="0" eaLnBrk="1" latinLnBrk="0" hangingPunct="1">
         <a:lnSpc>
           <a:spcPct val="90000"/>
         </a:lnSpc>
         <a:spcBef>
-          <a:spcPts val="500"/>
+          <a:spcPts val="200"/>
         </a:spcBef>
-        <a:buFont typeface="Arial"/>
+        <a:buFont typeface="Arial" panose="020B0604020202020204" pitchFamily="34" charset="0"/>
         <a:buChar char="•"/>
-        <a:defRPr sz="1800" kern="1200">
+        <a:defRPr sz="720" kern="1200">
           <a:solidFill>
             <a:schemeClr val="tx1"/>
           </a:solidFill>
@@ -1667,16 +4210,16 @@
           <a:cs typeface="+mn-cs"/>
         </a:defRPr>
       </a:lvl7pPr>
-      <a:lvl8pPr marL="3429000" indent="-228600" algn="l" defTabSz="914400" rtl="0" eaLnBrk="1" latinLnBrk="0" hangingPunct="1">
+      <a:lvl8pPr marL="1371600" indent="-91440" algn="l" defTabSz="365760" rtl="0" eaLnBrk="1" latinLnBrk="0" hangingPunct="1">
         <a:lnSpc>
           <a:spcPct val="90000"/>
         </a:lnSpc>
         <a:spcBef>
-          <a:spcPts val="500"/>
+          <a:spcPts val="200"/>
         </a:spcBef>
-        <a:buFont typeface="Arial"/>
+        <a:buFont typeface="Arial" panose="020B0604020202020204" pitchFamily="34" charset="0"/>
         <a:buChar char="•"/>
-        <a:defRPr sz="1800" kern="1200">
+        <a:defRPr sz="720" kern="1200">
           <a:solidFill>
             <a:schemeClr val="tx1"/>
           </a:solidFill>
@@ -1685,16 +4228,16 @@
           <a:cs typeface="+mn-cs"/>
         </a:defRPr>
       </a:lvl8pPr>
-      <a:lvl9pPr marL="3886200" indent="-228600" algn="l" defTabSz="914400" rtl="0" eaLnBrk="1" latinLnBrk="0" hangingPunct="1">
+      <a:lvl9pPr marL="1554480" indent="-91440" algn="l" defTabSz="365760" rtl="0" eaLnBrk="1" latinLnBrk="0" hangingPunct="1">
         <a:lnSpc>
           <a:spcPct val="90000"/>
         </a:lnSpc>
         <a:spcBef>
-          <a:spcPts val="500"/>
+          <a:spcPts val="200"/>
         </a:spcBef>
-        <a:buFont typeface="Arial"/>
+        <a:buFont typeface="Arial" panose="020B0604020202020204" pitchFamily="34" charset="0"/>
         <a:buChar char="•"/>
-        <a:defRPr sz="1800" kern="1200">
+        <a:defRPr sz="720" kern="1200">
           <a:solidFill>
             <a:schemeClr val="tx1"/>
           </a:solidFill>
@@ -1708,8 +4251,8 @@
       <a:defPPr>
         <a:defRPr lang="en-US"/>
       </a:defPPr>
-      <a:lvl1pPr marL="0" algn="l" defTabSz="914400" rtl="0" eaLnBrk="1" latinLnBrk="0" hangingPunct="1">
-        <a:defRPr sz="1800" kern="1200">
+      <a:lvl1pPr marL="0" algn="l" defTabSz="365760" rtl="0" eaLnBrk="1" latinLnBrk="0" hangingPunct="1">
+        <a:defRPr sz="720" kern="1200">
           <a:solidFill>
             <a:schemeClr val="tx1"/>
           </a:solidFill>
@@ -1718,8 +4261,8 @@
           <a:cs typeface="+mn-cs"/>
         </a:defRPr>
       </a:lvl1pPr>
-      <a:lvl2pPr marL="457200" algn="l" defTabSz="914400" rtl="0" eaLnBrk="1" latinLnBrk="0" hangingPunct="1">
-        <a:defRPr sz="1800" kern="1200">
+      <a:lvl2pPr marL="182880" algn="l" defTabSz="365760" rtl="0" eaLnBrk="1" latinLnBrk="0" hangingPunct="1">
+        <a:defRPr sz="720" kern="1200">
           <a:solidFill>
             <a:schemeClr val="tx1"/>
           </a:solidFill>
@@ -1728,8 +4271,8 @@
           <a:cs typeface="+mn-cs"/>
         </a:defRPr>
       </a:lvl2pPr>
-      <a:lvl3pPr marL="914400" algn="l" defTabSz="914400" rtl="0" eaLnBrk="1" latinLnBrk="0" hangingPunct="1">
-        <a:defRPr sz="1800" kern="1200">
+      <a:lvl3pPr marL="365760" algn="l" defTabSz="365760" rtl="0" eaLnBrk="1" latinLnBrk="0" hangingPunct="1">
+        <a:defRPr sz="720" kern="1200">
           <a:solidFill>
             <a:schemeClr val="tx1"/>
           </a:solidFill>
@@ -1738,8 +4281,8 @@
           <a:cs typeface="+mn-cs"/>
         </a:defRPr>
       </a:lvl3pPr>
-      <a:lvl4pPr marL="1371600" algn="l" defTabSz="914400" rtl="0" eaLnBrk="1" latinLnBrk="0" hangingPunct="1">
-        <a:defRPr sz="1800" kern="1200">
+      <a:lvl4pPr marL="548640" algn="l" defTabSz="365760" rtl="0" eaLnBrk="1" latinLnBrk="0" hangingPunct="1">
+        <a:defRPr sz="720" kern="1200">
           <a:solidFill>
             <a:schemeClr val="tx1"/>
           </a:solidFill>
@@ -1748,8 +4291,8 @@
           <a:cs typeface="+mn-cs"/>
         </a:defRPr>
       </a:lvl4pPr>
-      <a:lvl5pPr marL="1828800" algn="l" defTabSz="914400" rtl="0" eaLnBrk="1" latinLnBrk="0" hangingPunct="1">
-        <a:defRPr sz="1800" kern="1200">
+      <a:lvl5pPr marL="731520" algn="l" defTabSz="365760" rtl="0" eaLnBrk="1" latinLnBrk="0" hangingPunct="1">
+        <a:defRPr sz="720" kern="1200">
           <a:solidFill>
             <a:schemeClr val="tx1"/>
           </a:solidFill>
@@ -1758,8 +4301,8 @@
           <a:cs typeface="+mn-cs"/>
         </a:defRPr>
       </a:lvl5pPr>
-      <a:lvl6pPr marL="2286000" algn="l" defTabSz="914400" rtl="0" eaLnBrk="1" latinLnBrk="0" hangingPunct="1">
-        <a:defRPr sz="1800" kern="1200">
+      <a:lvl6pPr marL="914400" algn="l" defTabSz="365760" rtl="0" eaLnBrk="1" latinLnBrk="0" hangingPunct="1">
+        <a:defRPr sz="720" kern="1200">
           <a:solidFill>
             <a:schemeClr val="tx1"/>
           </a:solidFill>
@@ -1768,8 +4311,8 @@
           <a:cs typeface="+mn-cs"/>
         </a:defRPr>
       </a:lvl6pPr>
-      <a:lvl7pPr marL="2743200" algn="l" defTabSz="914400" rtl="0" eaLnBrk="1" latinLnBrk="0" hangingPunct="1">
-        <a:defRPr sz="1800" kern="1200">
+      <a:lvl7pPr marL="1097280" algn="l" defTabSz="365760" rtl="0" eaLnBrk="1" latinLnBrk="0" hangingPunct="1">
+        <a:defRPr sz="720" kern="1200">
           <a:solidFill>
             <a:schemeClr val="tx1"/>
           </a:solidFill>
@@ -1778,8 +4321,8 @@
           <a:cs typeface="+mn-cs"/>
         </a:defRPr>
       </a:lvl7pPr>
-      <a:lvl8pPr marL="3200400" algn="l" defTabSz="914400" rtl="0" eaLnBrk="1" latinLnBrk="0" hangingPunct="1">
-        <a:defRPr sz="1800" kern="1200">
+      <a:lvl8pPr marL="1280160" algn="l" defTabSz="365760" rtl="0" eaLnBrk="1" latinLnBrk="0" hangingPunct="1">
+        <a:defRPr sz="720" kern="1200">
           <a:solidFill>
             <a:schemeClr val="tx1"/>
           </a:solidFill>
@@ -1788,8 +4331,8 @@
           <a:cs typeface="+mn-cs"/>
         </a:defRPr>
       </a:lvl8pPr>
-      <a:lvl9pPr marL="3657600" algn="l" defTabSz="914400" rtl="0" eaLnBrk="1" latinLnBrk="0" hangingPunct="1">
-        <a:defRPr sz="1800" kern="1200">
+      <a:lvl9pPr marL="1463040" algn="l" defTabSz="365760" rtl="0" eaLnBrk="1" latinLnBrk="0" hangingPunct="1">
+        <a:defRPr sz="720" kern="1200">
           <a:solidFill>
             <a:schemeClr val="tx1"/>
           </a:solidFill>
@@ -1820,202 +4363,23 @@
           <a:chExt cx="0" cy="0"/>
         </a:xfrm>
       </p:grpSpPr>
-      <p:pic>
-        <p:nvPicPr>
-          <p:cNvPr id="198" name="pasted-image.pdf" descr="pasted-image.pdf"/>
-          <p:cNvPicPr>
-            <a:picLocks noChangeAspect="1"/>
-          </p:cNvPicPr>
-          <p:nvPr/>
-        </p:nvPicPr>
-        <p:blipFill>
-          <a:blip r:embed="rId3">
-            <a:alphaModFix amt="63000"/>
-            <a:extLst>
-              <a:ext uri="{BEBA8EAE-BF5A-486C-A8C5-ECC9F3942E4B}">
-                <a14:imgProps xmlns:a14="http://schemas.microsoft.com/office/drawing/2010/main">
-                  <a14:imgLayer r:embed="rId4">
-                    <a14:imgEffect>
-                      <a14:colorTemperature colorTemp="6944"/>
-                    </a14:imgEffect>
-                    <a14:imgEffect>
-                      <a14:saturation sat="400000"/>
-                    </a14:imgEffect>
-                  </a14:imgLayer>
-                </a14:imgProps>
-              </a:ext>
-            </a:extLst>
-          </a:blip>
-          <a:stretch>
-            <a:fillRect/>
-          </a:stretch>
-        </p:blipFill>
-        <p:spPr>
-          <a:xfrm>
-            <a:off x="3995578" y="3350976"/>
-            <a:ext cx="365760" cy="417904"/>
-          </a:xfrm>
-          <a:prstGeom prst="rect">
-            <a:avLst/>
-          </a:prstGeom>
-          <a:solidFill>
-            <a:schemeClr val="bg1"/>
-          </a:solidFill>
-          <a:ln w="12700" cap="flat">
-            <a:noFill/>
-            <a:miter lim="400000"/>
-          </a:ln>
-          <a:effectLst/>
-        </p:spPr>
-      </p:pic>
-      <p:pic>
-        <p:nvPicPr>
-          <p:cNvPr id="185" name="pasted-image.pdf" descr="pasted-image.pdf"/>
-          <p:cNvPicPr>
-            <a:picLocks noChangeAspect="1"/>
-          </p:cNvPicPr>
-          <p:nvPr/>
-        </p:nvPicPr>
-        <p:blipFill>
-          <a:blip r:embed="rId3">
-            <a:alphaModFix amt="63000"/>
-            <a:extLst>
-              <a:ext uri="{BEBA8EAE-BF5A-486C-A8C5-ECC9F3942E4B}">
-                <a14:imgProps xmlns:a14="http://schemas.microsoft.com/office/drawing/2010/main">
-                  <a14:imgLayer r:embed="rId4">
-                    <a14:imgEffect>
-                      <a14:colorTemperature colorTemp="6944"/>
-                    </a14:imgEffect>
-                    <a14:imgEffect>
-                      <a14:saturation sat="400000"/>
-                    </a14:imgEffect>
-                  </a14:imgLayer>
-                </a14:imgProps>
-              </a:ext>
-            </a:extLst>
-          </a:blip>
-          <a:stretch>
-            <a:fillRect/>
-          </a:stretch>
-        </p:blipFill>
-        <p:spPr>
-          <a:xfrm>
-            <a:off x="3995578" y="2704562"/>
-            <a:ext cx="365760" cy="432941"/>
-          </a:xfrm>
-          <a:prstGeom prst="rect">
-            <a:avLst/>
-          </a:prstGeom>
-          <a:solidFill>
-            <a:schemeClr val="bg1"/>
-          </a:solidFill>
-          <a:ln w="12700" cap="flat">
-            <a:noFill/>
-            <a:miter lim="400000"/>
-          </a:ln>
-          <a:effectLst/>
-        </p:spPr>
-      </p:pic>
-      <p:pic>
-        <p:nvPicPr>
-          <p:cNvPr id="187" name="pasted-image.pdf" descr="pasted-image.pdf"/>
-          <p:cNvPicPr>
-            <a:picLocks noChangeAspect="1"/>
-          </p:cNvPicPr>
-          <p:nvPr/>
-        </p:nvPicPr>
-        <p:blipFill>
-          <a:blip r:embed="rId3">
-            <a:alphaModFix amt="63000"/>
-            <a:extLst>
-              <a:ext uri="{BEBA8EAE-BF5A-486C-A8C5-ECC9F3942E4B}">
-                <a14:imgProps xmlns:a14="http://schemas.microsoft.com/office/drawing/2010/main">
-                  <a14:imgLayer r:embed="rId4">
-                    <a14:imgEffect>
-                      <a14:colorTemperature colorTemp="6944"/>
-                    </a14:imgEffect>
-                    <a14:imgEffect>
-                      <a14:saturation sat="400000"/>
-                    </a14:imgEffect>
-                  </a14:imgLayer>
-                </a14:imgProps>
-              </a:ext>
-            </a:extLst>
-          </a:blip>
-          <a:stretch>
-            <a:fillRect/>
-          </a:stretch>
-        </p:blipFill>
-        <p:spPr>
-          <a:xfrm>
-            <a:off x="3995578" y="2023994"/>
-            <a:ext cx="365760" cy="432938"/>
-          </a:xfrm>
-          <a:prstGeom prst="rect">
-            <a:avLst/>
-          </a:prstGeom>
-          <a:solidFill>
-            <a:schemeClr val="bg1"/>
-          </a:solidFill>
-          <a:ln w="12700" cap="flat">
-            <a:noFill/>
-            <a:miter lim="400000"/>
-          </a:ln>
-          <a:effectLst/>
-        </p:spPr>
-      </p:pic>
-      <p:pic>
-        <p:nvPicPr>
-          <p:cNvPr id="192" name="image.png" descr="image.png"/>
-          <p:cNvPicPr>
-            <a:picLocks noChangeAspect="1"/>
-          </p:cNvPicPr>
-          <p:nvPr/>
-        </p:nvPicPr>
-        <p:blipFill>
-          <a:blip r:embed="rId5">
-            <a:extLst/>
-          </a:blip>
-          <a:srcRect/>
-          <a:stretch>
-            <a:fillRect/>
-          </a:stretch>
-        </p:blipFill>
-        <p:spPr>
-          <a:xfrm rot="5400000">
-            <a:off x="3740867" y="2157783"/>
-            <a:ext cx="228546" cy="167714"/>
-          </a:xfrm>
-          <a:prstGeom prst="rect">
-            <a:avLst/>
-          </a:prstGeom>
-          <a:solidFill>
-            <a:schemeClr val="bg1"/>
-          </a:solidFill>
-          <a:ln w="12700" cap="flat">
-            <a:noFill/>
-            <a:miter lim="400000"/>
-          </a:ln>
-          <a:effectLst/>
-        </p:spPr>
-      </p:pic>
       <p:grpSp>
         <p:nvGrpSpPr>
-          <p:cNvPr id="68" name="Group 67"/>
+          <p:cNvPr id="97" name="Group 96"/>
           <p:cNvGrpSpPr/>
           <p:nvPr/>
         </p:nvGrpSpPr>
         <p:grpSpPr>
           <a:xfrm>
-            <a:off x="4590387" y="3412511"/>
-            <a:ext cx="459693" cy="375886"/>
+            <a:off x="1683999" y="388502"/>
+            <a:ext cx="612924" cy="501181"/>
             <a:chOff x="3250490" y="2849626"/>
             <a:chExt cx="659902" cy="539595"/>
           </a:xfrm>
         </p:grpSpPr>
         <p:sp>
           <p:nvSpPr>
-            <p:cNvPr id="69" name="Rounded Rectangle 68"/>
+            <p:cNvPr id="98" name="Rounded Rectangle 97"/>
             <p:cNvSpPr/>
             <p:nvPr/>
           </p:nvSpPr>
@@ -2064,7 +4428,7 @@
             <a:lstStyle/>
             <a:p>
               <a:pPr algn="ctr"/>
-              <a:endParaRPr lang="en-US" sz="2400" b="1" i="1" dirty="0">
+              <a:endParaRPr lang="en-US" sz="3200" b="1" i="1" dirty="0">
                 <a:solidFill>
                   <a:schemeClr val="accent1">
                     <a:lumMod val="50000"/>
@@ -2076,14 +4440,14 @@
         </p:sp>
         <p:pic>
           <p:nvPicPr>
-            <p:cNvPr id="70" name="Picture 69"/>
+            <p:cNvPr id="99" name="Picture 98"/>
             <p:cNvPicPr>
               <a:picLocks noChangeAspect="1"/>
             </p:cNvPicPr>
             <p:nvPr/>
           </p:nvPicPr>
           <p:blipFill>
-            <a:blip r:embed="rId6">
+            <a:blip r:embed="rId3">
               <a:alphaModFix/>
               <a:extLst>
                 <a:ext uri="{28A0092B-C50C-407E-A947-70E740481C1C}">
@@ -2106,381 +4470,282 @@
           </p:spPr>
         </p:pic>
       </p:grpSp>
-      <p:grpSp>
-        <p:nvGrpSpPr>
-          <p:cNvPr id="18" name="Group 17"/>
-          <p:cNvGrpSpPr/>
+      <p:pic>
+        <p:nvPicPr>
+          <p:cNvPr id="25" name="Picture 24"/>
+          <p:cNvPicPr>
+            <a:picLocks noChangeAspect="1"/>
+          </p:cNvPicPr>
           <p:nvPr/>
-        </p:nvGrpSpPr>
-        <p:grpSpPr>
+        </p:nvPicPr>
+        <p:blipFill>
+          <a:blip r:embed="rId4">
+            <a:extLst>
+              <a:ext uri="{28A0092B-C50C-407E-A947-70E740481C1C}">
+                <a14:useLocalDpi xmlns:a14="http://schemas.microsoft.com/office/drawing/2010/main" val="0"/>
+              </a:ext>
+            </a:extLst>
+          </a:blip>
+          <a:stretch>
+            <a:fillRect/>
+          </a:stretch>
+        </p:blipFill>
+        <p:spPr>
           <a:xfrm>
-            <a:off x="5534720" y="3409426"/>
-            <a:ext cx="664507" cy="569289"/>
-            <a:chOff x="7410069" y="3379907"/>
-            <a:chExt cx="962406" cy="824502"/>
-          </a:xfrm>
-        </p:grpSpPr>
-        <p:sp>
-          <p:nvSpPr>
-            <p:cNvPr id="81" name="Hexagon 80"/>
-            <p:cNvSpPr/>
-            <p:nvPr/>
-          </p:nvSpPr>
-          <p:spPr>
-            <a:xfrm>
-              <a:off x="7410069" y="3379907"/>
-              <a:ext cx="962406" cy="824502"/>
-            </a:xfrm>
-            <a:prstGeom prst="hexagon">
-              <a:avLst/>
-            </a:prstGeom>
+            <a:off x="232352" y="412235"/>
+            <a:ext cx="425483" cy="508000"/>
+          </a:xfrm>
+          <a:prstGeom prst="rect">
+            <a:avLst/>
+          </a:prstGeom>
+        </p:spPr>
+      </p:pic>
+      <p:sp>
+        <p:nvSpPr>
+          <p:cNvPr id="115" name="Hexagon 114"/>
+          <p:cNvSpPr/>
+          <p:nvPr/>
+        </p:nvSpPr>
+        <p:spPr>
+          <a:xfrm>
+            <a:off x="2521614" y="389691"/>
+            <a:ext cx="582231" cy="498803"/>
+          </a:xfrm>
+          <a:prstGeom prst="hexagon">
+            <a:avLst/>
+          </a:prstGeom>
+          <a:solidFill>
+            <a:schemeClr val="bg1">
+              <a:lumMod val="85000"/>
+              <a:alpha val="26000"/>
+            </a:schemeClr>
+          </a:solidFill>
+          <a:ln w="9525">
             <a:solidFill>
-              <a:schemeClr val="accent6">
-                <a:lumMod val="40000"/>
-                <a:lumOff val="60000"/>
+              <a:schemeClr val="bg1">
+                <a:lumMod val="85000"/>
+                <a:alpha val="75000"/>
               </a:schemeClr>
             </a:solidFill>
-            <a:ln>
-              <a:noFill/>
-            </a:ln>
-            <a:effectLst>
-              <a:outerShdw blurRad="12700" dist="12700" dir="2700000" algn="tl" rotWithShape="0">
-                <a:prstClr val="black">
-                  <a:alpha val="40000"/>
-                </a:prstClr>
-              </a:outerShdw>
-            </a:effectLst>
-          </p:spPr>
-          <p:style>
-            <a:lnRef idx="2">
-              <a:schemeClr val="accent1">
-                <a:shade val="50000"/>
-              </a:schemeClr>
-            </a:lnRef>
-            <a:fillRef idx="1">
-              <a:schemeClr val="accent1"/>
-            </a:fillRef>
-            <a:effectRef idx="0">
-              <a:schemeClr val="accent1"/>
-            </a:effectRef>
-            <a:fontRef idx="minor">
-              <a:schemeClr val="lt1"/>
-            </a:fontRef>
-          </p:style>
-          <p:txBody>
-            <a:bodyPr wrap="none" rtlCol="0" anchor="ctr"/>
-            <a:lstStyle/>
-            <a:p>
-              <a:pPr algn="ctr"/>
-              <a:endParaRPr lang="en-US" sz="1400" smtClean="0">
+            <a:prstDash val="dash"/>
+          </a:ln>
+          <a:effectLst/>
+        </p:spPr>
+        <p:style>
+          <a:lnRef idx="2">
+            <a:schemeClr val="accent1">
+              <a:shade val="50000"/>
+            </a:schemeClr>
+          </a:lnRef>
+          <a:fillRef idx="1">
+            <a:schemeClr val="accent1"/>
+          </a:fillRef>
+          <a:effectRef idx="0">
+            <a:schemeClr val="accent1"/>
+          </a:effectRef>
+          <a:fontRef idx="minor">
+            <a:schemeClr val="lt1"/>
+          </a:fontRef>
+        </p:style>
+        <p:txBody>
+          <a:bodyPr wrap="none" rtlCol="0" anchor="ctr"/>
+          <a:lstStyle/>
+          <a:p>
+            <a:pPr algn="ctr"/>
+            <a:r>
+              <a:rPr lang="en-US" sz="1867" dirty="0">
                 <a:solidFill>
                   <a:schemeClr val="tx1">
                     <a:lumMod val="85000"/>
                     <a:lumOff val="15000"/>
                   </a:schemeClr>
                 </a:solidFill>
-              </a:endParaRPr>
-            </a:p>
-          </p:txBody>
-        </p:sp>
-        <p:pic>
-          <p:nvPicPr>
-            <p:cNvPr id="82" name="pasted-image.pdf" descr="pasted-image.pdf"/>
-            <p:cNvPicPr>
-              <a:picLocks/>
-            </p:cNvPicPr>
-            <p:nvPr/>
-          </p:nvPicPr>
-          <p:blipFill>
-            <a:blip r:embed="rId7">
-              <a:extLst>
-                <a:ext uri="{BEBA8EAE-BF5A-486C-A8C5-ECC9F3942E4B}">
-                  <a14:imgProps xmlns:a14="http://schemas.microsoft.com/office/drawing/2010/main">
-                    <a14:imgLayer r:embed="rId8">
-                      <a14:imgEffect>
-                        <a14:colorTemperature colorTemp="5093"/>
-                      </a14:imgEffect>
-                    </a14:imgLayer>
-                  </a14:imgProps>
-                </a:ext>
-              </a:extLst>
-            </a:blip>
-            <a:stretch>
-              <a:fillRect/>
-            </a:stretch>
-          </p:blipFill>
-          <p:spPr>
-            <a:xfrm>
-              <a:off x="7543800" y="3444686"/>
-              <a:ext cx="694944" cy="694944"/>
-            </a:xfrm>
-            <a:prstGeom prst="rect">
-              <a:avLst/>
-            </a:prstGeom>
-            <a:ln w="12700" cap="flat">
-              <a:noFill/>
-              <a:miter lim="400000"/>
-            </a:ln>
-            <a:effectLst>
-              <a:outerShdw blurRad="25400" dist="25400" dir="2700000" algn="tl" rotWithShape="0">
-                <a:prstClr val="black">
-                  <a:alpha val="40000"/>
-                </a:prstClr>
-              </a:outerShdw>
-            </a:effectLst>
-          </p:spPr>
-        </p:pic>
-      </p:grpSp>
-      <p:grpSp>
-        <p:nvGrpSpPr>
-          <p:cNvPr id="88" name="Group 87"/>
-          <p:cNvGrpSpPr/>
+              </a:rPr>
+              <a:t>+</a:t>
+            </a:r>
+          </a:p>
+        </p:txBody>
+      </p:sp>
+      <p:pic>
+        <p:nvPicPr>
+          <p:cNvPr id="116" name="pasted-image.pdf" descr="pasted-image.pdf"/>
+          <p:cNvPicPr>
+            <a:picLocks/>
+          </p:cNvPicPr>
           <p:nvPr/>
-        </p:nvGrpSpPr>
-        <p:grpSpPr>
+        </p:nvPicPr>
+        <p:blipFill>
+          <a:blip r:embed="rId5">
+            <a:alphaModFix/>
+            <a:duotone>
+              <a:schemeClr val="bg2">
+                <a:shade val="45000"/>
+                <a:satMod val="135000"/>
+              </a:schemeClr>
+              <a:prstClr val="white"/>
+            </a:duotone>
+            <a:extLst/>
+          </a:blip>
+          <a:stretch>
+            <a:fillRect/>
+          </a:stretch>
+        </p:blipFill>
+        <p:spPr>
           <a:xfrm>
-            <a:off x="5465260" y="3370047"/>
-            <a:ext cx="664507" cy="569289"/>
-            <a:chOff x="7410069" y="3379907"/>
-            <a:chExt cx="962406" cy="824502"/>
-          </a:xfrm>
-        </p:grpSpPr>
-        <p:sp>
-          <p:nvSpPr>
-            <p:cNvPr id="89" name="Hexagon 88"/>
-            <p:cNvSpPr/>
-            <p:nvPr/>
-          </p:nvSpPr>
-          <p:spPr>
-            <a:xfrm>
-              <a:off x="7410069" y="3379907"/>
-              <a:ext cx="962406" cy="824502"/>
-            </a:xfrm>
-            <a:prstGeom prst="hexagon">
-              <a:avLst/>
-            </a:prstGeom>
+            <a:off x="2602504" y="428880"/>
+            <a:ext cx="420424" cy="420424"/>
+          </a:xfrm>
+          <a:prstGeom prst="rect">
+            <a:avLst/>
+          </a:prstGeom>
+          <a:ln w="12700" cap="flat">
+            <a:noFill/>
+            <a:miter lim="400000"/>
+          </a:ln>
+          <a:effectLst>
+            <a:outerShdw blurRad="25400" dist="25400" dir="2700000" algn="tl" rotWithShape="0">
+              <a:prstClr val="black">
+                <a:alpha val="40000"/>
+              </a:prstClr>
+            </a:outerShdw>
+          </a:effectLst>
+        </p:spPr>
+      </p:pic>
+      <p:pic>
+        <p:nvPicPr>
+          <p:cNvPr id="123" name="pasted-image.pdf" descr="pasted-image.pdf"/>
+          <p:cNvPicPr>
+            <a:picLocks noChangeAspect="1"/>
+          </p:cNvPicPr>
+          <p:nvPr/>
+        </p:nvPicPr>
+        <p:blipFill>
+          <a:blip r:embed="rId6">
+            <a:alphaModFix amt="63000"/>
+            <a:extLst>
+              <a:ext uri="{BEBA8EAE-BF5A-486C-A8C5-ECC9F3942E4B}">
+                <a14:imgProps xmlns:a14="http://schemas.microsoft.com/office/drawing/2010/main">
+                  <a14:imgLayer r:embed="rId7">
+                    <a14:imgEffect>
+                      <a14:colorTemperature colorTemp="6944"/>
+                    </a14:imgEffect>
+                    <a14:imgEffect>
+                      <a14:saturation sat="400000"/>
+                    </a14:imgEffect>
+                  </a14:imgLayer>
+                </a14:imgProps>
+              </a:ext>
+            </a:extLst>
+          </a:blip>
+          <a:stretch>
+            <a:fillRect/>
+          </a:stretch>
+        </p:blipFill>
+        <p:spPr>
+          <a:xfrm>
+            <a:off x="953536" y="405222"/>
+            <a:ext cx="409395" cy="467759"/>
+          </a:xfrm>
+          <a:prstGeom prst="rect">
+            <a:avLst/>
+          </a:prstGeom>
+          <a:solidFill>
+            <a:schemeClr val="bg1"/>
+          </a:solidFill>
+          <a:ln w="12700" cap="flat">
+            <a:noFill/>
+            <a:miter lim="400000"/>
+          </a:ln>
+          <a:effectLst/>
+        </p:spPr>
+      </p:pic>
+      <p:cxnSp>
+        <p:nvCxnSpPr>
+          <p:cNvPr id="172" name="Straight Arrow Connector 171"/>
+          <p:cNvCxnSpPr>
+            <a:stCxn id="98" idx="3"/>
+            <a:endCxn id="116" idx="1"/>
+          </p:cNvCxnSpPr>
+          <p:nvPr/>
+        </p:nvCxnSpPr>
+        <p:spPr>
+          <a:xfrm>
+            <a:off x="2296926" y="639092"/>
+            <a:ext cx="305591" cy="0"/>
+          </a:xfrm>
+          <a:prstGeom prst="straightConnector1">
+            <a:avLst/>
+          </a:prstGeom>
+          <a:ln w="12700">
             <a:solidFill>
-              <a:schemeClr val="accent6">
-                <a:lumMod val="40000"/>
-                <a:lumOff val="60000"/>
+              <a:schemeClr val="bg1">
+                <a:lumMod val="85000"/>
               </a:schemeClr>
             </a:solidFill>
-            <a:ln>
-              <a:noFill/>
-            </a:ln>
-            <a:effectLst>
-              <a:outerShdw blurRad="12700" dist="12700" dir="2700000" algn="tl" rotWithShape="0">
-                <a:prstClr val="black">
-                  <a:alpha val="40000"/>
-                </a:prstClr>
-              </a:outerShdw>
-            </a:effectLst>
-          </p:spPr>
-          <p:style>
-            <a:lnRef idx="2">
-              <a:schemeClr val="accent1">
-                <a:shade val="50000"/>
-              </a:schemeClr>
-            </a:lnRef>
-            <a:fillRef idx="1">
-              <a:schemeClr val="accent1"/>
-            </a:fillRef>
-            <a:effectRef idx="0">
-              <a:schemeClr val="accent1"/>
-            </a:effectRef>
-            <a:fontRef idx="minor">
-              <a:schemeClr val="lt1"/>
-            </a:fontRef>
-          </p:style>
-          <p:txBody>
-            <a:bodyPr wrap="none" rtlCol="0" anchor="ctr"/>
-            <a:lstStyle/>
-            <a:p>
-              <a:pPr algn="ctr"/>
-              <a:endParaRPr lang="en-US" sz="1400" smtClean="0">
-                <a:solidFill>
-                  <a:schemeClr val="tx1">
-                    <a:lumMod val="85000"/>
-                    <a:lumOff val="15000"/>
-                  </a:schemeClr>
-                </a:solidFill>
-              </a:endParaRPr>
-            </a:p>
-          </p:txBody>
-        </p:sp>
-        <p:pic>
-          <p:nvPicPr>
-            <p:cNvPr id="90" name="pasted-image.pdf" descr="pasted-image.pdf"/>
-            <p:cNvPicPr>
-              <a:picLocks/>
-            </p:cNvPicPr>
-            <p:nvPr/>
-          </p:nvPicPr>
-          <p:blipFill>
-            <a:blip r:embed="rId7">
-              <a:extLst>
-                <a:ext uri="{BEBA8EAE-BF5A-486C-A8C5-ECC9F3942E4B}">
-                  <a14:imgProps xmlns:a14="http://schemas.microsoft.com/office/drawing/2010/main">
-                    <a14:imgLayer r:embed="rId8">
-                      <a14:imgEffect>
-                        <a14:colorTemperature colorTemp="5093"/>
-                      </a14:imgEffect>
-                    </a14:imgLayer>
-                  </a14:imgProps>
-                </a:ext>
-              </a:extLst>
-            </a:blip>
-            <a:stretch>
-              <a:fillRect/>
-            </a:stretch>
-          </p:blipFill>
-          <p:spPr>
-            <a:xfrm>
-              <a:off x="7543800" y="3444686"/>
-              <a:ext cx="694944" cy="694944"/>
-            </a:xfrm>
-            <a:prstGeom prst="rect">
-              <a:avLst/>
-            </a:prstGeom>
-            <a:ln w="12700" cap="flat">
-              <a:noFill/>
-              <a:miter lim="400000"/>
-            </a:ln>
-            <a:effectLst>
-              <a:outerShdw blurRad="25400" dist="25400" dir="2700000" algn="tl" rotWithShape="0">
-                <a:prstClr val="black">
-                  <a:alpha val="40000"/>
-                </a:prstClr>
-              </a:outerShdw>
-            </a:effectLst>
-          </p:spPr>
-        </p:pic>
-      </p:grpSp>
-      <p:grpSp>
-        <p:nvGrpSpPr>
-          <p:cNvPr id="19" name="Group 18"/>
-          <p:cNvGrpSpPr/>
+            <a:prstDash val="sysDash"/>
+            <a:headEnd type="oval" w="sm" len="sm"/>
+            <a:tailEnd type="triangle"/>
+          </a:ln>
+          <a:effectLst/>
+        </p:spPr>
+        <p:style>
+          <a:lnRef idx="1">
+            <a:schemeClr val="accent1"/>
+          </a:lnRef>
+          <a:fillRef idx="0">
+            <a:schemeClr val="accent1"/>
+          </a:fillRef>
+          <a:effectRef idx="0">
+            <a:schemeClr val="accent1"/>
+          </a:effectRef>
+          <a:fontRef idx="minor">
+            <a:schemeClr val="tx1"/>
+          </a:fontRef>
+        </p:style>
+      </p:cxnSp>
+      <p:cxnSp>
+        <p:nvCxnSpPr>
+          <p:cNvPr id="174" name="Straight Arrow Connector 173"/>
+          <p:cNvCxnSpPr>
+            <a:stCxn id="123" idx="3"/>
+            <a:endCxn id="98" idx="1"/>
+          </p:cNvCxnSpPr>
           <p:nvPr/>
-        </p:nvGrpSpPr>
-        <p:grpSpPr>
-          <a:xfrm>
-            <a:off x="5377719" y="3325320"/>
-            <a:ext cx="664507" cy="569289"/>
-            <a:chOff x="5931452" y="3072268"/>
-            <a:chExt cx="962406" cy="824502"/>
-          </a:xfrm>
-        </p:grpSpPr>
-        <p:sp>
-          <p:nvSpPr>
-            <p:cNvPr id="593" name="Hexagon 592"/>
-            <p:cNvSpPr/>
-            <p:nvPr/>
-          </p:nvSpPr>
-          <p:spPr>
-            <a:xfrm>
-              <a:off x="5931452" y="3072268"/>
-              <a:ext cx="962406" cy="824502"/>
-            </a:xfrm>
-            <a:prstGeom prst="hexagon">
-              <a:avLst/>
-            </a:prstGeom>
+        </p:nvCxnSpPr>
+        <p:spPr>
+          <a:xfrm flipV="1">
+            <a:off x="1362931" y="639101"/>
+            <a:ext cx="321059" cy="1"/>
+          </a:xfrm>
+          <a:prstGeom prst="straightConnector1">
+            <a:avLst/>
+          </a:prstGeom>
+          <a:ln w="12700">
             <a:solidFill>
-              <a:schemeClr val="accent6">
-                <a:lumMod val="40000"/>
-                <a:lumOff val="60000"/>
+              <a:schemeClr val="bg1">
+                <a:lumMod val="85000"/>
               </a:schemeClr>
             </a:solidFill>
-            <a:ln>
-              <a:noFill/>
-            </a:ln>
-            <a:effectLst>
-              <a:outerShdw blurRad="12700" dist="12700" dir="2700000" algn="tl" rotWithShape="0">
-                <a:prstClr val="black">
-                  <a:alpha val="40000"/>
-                </a:prstClr>
-              </a:outerShdw>
-            </a:effectLst>
-          </p:spPr>
-          <p:style>
-            <a:lnRef idx="2">
-              <a:schemeClr val="accent1">
-                <a:shade val="50000"/>
-              </a:schemeClr>
-            </a:lnRef>
-            <a:fillRef idx="1">
-              <a:schemeClr val="accent1"/>
-            </a:fillRef>
-            <a:effectRef idx="0">
-              <a:schemeClr val="accent1"/>
-            </a:effectRef>
-            <a:fontRef idx="minor">
-              <a:schemeClr val="lt1"/>
-            </a:fontRef>
-          </p:style>
-          <p:txBody>
-            <a:bodyPr wrap="none" rtlCol="0" anchor="ctr"/>
-            <a:lstStyle/>
-            <a:p>
-              <a:pPr algn="ctr"/>
-              <a:endParaRPr lang="en-US" sz="1400" smtClean="0">
-                <a:solidFill>
-                  <a:schemeClr val="tx1">
-                    <a:lumMod val="85000"/>
-                    <a:lumOff val="15000"/>
-                  </a:schemeClr>
-                </a:solidFill>
-              </a:endParaRPr>
-            </a:p>
-          </p:txBody>
-        </p:sp>
-        <p:pic>
-          <p:nvPicPr>
-            <p:cNvPr id="599" name="pasted-image.pdf" descr="pasted-image.pdf"/>
-            <p:cNvPicPr>
-              <a:picLocks/>
-            </p:cNvPicPr>
-            <p:nvPr/>
-          </p:nvPicPr>
-          <p:blipFill>
-            <a:blip r:embed="rId7">
-              <a:extLst>
-                <a:ext uri="{BEBA8EAE-BF5A-486C-A8C5-ECC9F3942E4B}">
-                  <a14:imgProps xmlns:a14="http://schemas.microsoft.com/office/drawing/2010/main">
-                    <a14:imgLayer r:embed="rId8">
-                      <a14:imgEffect>
-                        <a14:colorTemperature colorTemp="5093"/>
-                      </a14:imgEffect>
-                    </a14:imgLayer>
-                  </a14:imgProps>
-                </a:ext>
-              </a:extLst>
-            </a:blip>
-            <a:stretch>
-              <a:fillRect/>
-            </a:stretch>
-          </p:blipFill>
-          <p:spPr>
-            <a:xfrm>
-              <a:off x="6065183" y="3137047"/>
-              <a:ext cx="694944" cy="694944"/>
-            </a:xfrm>
-            <a:prstGeom prst="rect">
-              <a:avLst/>
-            </a:prstGeom>
-            <a:ln w="12700" cap="flat">
-              <a:noFill/>
-              <a:miter lim="400000"/>
-            </a:ln>
-            <a:effectLst>
-              <a:outerShdw blurRad="25400" dist="25400" dir="2700000" algn="tl" rotWithShape="0">
-                <a:prstClr val="black">
-                  <a:alpha val="40000"/>
-                </a:prstClr>
-              </a:outerShdw>
-            </a:effectLst>
-          </p:spPr>
-        </p:pic>
-      </p:grpSp>
+            <a:prstDash val="sysDash"/>
+            <a:headEnd type="oval" w="sm" len="sm"/>
+            <a:tailEnd type="triangle"/>
+          </a:ln>
+        </p:spPr>
+        <p:style>
+          <a:lnRef idx="1">
+            <a:schemeClr val="accent1"/>
+          </a:lnRef>
+          <a:fillRef idx="0">
+            <a:schemeClr val="accent1"/>
+          </a:fillRef>
+          <a:effectRef idx="0">
+            <a:schemeClr val="accent1"/>
+          </a:effectRef>
+          <a:fontRef idx="minor">
+            <a:schemeClr val="tx1"/>
+          </a:fontRef>
+        </p:style>
+      </p:cxnSp>
       <p:grpSp>
         <p:nvGrpSpPr>
           <p:cNvPr id="91" name="Group 90"/>
@@ -2489,8 +4754,8 @@
         </p:nvGrpSpPr>
         <p:grpSpPr>
           <a:xfrm>
-            <a:off x="5372923" y="2653279"/>
-            <a:ext cx="664507" cy="569289"/>
+            <a:off x="2524451" y="1116628"/>
+            <a:ext cx="600093" cy="514105"/>
             <a:chOff x="5931452" y="3072268"/>
             <a:chExt cx="962406" cy="824502"/>
           </a:xfrm>
@@ -2547,7 +4812,7 @@
             <a:lstStyle/>
             <a:p>
               <a:pPr algn="ctr"/>
-              <a:endParaRPr lang="en-US" sz="1400" smtClean="0">
+              <a:endParaRPr lang="en-US" sz="1867">
                 <a:solidFill>
                   <a:schemeClr val="tx1">
                     <a:lumMod val="85000"/>
@@ -2567,11 +4832,11 @@
             <p:nvPr/>
           </p:nvPicPr>
           <p:blipFill>
-            <a:blip r:embed="rId7">
+            <a:blip r:embed="rId8">
               <a:extLst>
                 <a:ext uri="{BEBA8EAE-BF5A-486C-A8C5-ECC9F3942E4B}">
                   <a14:imgProps xmlns:a14="http://schemas.microsoft.com/office/drawing/2010/main">
-                    <a14:imgLayer r:embed="rId8">
+                    <a14:imgLayer r:embed="rId9">
                       <a14:imgEffect>
                         <a14:colorTemperature colorTemp="5093"/>
                       </a14:imgEffect>
@@ -2614,8 +4879,8 @@
         </p:nvGrpSpPr>
         <p:grpSpPr>
           <a:xfrm>
-            <a:off x="4583341" y="2739800"/>
-            <a:ext cx="459693" cy="375886"/>
+            <a:off x="1677802" y="1123089"/>
+            <a:ext cx="612924" cy="501181"/>
             <a:chOff x="3250490" y="2849626"/>
             <a:chExt cx="659902" cy="539595"/>
           </a:xfrm>
@@ -2671,7 +4936,7 @@
             <a:lstStyle/>
             <a:p>
               <a:pPr algn="ctr"/>
-              <a:endParaRPr lang="en-US" sz="2400" b="1" i="1" dirty="0">
+              <a:endParaRPr lang="en-US" sz="3200" b="1" i="1" dirty="0">
                 <a:solidFill>
                   <a:schemeClr val="accent1">
                     <a:lumMod val="50000"/>
@@ -2690,7 +4955,7 @@
             <p:nvPr/>
           </p:nvPicPr>
           <p:blipFill>
-            <a:blip r:embed="rId6">
+            <a:blip r:embed="rId3">
               <a:alphaModFix/>
               <a:extLst>
                 <a:ext uri="{28A0092B-C50C-407E-A947-70E740481C1C}">
@@ -2713,23 +4978,205 @@
           </p:spPr>
         </p:pic>
       </p:grpSp>
+      <p:pic>
+        <p:nvPicPr>
+          <p:cNvPr id="124" name="pasted-image.pdf" descr="pasted-image.pdf"/>
+          <p:cNvPicPr>
+            <a:picLocks noChangeAspect="1"/>
+          </p:cNvPicPr>
+          <p:nvPr/>
+        </p:nvPicPr>
+        <p:blipFill>
+          <a:blip r:embed="rId6">
+            <a:alphaModFix amt="63000"/>
+            <a:extLst>
+              <a:ext uri="{BEBA8EAE-BF5A-486C-A8C5-ECC9F3942E4B}">
+                <a14:imgProps xmlns:a14="http://schemas.microsoft.com/office/drawing/2010/main">
+                  <a14:imgLayer r:embed="rId7">
+                    <a14:imgEffect>
+                      <a14:colorTemperature colorTemp="6944"/>
+                    </a14:imgEffect>
+                    <a14:imgEffect>
+                      <a14:saturation sat="400000"/>
+                    </a14:imgEffect>
+                  </a14:imgLayer>
+                </a14:imgProps>
+              </a:ext>
+            </a:extLst>
+          </a:blip>
+          <a:stretch>
+            <a:fillRect/>
+          </a:stretch>
+        </p:blipFill>
+        <p:spPr>
+          <a:xfrm>
+            <a:off x="980006" y="1139801"/>
+            <a:ext cx="409395" cy="467758"/>
+          </a:xfrm>
+          <a:prstGeom prst="rect">
+            <a:avLst/>
+          </a:prstGeom>
+          <a:solidFill>
+            <a:schemeClr val="bg1"/>
+          </a:solidFill>
+          <a:ln w="12700" cap="flat">
+            <a:noFill/>
+            <a:miter lim="400000"/>
+          </a:ln>
+          <a:effectLst/>
+        </p:spPr>
+      </p:pic>
+      <p:cxnSp>
+        <p:nvCxnSpPr>
+          <p:cNvPr id="176" name="Straight Arrow Connector 175"/>
+          <p:cNvCxnSpPr>
+            <a:stCxn id="124" idx="3"/>
+            <a:endCxn id="95" idx="1"/>
+          </p:cNvCxnSpPr>
+          <p:nvPr/>
+        </p:nvCxnSpPr>
+        <p:spPr>
+          <a:xfrm flipV="1">
+            <a:off x="1389401" y="1373680"/>
+            <a:ext cx="288401" cy="1"/>
+          </a:xfrm>
+          <a:prstGeom prst="straightConnector1">
+            <a:avLst/>
+          </a:prstGeom>
+          <a:ln w="12700">
+            <a:solidFill>
+              <a:schemeClr val="accent4">
+                <a:lumMod val="75000"/>
+              </a:schemeClr>
+            </a:solidFill>
+            <a:prstDash val="sysDash"/>
+            <a:headEnd type="oval" w="sm" len="sm"/>
+            <a:tailEnd type="triangle"/>
+          </a:ln>
+        </p:spPr>
+        <p:style>
+          <a:lnRef idx="1">
+            <a:schemeClr val="accent1"/>
+          </a:lnRef>
+          <a:fillRef idx="0">
+            <a:schemeClr val="accent1"/>
+          </a:fillRef>
+          <a:effectRef idx="0">
+            <a:schemeClr val="accent1"/>
+          </a:effectRef>
+          <a:fontRef idx="minor">
+            <a:schemeClr val="tx1"/>
+          </a:fontRef>
+        </p:style>
+      </p:cxnSp>
+      <p:cxnSp>
+        <p:nvCxnSpPr>
+          <p:cNvPr id="178" name="Straight Arrow Connector 177"/>
+          <p:cNvCxnSpPr>
+            <a:stCxn id="95" idx="3"/>
+            <a:endCxn id="93" idx="1"/>
+          </p:cNvCxnSpPr>
+          <p:nvPr/>
+        </p:nvCxnSpPr>
+        <p:spPr>
+          <a:xfrm>
+            <a:off x="2290727" y="1373680"/>
+            <a:ext cx="317109" cy="1"/>
+          </a:xfrm>
+          <a:prstGeom prst="straightConnector1">
+            <a:avLst/>
+          </a:prstGeom>
+          <a:ln w="12700">
+            <a:solidFill>
+              <a:schemeClr val="accent4">
+                <a:lumMod val="75000"/>
+              </a:schemeClr>
+            </a:solidFill>
+            <a:prstDash val="sysDash"/>
+            <a:headEnd type="oval" w="sm" len="sm"/>
+            <a:tailEnd type="triangle"/>
+          </a:ln>
+        </p:spPr>
+        <p:style>
+          <a:lnRef idx="1">
+            <a:schemeClr val="accent1"/>
+          </a:lnRef>
+          <a:fillRef idx="0">
+            <a:schemeClr val="accent1"/>
+          </a:fillRef>
+          <a:effectRef idx="0">
+            <a:schemeClr val="accent1"/>
+          </a:effectRef>
+          <a:fontRef idx="minor">
+            <a:schemeClr val="tx1"/>
+          </a:fontRef>
+        </p:style>
+      </p:cxnSp>
+      <p:pic>
+        <p:nvPicPr>
+          <p:cNvPr id="198" name="pasted-image.pdf" descr="pasted-image.pdf"/>
+          <p:cNvPicPr>
+            <a:picLocks noChangeAspect="1"/>
+          </p:cNvPicPr>
+          <p:nvPr/>
+        </p:nvPicPr>
+        <p:blipFill>
+          <a:blip r:embed="rId6">
+            <a:alphaModFix amt="63000"/>
+            <a:extLst>
+              <a:ext uri="{BEBA8EAE-BF5A-486C-A8C5-ECC9F3942E4B}">
+                <a14:imgProps xmlns:a14="http://schemas.microsoft.com/office/drawing/2010/main">
+                  <a14:imgLayer r:embed="rId7">
+                    <a14:imgEffect>
+                      <a14:colorTemperature colorTemp="6944"/>
+                    </a14:imgEffect>
+                    <a14:imgEffect>
+                      <a14:saturation sat="400000"/>
+                    </a14:imgEffect>
+                  </a14:imgLayer>
+                </a14:imgProps>
+              </a:ext>
+            </a:extLst>
+          </a:blip>
+          <a:stretch>
+            <a:fillRect/>
+          </a:stretch>
+        </p:blipFill>
+        <p:spPr>
+          <a:xfrm>
+            <a:off x="994661" y="1850772"/>
+            <a:ext cx="409395" cy="467759"/>
+          </a:xfrm>
+          <a:prstGeom prst="rect">
+            <a:avLst/>
+          </a:prstGeom>
+          <a:solidFill>
+            <a:schemeClr val="bg1"/>
+          </a:solidFill>
+          <a:ln w="12700" cap="flat">
+            <a:noFill/>
+            <a:miter lim="400000"/>
+          </a:ln>
+          <a:effectLst/>
+        </p:spPr>
+      </p:pic>
       <p:grpSp>
         <p:nvGrpSpPr>
-          <p:cNvPr id="97" name="Group 96"/>
+          <p:cNvPr id="68" name="Group 67"/>
           <p:cNvGrpSpPr/>
           <p:nvPr/>
         </p:nvGrpSpPr>
         <p:grpSpPr>
           <a:xfrm>
-            <a:off x="4587988" y="2081111"/>
-            <a:ext cx="459693" cy="375886"/>
+            <a:off x="1687196" y="1834060"/>
+            <a:ext cx="612924" cy="501181"/>
             <a:chOff x="3250490" y="2849626"/>
             <a:chExt cx="659902" cy="539595"/>
           </a:xfrm>
         </p:grpSpPr>
         <p:sp>
           <p:nvSpPr>
-            <p:cNvPr id="98" name="Rounded Rectangle 97"/>
+            <p:cNvPr id="69" name="Rounded Rectangle 68"/>
             <p:cNvSpPr/>
             <p:nvPr/>
           </p:nvSpPr>
@@ -2778,7 +5225,7 @@
             <a:lstStyle/>
             <a:p>
               <a:pPr algn="ctr"/>
-              <a:endParaRPr lang="en-US" sz="2400" b="1" i="1" dirty="0">
+              <a:endParaRPr lang="en-US" sz="3200" b="1" i="1" dirty="0">
                 <a:solidFill>
                   <a:schemeClr val="accent1">
                     <a:lumMod val="50000"/>
@@ -2790,14 +5237,14 @@
         </p:sp>
         <p:pic>
           <p:nvPicPr>
-            <p:cNvPr id="99" name="Picture 98"/>
+            <p:cNvPr id="70" name="Picture 69"/>
             <p:cNvPicPr>
               <a:picLocks noChangeAspect="1"/>
             </p:cNvPicPr>
             <p:nvPr/>
           </p:nvPicPr>
           <p:blipFill>
-            <a:blip r:embed="rId6">
+            <a:blip r:embed="rId3">
               <a:alphaModFix/>
               <a:extLst>
                 <a:ext uri="{28A0092B-C50C-407E-A947-70E740481C1C}">
@@ -2822,36 +5269,6 @@
       </p:grpSp>
       <p:pic>
         <p:nvPicPr>
-          <p:cNvPr id="25" name="Picture 24"/>
-          <p:cNvPicPr>
-            <a:picLocks noChangeAspect="1"/>
-          </p:cNvPicPr>
-          <p:nvPr/>
-        </p:nvPicPr>
-        <p:blipFill>
-          <a:blip r:embed="rId9">
-            <a:extLst>
-              <a:ext uri="{28A0092B-C50C-407E-A947-70E740481C1C}">
-                <a14:useLocalDpi xmlns:a14="http://schemas.microsoft.com/office/drawing/2010/main" val="0"/>
-              </a:ext>
-            </a:extLst>
-          </a:blip>
-          <a:stretch>
-            <a:fillRect/>
-          </a:stretch>
-        </p:blipFill>
-        <p:spPr>
-          <a:xfrm>
-            <a:off x="3454381" y="2078553"/>
-            <a:ext cx="319112" cy="381000"/>
-          </a:xfrm>
-          <a:prstGeom prst="rect">
-            <a:avLst/>
-          </a:prstGeom>
-        </p:spPr>
-      </p:pic>
-      <p:pic>
-        <p:nvPicPr>
           <p:cNvPr id="26" name="Picture 25"/>
           <p:cNvPicPr>
             <a:picLocks noChangeAspect="1"/>
@@ -2872,8 +5289,686 @@
         </p:blipFill>
         <p:spPr>
           <a:xfrm>
-            <a:off x="3486292" y="3409953"/>
-            <a:ext cx="287201" cy="381000"/>
+            <a:off x="289480" y="1844221"/>
+            <a:ext cx="382935" cy="508000"/>
+          </a:xfrm>
+          <a:prstGeom prst="rect">
+            <a:avLst/>
+          </a:prstGeom>
+        </p:spPr>
+      </p:pic>
+      <p:grpSp>
+        <p:nvGrpSpPr>
+          <p:cNvPr id="127" name="Group 126"/>
+          <p:cNvGrpSpPr/>
+          <p:nvPr/>
+        </p:nvGrpSpPr>
+        <p:grpSpPr>
+          <a:xfrm>
+            <a:off x="2679512" y="1880853"/>
+            <a:ext cx="601217" cy="515068"/>
+            <a:chOff x="5931452" y="3072268"/>
+            <a:chExt cx="962406" cy="824502"/>
+          </a:xfrm>
+        </p:grpSpPr>
+        <p:sp>
+          <p:nvSpPr>
+            <p:cNvPr id="128" name="Hexagon 127"/>
+            <p:cNvSpPr/>
+            <p:nvPr/>
+          </p:nvSpPr>
+          <p:spPr>
+            <a:xfrm>
+              <a:off x="5931452" y="3072268"/>
+              <a:ext cx="962406" cy="824502"/>
+            </a:xfrm>
+            <a:prstGeom prst="hexagon">
+              <a:avLst/>
+            </a:prstGeom>
+            <a:solidFill>
+              <a:schemeClr val="accent6">
+                <a:lumMod val="40000"/>
+                <a:lumOff val="60000"/>
+              </a:schemeClr>
+            </a:solidFill>
+            <a:ln>
+              <a:noFill/>
+            </a:ln>
+            <a:effectLst>
+              <a:outerShdw blurRad="12700" dist="12700" dir="2700000" algn="tl" rotWithShape="0">
+                <a:prstClr val="black">
+                  <a:alpha val="40000"/>
+                </a:prstClr>
+              </a:outerShdw>
+            </a:effectLst>
+          </p:spPr>
+          <p:style>
+            <a:lnRef idx="2">
+              <a:schemeClr val="accent1">
+                <a:shade val="50000"/>
+              </a:schemeClr>
+            </a:lnRef>
+            <a:fillRef idx="1">
+              <a:schemeClr val="accent1"/>
+            </a:fillRef>
+            <a:effectRef idx="0">
+              <a:schemeClr val="accent1"/>
+            </a:effectRef>
+            <a:fontRef idx="minor">
+              <a:schemeClr val="lt1"/>
+            </a:fontRef>
+          </p:style>
+          <p:txBody>
+            <a:bodyPr wrap="none" rtlCol="0" anchor="ctr"/>
+            <a:lstStyle/>
+            <a:p>
+              <a:pPr algn="ctr"/>
+              <a:endParaRPr lang="en-US" sz="1867">
+                <a:solidFill>
+                  <a:schemeClr val="tx1">
+                    <a:lumMod val="85000"/>
+                    <a:lumOff val="15000"/>
+                  </a:schemeClr>
+                </a:solidFill>
+              </a:endParaRPr>
+            </a:p>
+          </p:txBody>
+        </p:sp>
+        <p:pic>
+          <p:nvPicPr>
+            <p:cNvPr id="130" name="pasted-image.pdf" descr="pasted-image.pdf"/>
+            <p:cNvPicPr>
+              <a:picLocks/>
+            </p:cNvPicPr>
+            <p:nvPr/>
+          </p:nvPicPr>
+          <p:blipFill>
+            <a:blip r:embed="rId8">
+              <a:extLst>
+                <a:ext uri="{BEBA8EAE-BF5A-486C-A8C5-ECC9F3942E4B}">
+                  <a14:imgProps xmlns:a14="http://schemas.microsoft.com/office/drawing/2010/main">
+                    <a14:imgLayer r:embed="rId9">
+                      <a14:imgEffect>
+                        <a14:colorTemperature colorTemp="5093"/>
+                      </a14:imgEffect>
+                    </a14:imgLayer>
+                  </a14:imgProps>
+                </a:ext>
+              </a:extLst>
+            </a:blip>
+            <a:stretch>
+              <a:fillRect/>
+            </a:stretch>
+          </p:blipFill>
+          <p:spPr>
+            <a:xfrm>
+              <a:off x="6065183" y="3137047"/>
+              <a:ext cx="694944" cy="694944"/>
+            </a:xfrm>
+            <a:prstGeom prst="rect">
+              <a:avLst/>
+            </a:prstGeom>
+            <a:ln w="12700" cap="flat">
+              <a:noFill/>
+              <a:miter lim="400000"/>
+            </a:ln>
+            <a:effectLst>
+              <a:outerShdw blurRad="25400" dist="25400" dir="2700000" algn="tl" rotWithShape="0">
+                <a:prstClr val="black">
+                  <a:alpha val="40000"/>
+                </a:prstClr>
+              </a:outerShdw>
+            </a:effectLst>
+          </p:spPr>
+        </p:pic>
+      </p:grpSp>
+      <p:grpSp>
+        <p:nvGrpSpPr>
+          <p:cNvPr id="131" name="Group 130"/>
+          <p:cNvGrpSpPr/>
+          <p:nvPr/>
+        </p:nvGrpSpPr>
+        <p:grpSpPr>
+          <a:xfrm>
+            <a:off x="2595969" y="1862941"/>
+            <a:ext cx="601217" cy="515068"/>
+            <a:chOff x="5931452" y="3072268"/>
+            <a:chExt cx="962406" cy="824502"/>
+          </a:xfrm>
+        </p:grpSpPr>
+        <p:sp>
+          <p:nvSpPr>
+            <p:cNvPr id="133" name="Hexagon 132"/>
+            <p:cNvSpPr/>
+            <p:nvPr/>
+          </p:nvSpPr>
+          <p:spPr>
+            <a:xfrm>
+              <a:off x="5931452" y="3072268"/>
+              <a:ext cx="962406" cy="824502"/>
+            </a:xfrm>
+            <a:prstGeom prst="hexagon">
+              <a:avLst/>
+            </a:prstGeom>
+            <a:solidFill>
+              <a:schemeClr val="accent6">
+                <a:lumMod val="40000"/>
+                <a:lumOff val="60000"/>
+              </a:schemeClr>
+            </a:solidFill>
+            <a:ln>
+              <a:noFill/>
+            </a:ln>
+            <a:effectLst>
+              <a:outerShdw blurRad="12700" dist="12700" dir="2700000" algn="tl" rotWithShape="0">
+                <a:prstClr val="black">
+                  <a:alpha val="40000"/>
+                </a:prstClr>
+              </a:outerShdw>
+            </a:effectLst>
+          </p:spPr>
+          <p:style>
+            <a:lnRef idx="2">
+              <a:schemeClr val="accent1">
+                <a:shade val="50000"/>
+              </a:schemeClr>
+            </a:lnRef>
+            <a:fillRef idx="1">
+              <a:schemeClr val="accent1"/>
+            </a:fillRef>
+            <a:effectRef idx="0">
+              <a:schemeClr val="accent1"/>
+            </a:effectRef>
+            <a:fontRef idx="minor">
+              <a:schemeClr val="lt1"/>
+            </a:fontRef>
+          </p:style>
+          <p:txBody>
+            <a:bodyPr wrap="none" rtlCol="0" anchor="ctr"/>
+            <a:lstStyle/>
+            <a:p>
+              <a:pPr algn="ctr"/>
+              <a:endParaRPr lang="en-US" sz="1867">
+                <a:solidFill>
+                  <a:schemeClr val="tx1">
+                    <a:lumMod val="85000"/>
+                    <a:lumOff val="15000"/>
+                  </a:schemeClr>
+                </a:solidFill>
+              </a:endParaRPr>
+            </a:p>
+          </p:txBody>
+        </p:sp>
+        <p:pic>
+          <p:nvPicPr>
+            <p:cNvPr id="135" name="pasted-image.pdf" descr="pasted-image.pdf"/>
+            <p:cNvPicPr>
+              <a:picLocks/>
+            </p:cNvPicPr>
+            <p:nvPr/>
+          </p:nvPicPr>
+          <p:blipFill>
+            <a:blip r:embed="rId8">
+              <a:extLst>
+                <a:ext uri="{BEBA8EAE-BF5A-486C-A8C5-ECC9F3942E4B}">
+                  <a14:imgProps xmlns:a14="http://schemas.microsoft.com/office/drawing/2010/main">
+                    <a14:imgLayer r:embed="rId9">
+                      <a14:imgEffect>
+                        <a14:colorTemperature colorTemp="5093"/>
+                      </a14:imgEffect>
+                    </a14:imgLayer>
+                  </a14:imgProps>
+                </a:ext>
+              </a:extLst>
+            </a:blip>
+            <a:stretch>
+              <a:fillRect/>
+            </a:stretch>
+          </p:blipFill>
+          <p:spPr>
+            <a:xfrm>
+              <a:off x="6065183" y="3137047"/>
+              <a:ext cx="694944" cy="694944"/>
+            </a:xfrm>
+            <a:prstGeom prst="rect">
+              <a:avLst/>
+            </a:prstGeom>
+            <a:ln w="12700" cap="flat">
+              <a:noFill/>
+              <a:miter lim="400000"/>
+            </a:ln>
+            <a:effectLst>
+              <a:outerShdw blurRad="25400" dist="25400" dir="2700000" algn="tl" rotWithShape="0">
+                <a:prstClr val="black">
+                  <a:alpha val="40000"/>
+                </a:prstClr>
+              </a:outerShdw>
+            </a:effectLst>
+          </p:spPr>
+        </p:pic>
+      </p:grpSp>
+      <p:grpSp>
+        <p:nvGrpSpPr>
+          <p:cNvPr id="139" name="Group 138"/>
+          <p:cNvGrpSpPr/>
+          <p:nvPr/>
+        </p:nvGrpSpPr>
+        <p:grpSpPr>
+          <a:xfrm>
+            <a:off x="2512114" y="1827117"/>
+            <a:ext cx="601217" cy="515068"/>
+            <a:chOff x="5931452" y="3072268"/>
+            <a:chExt cx="962406" cy="824502"/>
+          </a:xfrm>
+        </p:grpSpPr>
+        <p:sp>
+          <p:nvSpPr>
+            <p:cNvPr id="140" name="Hexagon 139"/>
+            <p:cNvSpPr/>
+            <p:nvPr/>
+          </p:nvSpPr>
+          <p:spPr>
+            <a:xfrm>
+              <a:off x="5931452" y="3072268"/>
+              <a:ext cx="962406" cy="824502"/>
+            </a:xfrm>
+            <a:prstGeom prst="hexagon">
+              <a:avLst/>
+            </a:prstGeom>
+            <a:solidFill>
+              <a:schemeClr val="accent6">
+                <a:lumMod val="40000"/>
+                <a:lumOff val="60000"/>
+              </a:schemeClr>
+            </a:solidFill>
+            <a:ln>
+              <a:noFill/>
+            </a:ln>
+            <a:effectLst>
+              <a:outerShdw blurRad="12700" dist="12700" dir="2700000" algn="tl" rotWithShape="0">
+                <a:prstClr val="black">
+                  <a:alpha val="40000"/>
+                </a:prstClr>
+              </a:outerShdw>
+            </a:effectLst>
+          </p:spPr>
+          <p:style>
+            <a:lnRef idx="2">
+              <a:schemeClr val="accent1">
+                <a:shade val="50000"/>
+              </a:schemeClr>
+            </a:lnRef>
+            <a:fillRef idx="1">
+              <a:schemeClr val="accent1"/>
+            </a:fillRef>
+            <a:effectRef idx="0">
+              <a:schemeClr val="accent1"/>
+            </a:effectRef>
+            <a:fontRef idx="minor">
+              <a:schemeClr val="lt1"/>
+            </a:fontRef>
+          </p:style>
+          <p:txBody>
+            <a:bodyPr wrap="none" rtlCol="0" anchor="ctr"/>
+            <a:lstStyle/>
+            <a:p>
+              <a:pPr algn="ctr"/>
+              <a:endParaRPr lang="en-US" sz="1867">
+                <a:solidFill>
+                  <a:schemeClr val="tx1">
+                    <a:lumMod val="85000"/>
+                    <a:lumOff val="15000"/>
+                  </a:schemeClr>
+                </a:solidFill>
+              </a:endParaRPr>
+            </a:p>
+          </p:txBody>
+        </p:sp>
+        <p:pic>
+          <p:nvPicPr>
+            <p:cNvPr id="141" name="pasted-image.pdf" descr="pasted-image.pdf"/>
+            <p:cNvPicPr>
+              <a:picLocks/>
+            </p:cNvPicPr>
+            <p:nvPr/>
+          </p:nvPicPr>
+          <p:blipFill>
+            <a:blip r:embed="rId8">
+              <a:extLst>
+                <a:ext uri="{BEBA8EAE-BF5A-486C-A8C5-ECC9F3942E4B}">
+                  <a14:imgProps xmlns:a14="http://schemas.microsoft.com/office/drawing/2010/main">
+                    <a14:imgLayer r:embed="rId9">
+                      <a14:imgEffect>
+                        <a14:colorTemperature colorTemp="5093"/>
+                      </a14:imgEffect>
+                    </a14:imgLayer>
+                  </a14:imgProps>
+                </a:ext>
+              </a:extLst>
+            </a:blip>
+            <a:stretch>
+              <a:fillRect/>
+            </a:stretch>
+          </p:blipFill>
+          <p:spPr>
+            <a:xfrm>
+              <a:off x="6065183" y="3137047"/>
+              <a:ext cx="694944" cy="694944"/>
+            </a:xfrm>
+            <a:prstGeom prst="rect">
+              <a:avLst/>
+            </a:prstGeom>
+            <a:ln w="12700" cap="flat">
+              <a:noFill/>
+              <a:miter lim="400000"/>
+            </a:ln>
+            <a:effectLst>
+              <a:outerShdw blurRad="25400" dist="25400" dir="2700000" algn="tl" rotWithShape="0">
+                <a:prstClr val="black">
+                  <a:alpha val="40000"/>
+                </a:prstClr>
+              </a:outerShdw>
+            </a:effectLst>
+          </p:spPr>
+        </p:pic>
+      </p:grpSp>
+      <p:cxnSp>
+        <p:nvCxnSpPr>
+          <p:cNvPr id="180" name="Straight Arrow Connector 179"/>
+          <p:cNvCxnSpPr>
+            <a:stCxn id="198" idx="3"/>
+            <a:endCxn id="70" idx="1"/>
+          </p:cNvCxnSpPr>
+          <p:nvPr/>
+        </p:nvCxnSpPr>
+        <p:spPr>
+          <a:xfrm flipV="1">
+            <a:off x="1404056" y="2084650"/>
+            <a:ext cx="323347" cy="1"/>
+          </a:xfrm>
+          <a:prstGeom prst="straightConnector1">
+            <a:avLst/>
+          </a:prstGeom>
+          <a:ln w="12700">
+            <a:solidFill>
+              <a:srgbClr val="C00000"/>
+            </a:solidFill>
+            <a:prstDash val="sysDash"/>
+            <a:headEnd type="oval" w="sm" len="sm"/>
+            <a:tailEnd type="triangle"/>
+          </a:ln>
+        </p:spPr>
+        <p:style>
+          <a:lnRef idx="1">
+            <a:schemeClr val="accent1"/>
+          </a:lnRef>
+          <a:fillRef idx="0">
+            <a:schemeClr val="accent1"/>
+          </a:fillRef>
+          <a:effectRef idx="0">
+            <a:schemeClr val="accent1"/>
+          </a:effectRef>
+          <a:fontRef idx="minor">
+            <a:schemeClr val="tx1"/>
+          </a:fontRef>
+        </p:style>
+      </p:cxnSp>
+      <p:cxnSp>
+        <p:nvCxnSpPr>
+          <p:cNvPr id="182" name="Straight Arrow Connector 181"/>
+          <p:cNvCxnSpPr>
+            <a:stCxn id="69" idx="3"/>
+            <a:endCxn id="141" idx="1"/>
+          </p:cNvCxnSpPr>
+          <p:nvPr/>
+        </p:nvCxnSpPr>
+        <p:spPr>
+          <a:xfrm>
+            <a:off x="2300120" y="2084650"/>
+            <a:ext cx="295537" cy="1"/>
+          </a:xfrm>
+          <a:prstGeom prst="straightConnector1">
+            <a:avLst/>
+          </a:prstGeom>
+          <a:ln w="12700">
+            <a:solidFill>
+              <a:srgbClr val="C00000"/>
+            </a:solidFill>
+            <a:prstDash val="sysDash"/>
+            <a:headEnd type="oval" w="sm" len="sm"/>
+            <a:tailEnd type="triangle"/>
+          </a:ln>
+        </p:spPr>
+        <p:style>
+          <a:lnRef idx="1">
+            <a:schemeClr val="accent1"/>
+          </a:lnRef>
+          <a:fillRef idx="0">
+            <a:schemeClr val="accent1"/>
+          </a:fillRef>
+          <a:effectRef idx="0">
+            <a:schemeClr val="accent1"/>
+          </a:effectRef>
+          <a:fontRef idx="minor">
+            <a:schemeClr val="tx1"/>
+          </a:fontRef>
+        </p:style>
+      </p:cxnSp>
+      <p:grpSp>
+        <p:nvGrpSpPr>
+          <p:cNvPr id="191" name="Group 190"/>
+          <p:cNvGrpSpPr/>
+          <p:nvPr/>
+        </p:nvGrpSpPr>
+        <p:grpSpPr>
+          <a:xfrm>
+            <a:off x="2794811" y="359816"/>
+            <a:ext cx="456234" cy="433126"/>
+            <a:chOff x="2118368" y="152409"/>
+            <a:chExt cx="413694" cy="392741"/>
+          </a:xfrm>
+        </p:grpSpPr>
+        <p:pic>
+          <p:nvPicPr>
+            <p:cNvPr id="64" name="Picture 63"/>
+            <p:cNvPicPr>
+              <a:picLocks noChangeAspect="1"/>
+            </p:cNvPicPr>
+            <p:nvPr/>
+          </p:nvPicPr>
+          <p:blipFill>
+            <a:blip r:embed="rId11">
+              <a:duotone>
+                <a:prstClr val="black"/>
+                <a:schemeClr val="accent6">
+                  <a:tint val="45000"/>
+                  <a:satMod val="400000"/>
+                </a:schemeClr>
+              </a:duotone>
+              <a:extLst>
+                <a:ext uri="{BEBA8EAE-BF5A-486C-A8C5-ECC9F3942E4B}">
+                  <a14:imgProps xmlns:a14="http://schemas.microsoft.com/office/drawing/2010/main">
+                    <a14:imgLayer r:embed="rId12">
+                      <a14:imgEffect>
+                        <a14:colorTemperature colorTemp="7580"/>
+                      </a14:imgEffect>
+                      <a14:imgEffect>
+                        <a14:saturation sat="400000"/>
+                      </a14:imgEffect>
+                    </a14:imgLayer>
+                  </a14:imgProps>
+                </a:ext>
+                <a:ext uri="{28A0092B-C50C-407E-A947-70E740481C1C}">
+                  <a14:useLocalDpi xmlns:a14="http://schemas.microsoft.com/office/drawing/2010/main" val="0"/>
+                </a:ext>
+              </a:extLst>
+            </a:blip>
+            <a:stretch>
+              <a:fillRect/>
+            </a:stretch>
+          </p:blipFill>
+          <p:spPr>
+            <a:xfrm>
+              <a:off x="2118368" y="169318"/>
+              <a:ext cx="368998" cy="375832"/>
+            </a:xfrm>
+            <a:prstGeom prst="rect">
+              <a:avLst/>
+            </a:prstGeom>
+            <a:effectLst>
+              <a:outerShdw blurRad="12700" dist="12700" dir="2700000" algn="tl" rotWithShape="0">
+                <a:prstClr val="black">
+                  <a:alpha val="40000"/>
+                </a:prstClr>
+              </a:outerShdw>
+            </a:effectLst>
+          </p:spPr>
+        </p:pic>
+        <p:grpSp>
+          <p:nvGrpSpPr>
+            <p:cNvPr id="190" name="Group 189"/>
+            <p:cNvGrpSpPr/>
+            <p:nvPr/>
+          </p:nvGrpSpPr>
+          <p:grpSpPr>
+            <a:xfrm>
+              <a:off x="2208829" y="152409"/>
+              <a:ext cx="323233" cy="286099"/>
+              <a:chOff x="2208829" y="152409"/>
+              <a:chExt cx="323233" cy="286099"/>
+            </a:xfrm>
+          </p:grpSpPr>
+          <p:sp>
+            <p:nvSpPr>
+              <p:cNvPr id="28" name="TextBox 27"/>
+              <p:cNvSpPr txBox="1"/>
+              <p:nvPr/>
+            </p:nvSpPr>
+            <p:spPr>
+              <a:xfrm>
+                <a:off x="2208829" y="184592"/>
+                <a:ext cx="210635" cy="253916"/>
+              </a:xfrm>
+              <a:prstGeom prst="rect">
+                <a:avLst/>
+              </a:prstGeom>
+              <a:noFill/>
+            </p:spPr>
+            <p:txBody>
+              <a:bodyPr wrap="none" rtlCol="0">
+                <a:spAutoFit/>
+              </a:bodyPr>
+              <a:lstStyle/>
+              <a:p>
+                <a:r>
+                  <a:rPr lang="en-US" sz="1600">
+                    <a:solidFill>
+                      <a:schemeClr val="accent6">
+                        <a:lumMod val="50000"/>
+                      </a:schemeClr>
+                    </a:solidFill>
+                  </a:rPr>
+                  <a:t>Z</a:t>
+                </a:r>
+              </a:p>
+            </p:txBody>
+          </p:sp>
+          <p:sp>
+            <p:nvSpPr>
+              <p:cNvPr id="125" name="TextBox 124"/>
+              <p:cNvSpPr txBox="1"/>
+              <p:nvPr/>
+            </p:nvSpPr>
+            <p:spPr>
+              <a:xfrm>
+                <a:off x="2351483" y="152409"/>
+                <a:ext cx="180579" cy="176923"/>
+              </a:xfrm>
+              <a:prstGeom prst="rect">
+                <a:avLst/>
+              </a:prstGeom>
+              <a:noFill/>
+            </p:spPr>
+            <p:txBody>
+              <a:bodyPr wrap="none" rtlCol="0">
+                <a:spAutoFit/>
+              </a:bodyPr>
+              <a:lstStyle/>
+              <a:p>
+                <a:r>
+                  <a:rPr lang="en-US" sz="933" dirty="0">
+                    <a:solidFill>
+                      <a:schemeClr val="accent6">
+                        <a:lumMod val="50000"/>
+                      </a:schemeClr>
+                    </a:solidFill>
+                  </a:rPr>
+                  <a:t>Z</a:t>
+                </a:r>
+              </a:p>
+            </p:txBody>
+          </p:sp>
+          <p:sp>
+            <p:nvSpPr>
+              <p:cNvPr id="126" name="TextBox 125"/>
+              <p:cNvSpPr txBox="1"/>
+              <p:nvPr/>
+            </p:nvSpPr>
+            <p:spPr>
+              <a:xfrm>
+                <a:off x="2282846" y="157452"/>
+                <a:ext cx="198612" cy="223090"/>
+              </a:xfrm>
+              <a:prstGeom prst="rect">
+                <a:avLst/>
+              </a:prstGeom>
+              <a:noFill/>
+            </p:spPr>
+            <p:txBody>
+              <a:bodyPr wrap="none" rtlCol="0">
+                <a:spAutoFit/>
+              </a:bodyPr>
+              <a:lstStyle/>
+              <a:p>
+                <a:r>
+                  <a:rPr lang="en-US" sz="1333" dirty="0">
+                    <a:solidFill>
+                      <a:schemeClr val="accent6">
+                        <a:lumMod val="50000"/>
+                      </a:schemeClr>
+                    </a:solidFill>
+                  </a:rPr>
+                  <a:t>Z</a:t>
+                </a:r>
+              </a:p>
+            </p:txBody>
+          </p:sp>
+        </p:grpSp>
+      </p:grpSp>
+      <p:pic>
+        <p:nvPicPr>
+          <p:cNvPr id="195" name="Picture 194"/>
+          <p:cNvPicPr>
+            <a:picLocks noChangeAspect="1"/>
+          </p:cNvPicPr>
+          <p:nvPr/>
+        </p:nvPicPr>
+        <p:blipFill>
+          <a:blip r:embed="rId13">
+            <a:extLst>
+              <a:ext uri="{28A0092B-C50C-407E-A947-70E740481C1C}">
+                <a14:useLocalDpi xmlns:a14="http://schemas.microsoft.com/office/drawing/2010/main" val="0"/>
+              </a:ext>
+            </a:extLst>
+          </a:blip>
+          <a:stretch>
+            <a:fillRect/>
+          </a:stretch>
+        </p:blipFill>
+        <p:spPr>
+          <a:xfrm>
+            <a:off x="238212" y="1124023"/>
+            <a:ext cx="413762" cy="489556"/>
           </a:xfrm>
           <a:prstGeom prst="rect">
             <a:avLst/>
@@ -2882,148 +5977,52 @@
       </p:pic>
       <p:pic>
         <p:nvPicPr>
-          <p:cNvPr id="109" name="image.png" descr="image.png"/>
+          <p:cNvPr id="196" name="Picture 195"/>
           <p:cNvPicPr>
             <a:picLocks noChangeAspect="1"/>
           </p:cNvPicPr>
           <p:nvPr/>
         </p:nvPicPr>
         <p:blipFill>
-          <a:blip r:embed="rId5">
-            <a:extLst/>
+          <a:blip r:embed="rId14">
+            <a:extLst>
+              <a:ext uri="{28A0092B-C50C-407E-A947-70E740481C1C}">
+                <a14:useLocalDpi xmlns:a14="http://schemas.microsoft.com/office/drawing/2010/main" val="0"/>
+              </a:ext>
+            </a:extLst>
           </a:blip>
-          <a:srcRect/>
           <a:stretch>
             <a:fillRect/>
           </a:stretch>
         </p:blipFill>
         <p:spPr>
-          <a:xfrm rot="5400000">
-            <a:off x="3736113" y="3503665"/>
-            <a:ext cx="228546" cy="167714"/>
+          <a:xfrm>
+            <a:off x="735359" y="1187939"/>
+            <a:ext cx="175625" cy="236965"/>
           </a:xfrm>
           <a:prstGeom prst="rect">
             <a:avLst/>
           </a:prstGeom>
-          <a:solidFill>
-            <a:schemeClr val="bg1"/>
-          </a:solidFill>
-          <a:ln w="12700" cap="flat">
-            <a:noFill/>
-            <a:miter lim="400000"/>
-          </a:ln>
-          <a:effectLst/>
+          <a:effectLst>
+            <a:innerShdw blurRad="63500" dist="101600">
+              <a:schemeClr val="accent1">
+                <a:lumMod val="50000"/>
+                <a:alpha val="50000"/>
+              </a:schemeClr>
+            </a:innerShdw>
+          </a:effectLst>
         </p:spPr>
       </p:pic>
       <p:pic>
         <p:nvPicPr>
-          <p:cNvPr id="110" name="image.png" descr="image.png"/>
+          <p:cNvPr id="197" name="Picture 196"/>
           <p:cNvPicPr>
             <a:picLocks noChangeAspect="1"/>
           </p:cNvPicPr>
           <p:nvPr/>
         </p:nvPicPr>
         <p:blipFill>
-          <a:blip r:embed="rId5">
-            <a:extLst/>
-          </a:blip>
-          <a:srcRect/>
-          <a:stretch>
-            <a:fillRect/>
-          </a:stretch>
-        </p:blipFill>
-        <p:spPr>
-          <a:xfrm rot="5400000">
-            <a:off x="3736113" y="2836573"/>
-            <a:ext cx="228546" cy="167714"/>
-          </a:xfrm>
-          <a:prstGeom prst="rect">
-            <a:avLst/>
-          </a:prstGeom>
-          <a:solidFill>
-            <a:schemeClr val="bg1"/>
-          </a:solidFill>
-          <a:ln w="12700" cap="flat">
-            <a:noFill/>
-            <a:miter lim="400000"/>
-          </a:ln>
-          <a:effectLst/>
-        </p:spPr>
-      </p:pic>
-      <p:sp>
-        <p:nvSpPr>
-          <p:cNvPr id="115" name="Hexagon 114"/>
-          <p:cNvSpPr/>
-          <p:nvPr/>
-        </p:nvSpPr>
-        <p:spPr>
-          <a:xfrm>
-            <a:off x="5372922" y="1990255"/>
-            <a:ext cx="664507" cy="569289"/>
-          </a:xfrm>
-          <a:prstGeom prst="hexagon">
-            <a:avLst/>
-          </a:prstGeom>
-          <a:solidFill>
-            <a:schemeClr val="accent6">
-              <a:lumMod val="20000"/>
-              <a:lumOff val="80000"/>
-            </a:schemeClr>
-          </a:solidFill>
-          <a:ln>
-            <a:noFill/>
-          </a:ln>
-          <a:effectLst>
-            <a:outerShdw blurRad="12700" dist="12700" dir="2700000" algn="tl" rotWithShape="0">
-              <a:prstClr val="black">
-                <a:alpha val="40000"/>
-              </a:prstClr>
-            </a:outerShdw>
-          </a:effectLst>
-        </p:spPr>
-        <p:style>
-          <a:lnRef idx="2">
-            <a:schemeClr val="accent1">
-              <a:shade val="50000"/>
-            </a:schemeClr>
-          </a:lnRef>
-          <a:fillRef idx="1">
-            <a:schemeClr val="accent1"/>
-          </a:fillRef>
-          <a:effectRef idx="0">
-            <a:schemeClr val="accent1"/>
-          </a:effectRef>
-          <a:fontRef idx="minor">
-            <a:schemeClr val="lt1"/>
-          </a:fontRef>
-        </p:style>
-        <p:txBody>
-          <a:bodyPr wrap="none" rtlCol="0" anchor="ctr"/>
-          <a:lstStyle/>
-          <a:p>
-            <a:pPr algn="ctr"/>
-            <a:endParaRPr lang="en-US" sz="1400" smtClean="0">
-              <a:solidFill>
-                <a:schemeClr val="tx1">
-                  <a:lumMod val="85000"/>
-                  <a:lumOff val="15000"/>
-                </a:schemeClr>
-              </a:solidFill>
-            </a:endParaRPr>
-          </a:p>
-        </p:txBody>
-      </p:sp>
-      <p:pic>
-        <p:nvPicPr>
-          <p:cNvPr id="116" name="pasted-image.pdf" descr="pasted-image.pdf"/>
-          <p:cNvPicPr>
-            <a:picLocks/>
-          </p:cNvPicPr>
-          <p:nvPr/>
-        </p:nvPicPr>
-        <p:blipFill>
-          <a:blip r:embed="rId11">
-            <a:alphaModFix/>
+          <a:blip r:embed="rId14">
             <a:duotone>
               <a:schemeClr val="bg2">
                 <a:shade val="45000"/>
@@ -3031,7 +6030,11 @@
               </a:schemeClr>
               <a:prstClr val="white"/>
             </a:duotone>
-            <a:extLst/>
+            <a:extLst>
+              <a:ext uri="{28A0092B-C50C-407E-A947-70E740481C1C}">
+                <a14:useLocalDpi xmlns:a14="http://schemas.microsoft.com/office/drawing/2010/main" val="0"/>
+              </a:ext>
+            </a:extLst>
           </a:blip>
           <a:stretch>
             <a:fillRect/>
@@ -3039,22 +6042,49 @@
         </p:blipFill>
         <p:spPr>
           <a:xfrm>
-            <a:off x="5465258" y="2034983"/>
-            <a:ext cx="479834" cy="479834"/>
+            <a:off x="735359" y="478507"/>
+            <a:ext cx="175625" cy="236965"/>
           </a:xfrm>
           <a:prstGeom prst="rect">
             <a:avLst/>
           </a:prstGeom>
-          <a:ln w="12700" cap="flat">
-            <a:noFill/>
-            <a:miter lim="400000"/>
-          </a:ln>
+          <a:effectLst/>
+        </p:spPr>
+      </p:pic>
+      <p:pic>
+        <p:nvPicPr>
+          <p:cNvPr id="199" name="Picture 198"/>
+          <p:cNvPicPr>
+            <a:picLocks noChangeAspect="1"/>
+          </p:cNvPicPr>
+          <p:nvPr/>
+        </p:nvPicPr>
+        <p:blipFill>
+          <a:blip r:embed="rId14">
+            <a:extLst>
+              <a:ext uri="{28A0092B-C50C-407E-A947-70E740481C1C}">
+                <a14:useLocalDpi xmlns:a14="http://schemas.microsoft.com/office/drawing/2010/main" val="0"/>
+              </a:ext>
+            </a:extLst>
+          </a:blip>
+          <a:stretch>
+            <a:fillRect/>
+          </a:stretch>
+        </p:blipFill>
+        <p:spPr>
+          <a:xfrm>
+            <a:off x="733781" y="1921321"/>
+            <a:ext cx="175625" cy="236965"/>
+          </a:xfrm>
+          <a:prstGeom prst="rect">
+            <a:avLst/>
+          </a:prstGeom>
           <a:effectLst>
-            <a:outerShdw blurRad="25400" dist="25400" dir="2700000" algn="tl" rotWithShape="0">
-              <a:prstClr val="black">
-                <a:alpha val="40000"/>
-              </a:prstClr>
-            </a:outerShdw>
+            <a:innerShdw blurRad="63500" dist="101600">
+              <a:srgbClr val="C00000">
+                <a:alpha val="50000"/>
+              </a:srgbClr>
+            </a:innerShdw>
           </a:effectLst>
         </p:spPr>
       </p:pic>
@@ -3093,12 +6123,12 @@
 <file path=ppt/theme/theme1.xml><?xml version="1.0" encoding="utf-8"?>
 <a:theme xmlns:a="http://schemas.openxmlformats.org/drawingml/2006/main" name="Office Theme">
   <a:themeElements>
-    <a:clrScheme name="Custom 7">
+    <a:clrScheme name="OpenWhisk">
       <a:dk1>
-        <a:sysClr val="windowText" lastClr="000000"/>
+        <a:srgbClr val="000000"/>
       </a:dk1>
       <a:lt1>
-        <a:sysClr val="window" lastClr="FFFFFF"/>
+        <a:srgbClr val="FFFFFF"/>
       </a:lt1>
       <a:dk2>
         <a:srgbClr val="455F51"/>
@@ -3131,22 +6161,22 @@
         <a:srgbClr val="977B2D"/>
       </a:folHlink>
     </a:clrScheme>
-    <a:fontScheme name="Arial">
+    <a:fontScheme name="Office Theme">
       <a:majorFont>
-        <a:latin typeface="Arial" panose="020B0604020202020204"/>
+        <a:latin typeface="Calibri Light" panose="020F0302020204030204"/>
         <a:ea typeface=""/>
         <a:cs typeface=""/>
         <a:font script="Jpan" typeface="ＭＳ Ｐゴシック"/>
-        <a:font script="Hang" typeface="굴림"/>
-        <a:font script="Hans" typeface="黑体"/>
-        <a:font script="Hant" typeface="微軟正黑體"/>
-        <a:font script="Arab" typeface="Arial"/>
-        <a:font script="Hebr" typeface="Arial"/>
-        <a:font script="Thai" typeface="Cordia New"/>
+        <a:font script="Hang" typeface="맑은 고딕"/>
+        <a:font script="Hans" typeface="宋体"/>
+        <a:font script="Hant" typeface="新細明體"/>
+        <a:font script="Arab" typeface="Times New Roman"/>
+        <a:font script="Hebr" typeface="Times New Roman"/>
+        <a:font script="Thai" typeface="Angsana New"/>
         <a:font script="Ethi" typeface="Nyala"/>
         <a:font script="Beng" typeface="Vrinda"/>
         <a:font script="Gujr" typeface="Shruti"/>
-        <a:font script="Khmr" typeface="DaunPenh"/>
+        <a:font script="Khmr" typeface="MoolBoran"/>
         <a:font script="Knda" typeface="Tunga"/>
         <a:font script="Guru" typeface="Raavi"/>
         <a:font script="Cans" typeface="Euphemia"/>
@@ -3163,18 +6193,18 @@
         <a:font script="Laoo" typeface="DokChampa"/>
         <a:font script="Sinh" typeface="Iskoola Pota"/>
         <a:font script="Mong" typeface="Mongolian Baiti"/>
-        <a:font script="Viet" typeface="Arial"/>
+        <a:font script="Viet" typeface="Times New Roman"/>
         <a:font script="Uigh" typeface="Microsoft Uighur"/>
         <a:font script="Geor" typeface="Sylfaen"/>
       </a:majorFont>
       <a:minorFont>
-        <a:latin typeface="Arial" panose="020B0604020202020204"/>
+        <a:latin typeface="Calibri" panose="020F0502020204030204"/>
         <a:ea typeface=""/>
         <a:cs typeface=""/>
         <a:font script="Jpan" typeface="ＭＳ Ｐゴシック"/>
-        <a:font script="Hang" typeface="굴림"/>
-        <a:font script="Hans" typeface="黑体"/>
-        <a:font script="Hant" typeface="微軟正黑體"/>
+        <a:font script="Hang" typeface="맑은 고딕"/>
+        <a:font script="Hans" typeface="宋体"/>
+        <a:font script="Hant" typeface="新細明體"/>
         <a:font script="Arab" typeface="Arial"/>
         <a:font script="Hebr" typeface="Arial"/>
         <a:font script="Thai" typeface="Cordia New"/>
@@ -3203,7 +6233,7 @@
         <a:font script="Geor" typeface="Sylfaen"/>
       </a:minorFont>
     </a:fontScheme>
-    <a:fmtScheme name="Office">
+    <a:fmtScheme name="Office Theme">
       <a:fillStyleLst>
         <a:solidFill>
           <a:schemeClr val="phClr"/>
@@ -3341,82 +6371,7 @@
       </a:bgFillStyleLst>
     </a:fmtScheme>
   </a:themeElements>
-  <a:objectDefaults>
-    <a:spDef>
-      <a:spPr>
-        <a:solidFill>
-          <a:schemeClr val="bg1"/>
-        </a:solidFill>
-        <a:ln>
-          <a:solidFill>
-            <a:schemeClr val="tx1">
-              <a:lumMod val="85000"/>
-              <a:lumOff val="15000"/>
-            </a:schemeClr>
-          </a:solidFill>
-        </a:ln>
-      </a:spPr>
-      <a:bodyPr wrap="none" rtlCol="0" anchor="ctr"/>
-      <a:lstStyle>
-        <a:defPPr algn="ctr">
-          <a:defRPr sz="1400" smtClean="0">
-            <a:solidFill>
-              <a:schemeClr val="tx1">
-                <a:lumMod val="85000"/>
-                <a:lumOff val="15000"/>
-              </a:schemeClr>
-            </a:solidFill>
-          </a:defRPr>
-        </a:defPPr>
-      </a:lstStyle>
-      <a:style>
-        <a:lnRef idx="2">
-          <a:schemeClr val="accent1">
-            <a:shade val="50000"/>
-          </a:schemeClr>
-        </a:lnRef>
-        <a:fillRef idx="1">
-          <a:schemeClr val="accent1"/>
-        </a:fillRef>
-        <a:effectRef idx="0">
-          <a:schemeClr val="accent1"/>
-        </a:effectRef>
-        <a:fontRef idx="minor">
-          <a:schemeClr val="lt1"/>
-        </a:fontRef>
-      </a:style>
-    </a:spDef>
-    <a:lnDef>
-      <a:spPr>
-        <a:ln w="9525">
-          <a:solidFill>
-            <a:schemeClr val="accent5">
-              <a:lumMod val="50000"/>
-            </a:schemeClr>
-          </a:solidFill>
-          <a:prstDash val="sysDot"/>
-          <a:headEnd type="none"/>
-          <a:tailEnd type="arrow"/>
-        </a:ln>
-      </a:spPr>
-      <a:bodyPr/>
-      <a:lstStyle/>
-      <a:style>
-        <a:lnRef idx="1">
-          <a:schemeClr val="accent1"/>
-        </a:lnRef>
-        <a:fillRef idx="0">
-          <a:schemeClr val="accent1"/>
-        </a:fillRef>
-        <a:effectRef idx="0">
-          <a:schemeClr val="accent1"/>
-        </a:effectRef>
-        <a:fontRef idx="minor">
-          <a:schemeClr val="tx1"/>
-        </a:fontRef>
-      </a:style>
-    </a:lnDef>
-  </a:objectDefaults>
+  <a:objectDefaults/>
   <a:extraClrSchemeLst/>
   <a:extLst>
     <a:ext uri="{05A4C25C-085E-4340-85A3-A5531E510DB2}">

--- a/images/runtimes/OW-Utilization-Scaling.pptx
+++ b/images/runtimes/OW-Utilization-Scaling.pptx
@@ -4492,7 +4492,7 @@
         </p:blipFill>
         <p:spPr>
           <a:xfrm>
-            <a:off x="232352" y="412235"/>
+            <a:off x="321937" y="381000"/>
             <a:ext cx="425483" cy="508000"/>
           </a:xfrm>
           <a:prstGeom prst="rect">
@@ -5289,7 +5289,7 @@
         </p:blipFill>
         <p:spPr>
           <a:xfrm>
-            <a:off x="289480" y="1844221"/>
+            <a:off x="379065" y="1812986"/>
             <a:ext cx="382935" cy="508000"/>
           </a:xfrm>
           <a:prstGeom prst="rect">
@@ -5967,7 +5967,7 @@
         </p:blipFill>
         <p:spPr>
           <a:xfrm>
-            <a:off x="238212" y="1124023"/>
+            <a:off x="327797" y="1092788"/>
             <a:ext cx="413762" cy="489556"/>
           </a:xfrm>
           <a:prstGeom prst="rect">
@@ -6086,6 +6086,36 @@
               </a:srgbClr>
             </a:innerShdw>
           </a:effectLst>
+        </p:spPr>
+      </p:pic>
+      <p:pic>
+        <p:nvPicPr>
+          <p:cNvPr id="201" name="Picture 200"/>
+          <p:cNvPicPr>
+            <a:picLocks noChangeAspect="1"/>
+          </p:cNvPicPr>
+          <p:nvPr/>
+        </p:nvPicPr>
+        <p:blipFill>
+          <a:blip r:embed="rId15">
+            <a:extLst>
+              <a:ext uri="{28A0092B-C50C-407E-A947-70E740481C1C}">
+                <a14:useLocalDpi xmlns:a14="http://schemas.microsoft.com/office/drawing/2010/main" val="0"/>
+              </a:ext>
+            </a:extLst>
+          </a:blip>
+          <a:stretch>
+            <a:fillRect/>
+          </a:stretch>
+        </p:blipFill>
+        <p:spPr>
+          <a:xfrm>
+            <a:off x="2829588" y="1021076"/>
+            <a:ext cx="412634" cy="429526"/>
+          </a:xfrm>
+          <a:prstGeom prst="rect">
+            <a:avLst/>
+          </a:prstGeom>
         </p:spPr>
       </p:pic>
     </p:spTree>

--- a/images/runtimes/OW-Utilization-Scaling.pptx
+++ b/images/runtimes/OW-Utilization-Scaling.pptx
@@ -4371,8 +4371,8 @@
         </p:nvGrpSpPr>
         <p:grpSpPr>
           <a:xfrm>
-            <a:off x="1683999" y="388502"/>
-            <a:ext cx="612924" cy="501181"/>
+            <a:off x="1682813" y="415430"/>
+            <a:ext cx="525801" cy="429942"/>
             <a:chOff x="3250490" y="2849626"/>
             <a:chExt cx="659902" cy="539595"/>
           </a:xfrm>
@@ -4470,147 +4470,132 @@
           </p:spPr>
         </p:pic>
       </p:grpSp>
-      <p:pic>
-        <p:nvPicPr>
-          <p:cNvPr id="25" name="Picture 24"/>
-          <p:cNvPicPr>
-            <a:picLocks noChangeAspect="1"/>
-          </p:cNvPicPr>
+      <p:grpSp>
+        <p:nvGrpSpPr>
+          <p:cNvPr id="217" name="Group 216"/>
+          <p:cNvGrpSpPr/>
           <p:nvPr/>
-        </p:nvPicPr>
-        <p:blipFill>
-          <a:blip r:embed="rId4">
-            <a:extLst>
-              <a:ext uri="{28A0092B-C50C-407E-A947-70E740481C1C}">
-                <a14:useLocalDpi xmlns:a14="http://schemas.microsoft.com/office/drawing/2010/main" val="0"/>
-              </a:ext>
-            </a:extLst>
-          </a:blip>
-          <a:stretch>
-            <a:fillRect/>
-          </a:stretch>
-        </p:blipFill>
-        <p:spPr>
+        </p:nvGrpSpPr>
+        <p:grpSpPr>
           <a:xfrm>
-            <a:off x="321937" y="381000"/>
-            <a:ext cx="425483" cy="508000"/>
+            <a:off x="2440481" y="381000"/>
+            <a:ext cx="582231" cy="498803"/>
+            <a:chOff x="2521614" y="389691"/>
+            <a:chExt cx="582231" cy="498803"/>
           </a:xfrm>
-          <a:prstGeom prst="rect">
-            <a:avLst/>
-          </a:prstGeom>
-        </p:spPr>
-      </p:pic>
-      <p:sp>
-        <p:nvSpPr>
-          <p:cNvPr id="115" name="Hexagon 114"/>
-          <p:cNvSpPr/>
-          <p:nvPr/>
-        </p:nvSpPr>
-        <p:spPr>
-          <a:xfrm>
-            <a:off x="2521614" y="389691"/>
-            <a:ext cx="582231" cy="498803"/>
-          </a:xfrm>
-          <a:prstGeom prst="hexagon">
-            <a:avLst/>
-          </a:prstGeom>
-          <a:solidFill>
-            <a:schemeClr val="bg1">
-              <a:lumMod val="85000"/>
-              <a:alpha val="26000"/>
-            </a:schemeClr>
-          </a:solidFill>
-          <a:ln w="9525">
+        </p:grpSpPr>
+        <p:sp>
+          <p:nvSpPr>
+            <p:cNvPr id="115" name="Hexagon 114"/>
+            <p:cNvSpPr/>
+            <p:nvPr/>
+          </p:nvSpPr>
+          <p:spPr>
+            <a:xfrm>
+              <a:off x="2521614" y="389691"/>
+              <a:ext cx="582231" cy="498803"/>
+            </a:xfrm>
+            <a:prstGeom prst="hexagon">
+              <a:avLst/>
+            </a:prstGeom>
             <a:solidFill>
               <a:schemeClr val="bg1">
                 <a:lumMod val="85000"/>
-                <a:alpha val="75000"/>
+                <a:alpha val="26000"/>
               </a:schemeClr>
             </a:solidFill>
-            <a:prstDash val="dash"/>
-          </a:ln>
-          <a:effectLst/>
-        </p:spPr>
-        <p:style>
-          <a:lnRef idx="2">
-            <a:schemeClr val="accent1">
-              <a:shade val="50000"/>
-            </a:schemeClr>
-          </a:lnRef>
-          <a:fillRef idx="1">
-            <a:schemeClr val="accent1"/>
-          </a:fillRef>
-          <a:effectRef idx="0">
-            <a:schemeClr val="accent1"/>
-          </a:effectRef>
-          <a:fontRef idx="minor">
-            <a:schemeClr val="lt1"/>
-          </a:fontRef>
-        </p:style>
-        <p:txBody>
-          <a:bodyPr wrap="none" rtlCol="0" anchor="ctr"/>
-          <a:lstStyle/>
-          <a:p>
-            <a:pPr algn="ctr"/>
-            <a:r>
-              <a:rPr lang="en-US" sz="1867" dirty="0">
-                <a:solidFill>
-                  <a:schemeClr val="tx1">
-                    <a:lumMod val="85000"/>
-                    <a:lumOff val="15000"/>
-                  </a:schemeClr>
-                </a:solidFill>
-              </a:rPr>
-              <a:t>+</a:t>
-            </a:r>
-          </a:p>
-        </p:txBody>
-      </p:sp>
-      <p:pic>
-        <p:nvPicPr>
-          <p:cNvPr id="116" name="pasted-image.pdf" descr="pasted-image.pdf"/>
-          <p:cNvPicPr>
-            <a:picLocks/>
-          </p:cNvPicPr>
-          <p:nvPr/>
-        </p:nvPicPr>
-        <p:blipFill>
-          <a:blip r:embed="rId5">
-            <a:alphaModFix/>
-            <a:duotone>
-              <a:schemeClr val="bg2">
-                <a:shade val="45000"/>
-                <a:satMod val="135000"/>
+            <a:ln w="9525">
+              <a:solidFill>
+                <a:schemeClr val="bg1">
+                  <a:lumMod val="85000"/>
+                  <a:alpha val="75000"/>
+                </a:schemeClr>
+              </a:solidFill>
+              <a:prstDash val="dash"/>
+            </a:ln>
+            <a:effectLst/>
+          </p:spPr>
+          <p:style>
+            <a:lnRef idx="2">
+              <a:schemeClr val="accent1">
+                <a:shade val="50000"/>
               </a:schemeClr>
-              <a:prstClr val="white"/>
-            </a:duotone>
-            <a:extLst/>
-          </a:blip>
-          <a:stretch>
-            <a:fillRect/>
-          </a:stretch>
-        </p:blipFill>
-        <p:spPr>
-          <a:xfrm>
-            <a:off x="2602504" y="428880"/>
-            <a:ext cx="420424" cy="420424"/>
-          </a:xfrm>
-          <a:prstGeom prst="rect">
-            <a:avLst/>
-          </a:prstGeom>
-          <a:ln w="12700" cap="flat">
-            <a:noFill/>
-            <a:miter lim="400000"/>
-          </a:ln>
-          <a:effectLst>
-            <a:outerShdw blurRad="25400" dist="25400" dir="2700000" algn="tl" rotWithShape="0">
-              <a:prstClr val="black">
-                <a:alpha val="40000"/>
-              </a:prstClr>
-            </a:outerShdw>
-          </a:effectLst>
-        </p:spPr>
-      </p:pic>
+            </a:lnRef>
+            <a:fillRef idx="1">
+              <a:schemeClr val="accent1"/>
+            </a:fillRef>
+            <a:effectRef idx="0">
+              <a:schemeClr val="accent1"/>
+            </a:effectRef>
+            <a:fontRef idx="minor">
+              <a:schemeClr val="lt1"/>
+            </a:fontRef>
+          </p:style>
+          <p:txBody>
+            <a:bodyPr wrap="none" rtlCol="0" anchor="ctr"/>
+            <a:lstStyle/>
+            <a:p>
+              <a:pPr algn="ctr"/>
+              <a:r>
+                <a:rPr lang="en-US" sz="1867" dirty="0">
+                  <a:solidFill>
+                    <a:schemeClr val="tx1">
+                      <a:lumMod val="85000"/>
+                      <a:lumOff val="15000"/>
+                    </a:schemeClr>
+                  </a:solidFill>
+                </a:rPr>
+                <a:t>+</a:t>
+              </a:r>
+            </a:p>
+          </p:txBody>
+        </p:sp>
+        <p:pic>
+          <p:nvPicPr>
+            <p:cNvPr id="116" name="pasted-image.pdf" descr="pasted-image.pdf"/>
+            <p:cNvPicPr>
+              <a:picLocks/>
+            </p:cNvPicPr>
+            <p:nvPr/>
+          </p:nvPicPr>
+          <p:blipFill>
+            <a:blip r:embed="rId4">
+              <a:alphaModFix/>
+              <a:duotone>
+                <a:schemeClr val="bg2">
+                  <a:shade val="45000"/>
+                  <a:satMod val="135000"/>
+                </a:schemeClr>
+                <a:prstClr val="white"/>
+              </a:duotone>
+              <a:extLst/>
+            </a:blip>
+            <a:stretch>
+              <a:fillRect/>
+            </a:stretch>
+          </p:blipFill>
+          <p:spPr>
+            <a:xfrm>
+              <a:off x="2602504" y="428889"/>
+              <a:ext cx="420424" cy="420424"/>
+            </a:xfrm>
+            <a:prstGeom prst="rect">
+              <a:avLst/>
+            </a:prstGeom>
+            <a:ln w="12700" cap="flat">
+              <a:noFill/>
+              <a:miter lim="400000"/>
+            </a:ln>
+            <a:effectLst>
+              <a:outerShdw blurRad="25400" dist="25400" dir="2700000" algn="tl" rotWithShape="0">
+                <a:prstClr val="black">
+                  <a:alpha val="40000"/>
+                </a:prstClr>
+              </a:outerShdw>
+            </a:effectLst>
+          </p:spPr>
+        </p:pic>
+      </p:grpSp>
       <p:pic>
         <p:nvPicPr>
           <p:cNvPr id="123" name="pasted-image.pdf" descr="pasted-image.pdf"/>
@@ -4620,12 +4605,12 @@
           <p:nvPr/>
         </p:nvPicPr>
         <p:blipFill>
-          <a:blip r:embed="rId6">
+          <a:blip r:embed="rId5">
             <a:alphaModFix amt="63000"/>
             <a:extLst>
               <a:ext uri="{BEBA8EAE-BF5A-486C-A8C5-ECC9F3942E4B}">
                 <a14:imgProps xmlns:a14="http://schemas.microsoft.com/office/drawing/2010/main">
-                  <a14:imgLayer r:embed="rId7">
+                  <a14:imgLayer r:embed="rId6">
                     <a14:imgEffect>
                       <a14:colorTemperature colorTemp="6944"/>
                     </a14:imgEffect>
@@ -4643,7 +4628,7 @@
         </p:blipFill>
         <p:spPr>
           <a:xfrm>
-            <a:off x="953536" y="405222"/>
+            <a:off x="1038405" y="396522"/>
             <a:ext cx="409395" cy="467759"/>
           </a:xfrm>
           <a:prstGeom prst="rect">
@@ -4664,14 +4649,14 @@
           <p:cNvPr id="172" name="Straight Arrow Connector 171"/>
           <p:cNvCxnSpPr>
             <a:stCxn id="98" idx="3"/>
-            <a:endCxn id="116" idx="1"/>
+            <a:endCxn id="115" idx="3"/>
           </p:cNvCxnSpPr>
           <p:nvPr/>
         </p:nvCxnSpPr>
         <p:spPr>
           <a:xfrm>
-            <a:off x="2296926" y="639092"/>
-            <a:ext cx="305591" cy="0"/>
+            <a:off x="2208614" y="630401"/>
+            <a:ext cx="231867" cy="1"/>
           </a:xfrm>
           <a:prstGeom prst="straightConnector1">
             <a:avLst/>
@@ -4714,8 +4699,8 @@
         </p:nvCxnSpPr>
         <p:spPr>
           <a:xfrm flipV="1">
-            <a:off x="1362931" y="639101"/>
-            <a:ext cx="321059" cy="1"/>
+            <a:off x="1447800" y="630401"/>
+            <a:ext cx="235013" cy="1"/>
           </a:xfrm>
           <a:prstGeom prst="straightConnector1">
             <a:avLst/>
@@ -4754,7 +4739,7 @@
         </p:nvGrpSpPr>
         <p:grpSpPr>
           <a:xfrm>
-            <a:off x="2524451" y="1116628"/>
+            <a:off x="2450737" y="1116628"/>
             <a:ext cx="600093" cy="514105"/>
             <a:chOff x="5931452" y="3072268"/>
             <a:chExt cx="962406" cy="824502"/>
@@ -4832,11 +4817,11 @@
             <p:nvPr/>
           </p:nvPicPr>
           <p:blipFill>
-            <a:blip r:embed="rId8">
+            <a:blip r:embed="rId7">
               <a:extLst>
                 <a:ext uri="{BEBA8EAE-BF5A-486C-A8C5-ECC9F3942E4B}">
                   <a14:imgProps xmlns:a14="http://schemas.microsoft.com/office/drawing/2010/main">
-                    <a14:imgLayer r:embed="rId9">
+                    <a14:imgLayer r:embed="rId8">
                       <a14:imgEffect>
                         <a14:colorTemperature colorTemp="5093"/>
                       </a14:imgEffect>
@@ -4871,113 +4856,6 @@
           </p:spPr>
         </p:pic>
       </p:grpSp>
-      <p:grpSp>
-        <p:nvGrpSpPr>
-          <p:cNvPr id="94" name="Group 93"/>
-          <p:cNvGrpSpPr/>
-          <p:nvPr/>
-        </p:nvGrpSpPr>
-        <p:grpSpPr>
-          <a:xfrm>
-            <a:off x="1677802" y="1123089"/>
-            <a:ext cx="612924" cy="501181"/>
-            <a:chOff x="3250490" y="2849626"/>
-            <a:chExt cx="659902" cy="539595"/>
-          </a:xfrm>
-        </p:grpSpPr>
-        <p:sp>
-          <p:nvSpPr>
-            <p:cNvPr id="95" name="Rounded Rectangle 94"/>
-            <p:cNvSpPr/>
-            <p:nvPr/>
-          </p:nvSpPr>
-          <p:spPr>
-            <a:xfrm>
-              <a:off x="3250490" y="2849626"/>
-              <a:ext cx="659902" cy="539595"/>
-            </a:xfrm>
-            <a:prstGeom prst="roundRect">
-              <a:avLst>
-                <a:gd name="adj" fmla="val 7153"/>
-              </a:avLst>
-            </a:prstGeom>
-            <a:solidFill>
-              <a:schemeClr val="accent6">
-                <a:lumMod val="20000"/>
-                <a:lumOff val="80000"/>
-                <a:alpha val="51000"/>
-              </a:schemeClr>
-            </a:solidFill>
-            <a:ln w="12700">
-              <a:solidFill>
-                <a:schemeClr val="accent3">
-                  <a:lumMod val="75000"/>
-                </a:schemeClr>
-              </a:solidFill>
-            </a:ln>
-            <a:effectLst/>
-          </p:spPr>
-          <p:style>
-            <a:lnRef idx="1">
-              <a:schemeClr val="accent1"/>
-            </a:lnRef>
-            <a:fillRef idx="3">
-              <a:schemeClr val="accent1"/>
-            </a:fillRef>
-            <a:effectRef idx="2">
-              <a:schemeClr val="accent1"/>
-            </a:effectRef>
-            <a:fontRef idx="minor">
-              <a:schemeClr val="lt1"/>
-            </a:fontRef>
-          </p:style>
-          <p:txBody>
-            <a:bodyPr rtlCol="0" anchor="t" anchorCtr="0"/>
-            <a:lstStyle/>
-            <a:p>
-              <a:pPr algn="ctr"/>
-              <a:endParaRPr lang="en-US" sz="3200" b="1" i="1" dirty="0">
-                <a:solidFill>
-                  <a:schemeClr val="accent1">
-                    <a:lumMod val="50000"/>
-                  </a:schemeClr>
-                </a:solidFill>
-              </a:endParaRPr>
-            </a:p>
-          </p:txBody>
-        </p:sp>
-        <p:pic>
-          <p:nvPicPr>
-            <p:cNvPr id="96" name="Picture 95"/>
-            <p:cNvPicPr>
-              <a:picLocks noChangeAspect="1"/>
-            </p:cNvPicPr>
-            <p:nvPr/>
-          </p:nvPicPr>
-          <p:blipFill>
-            <a:blip r:embed="rId3">
-              <a:alphaModFix/>
-              <a:extLst>
-                <a:ext uri="{28A0092B-C50C-407E-A947-70E740481C1C}">
-                  <a14:useLocalDpi xmlns:a14="http://schemas.microsoft.com/office/drawing/2010/main" val="0"/>
-                </a:ext>
-              </a:extLst>
-            </a:blip>
-            <a:stretch>
-              <a:fillRect/>
-            </a:stretch>
-          </p:blipFill>
-          <p:spPr>
-            <a:xfrm>
-              <a:off x="3293779" y="2916028"/>
-              <a:ext cx="573323" cy="406790"/>
-            </a:xfrm>
-            <a:prstGeom prst="rect">
-              <a:avLst/>
-            </a:prstGeom>
-          </p:spPr>
-        </p:pic>
-      </p:grpSp>
       <p:pic>
         <p:nvPicPr>
           <p:cNvPr id="124" name="pasted-image.pdf" descr="pasted-image.pdf"/>
@@ -4987,12 +4865,12 @@
           <p:nvPr/>
         </p:nvPicPr>
         <p:blipFill>
-          <a:blip r:embed="rId6">
+          <a:blip r:embed="rId5">
             <a:alphaModFix amt="63000"/>
             <a:extLst>
               <a:ext uri="{BEBA8EAE-BF5A-486C-A8C5-ECC9F3942E4B}">
                 <a14:imgProps xmlns:a14="http://schemas.microsoft.com/office/drawing/2010/main">
-                  <a14:imgLayer r:embed="rId7">
+                  <a14:imgLayer r:embed="rId6">
                     <a14:imgEffect>
                       <a14:colorTemperature colorTemp="6944"/>
                     </a14:imgEffect>
@@ -5010,7 +4888,7 @@
         </p:blipFill>
         <p:spPr>
           <a:xfrm>
-            <a:off x="980006" y="1139801"/>
+            <a:off x="1038405" y="1139801"/>
             <a:ext cx="409395" cy="467758"/>
           </a:xfrm>
           <a:prstGeom prst="rect">
@@ -5031,14 +4909,14 @@
           <p:cNvPr id="176" name="Straight Arrow Connector 175"/>
           <p:cNvCxnSpPr>
             <a:stCxn id="124" idx="3"/>
-            <a:endCxn id="95" idx="1"/>
+            <a:endCxn id="203" idx="1"/>
           </p:cNvCxnSpPr>
           <p:nvPr/>
         </p:nvCxnSpPr>
         <p:spPr>
-          <a:xfrm flipV="1">
-            <a:off x="1389401" y="1373680"/>
-            <a:ext cx="288401" cy="1"/>
+          <a:xfrm>
+            <a:off x="1447800" y="1373680"/>
+            <a:ext cx="235013" cy="0"/>
           </a:xfrm>
           <a:prstGeom prst="straightConnector1">
             <a:avLst/>
@@ -5073,15 +4951,15 @@
         <p:nvCxnSpPr>
           <p:cNvPr id="178" name="Straight Arrow Connector 177"/>
           <p:cNvCxnSpPr>
-            <a:stCxn id="95" idx="3"/>
-            <a:endCxn id="93" idx="1"/>
+            <a:stCxn id="203" idx="3"/>
+            <a:endCxn id="92" idx="3"/>
           </p:cNvCxnSpPr>
           <p:nvPr/>
         </p:nvCxnSpPr>
         <p:spPr>
           <a:xfrm>
-            <a:off x="2290727" y="1373680"/>
-            <a:ext cx="317109" cy="1"/>
+            <a:off x="2208614" y="1373680"/>
+            <a:ext cx="242123" cy="1"/>
           </a:xfrm>
           <a:prstGeom prst="straightConnector1">
             <a:avLst/>
@@ -5121,12 +4999,12 @@
           <p:nvPr/>
         </p:nvPicPr>
         <p:blipFill>
-          <a:blip r:embed="rId6">
+          <a:blip r:embed="rId5">
             <a:alphaModFix amt="63000"/>
             <a:extLst>
               <a:ext uri="{BEBA8EAE-BF5A-486C-A8C5-ECC9F3942E4B}">
                 <a14:imgProps xmlns:a14="http://schemas.microsoft.com/office/drawing/2010/main">
-                  <a14:imgLayer r:embed="rId7">
+                  <a14:imgLayer r:embed="rId6">
                     <a14:imgEffect>
                       <a14:colorTemperature colorTemp="6944"/>
                     </a14:imgEffect>
@@ -5144,7 +5022,7 @@
         </p:blipFill>
         <p:spPr>
           <a:xfrm>
-            <a:off x="994661" y="1850772"/>
+            <a:off x="1038405" y="1850772"/>
             <a:ext cx="409395" cy="467759"/>
           </a:xfrm>
           <a:prstGeom prst="rect">
@@ -5162,150 +5040,13 @@
       </p:pic>
       <p:grpSp>
         <p:nvGrpSpPr>
-          <p:cNvPr id="68" name="Group 67"/>
-          <p:cNvGrpSpPr/>
-          <p:nvPr/>
-        </p:nvGrpSpPr>
-        <p:grpSpPr>
-          <a:xfrm>
-            <a:off x="1687196" y="1834060"/>
-            <a:ext cx="612924" cy="501181"/>
-            <a:chOff x="3250490" y="2849626"/>
-            <a:chExt cx="659902" cy="539595"/>
-          </a:xfrm>
-        </p:grpSpPr>
-        <p:sp>
-          <p:nvSpPr>
-            <p:cNvPr id="69" name="Rounded Rectangle 68"/>
-            <p:cNvSpPr/>
-            <p:nvPr/>
-          </p:nvSpPr>
-          <p:spPr>
-            <a:xfrm>
-              <a:off x="3250490" y="2849626"/>
-              <a:ext cx="659902" cy="539595"/>
-            </a:xfrm>
-            <a:prstGeom prst="roundRect">
-              <a:avLst>
-                <a:gd name="adj" fmla="val 7153"/>
-              </a:avLst>
-            </a:prstGeom>
-            <a:solidFill>
-              <a:schemeClr val="accent6">
-                <a:lumMod val="20000"/>
-                <a:lumOff val="80000"/>
-                <a:alpha val="51000"/>
-              </a:schemeClr>
-            </a:solidFill>
-            <a:ln w="12700">
-              <a:solidFill>
-                <a:schemeClr val="accent3">
-                  <a:lumMod val="75000"/>
-                </a:schemeClr>
-              </a:solidFill>
-            </a:ln>
-            <a:effectLst/>
-          </p:spPr>
-          <p:style>
-            <a:lnRef idx="1">
-              <a:schemeClr val="accent1"/>
-            </a:lnRef>
-            <a:fillRef idx="3">
-              <a:schemeClr val="accent1"/>
-            </a:fillRef>
-            <a:effectRef idx="2">
-              <a:schemeClr val="accent1"/>
-            </a:effectRef>
-            <a:fontRef idx="minor">
-              <a:schemeClr val="lt1"/>
-            </a:fontRef>
-          </p:style>
-          <p:txBody>
-            <a:bodyPr rtlCol="0" anchor="t" anchorCtr="0"/>
-            <a:lstStyle/>
-            <a:p>
-              <a:pPr algn="ctr"/>
-              <a:endParaRPr lang="en-US" sz="3200" b="1" i="1" dirty="0">
-                <a:solidFill>
-                  <a:schemeClr val="accent1">
-                    <a:lumMod val="50000"/>
-                  </a:schemeClr>
-                </a:solidFill>
-              </a:endParaRPr>
-            </a:p>
-          </p:txBody>
-        </p:sp>
-        <p:pic>
-          <p:nvPicPr>
-            <p:cNvPr id="70" name="Picture 69"/>
-            <p:cNvPicPr>
-              <a:picLocks noChangeAspect="1"/>
-            </p:cNvPicPr>
-            <p:nvPr/>
-          </p:nvPicPr>
-          <p:blipFill>
-            <a:blip r:embed="rId3">
-              <a:alphaModFix/>
-              <a:extLst>
-                <a:ext uri="{28A0092B-C50C-407E-A947-70E740481C1C}">
-                  <a14:useLocalDpi xmlns:a14="http://schemas.microsoft.com/office/drawing/2010/main" val="0"/>
-                </a:ext>
-              </a:extLst>
-            </a:blip>
-            <a:stretch>
-              <a:fillRect/>
-            </a:stretch>
-          </p:blipFill>
-          <p:spPr>
-            <a:xfrm>
-              <a:off x="3293779" y="2916028"/>
-              <a:ext cx="573323" cy="406790"/>
-            </a:xfrm>
-            <a:prstGeom prst="rect">
-              <a:avLst/>
-            </a:prstGeom>
-          </p:spPr>
-        </p:pic>
-      </p:grpSp>
-      <p:pic>
-        <p:nvPicPr>
-          <p:cNvPr id="26" name="Picture 25"/>
-          <p:cNvPicPr>
-            <a:picLocks noChangeAspect="1"/>
-          </p:cNvPicPr>
-          <p:nvPr/>
-        </p:nvPicPr>
-        <p:blipFill>
-          <a:blip r:embed="rId10">
-            <a:extLst>
-              <a:ext uri="{28A0092B-C50C-407E-A947-70E740481C1C}">
-                <a14:useLocalDpi xmlns:a14="http://schemas.microsoft.com/office/drawing/2010/main" val="0"/>
-              </a:ext>
-            </a:extLst>
-          </a:blip>
-          <a:stretch>
-            <a:fillRect/>
-          </a:stretch>
-        </p:blipFill>
-        <p:spPr>
-          <a:xfrm>
-            <a:off x="379065" y="1812986"/>
-            <a:ext cx="382935" cy="508000"/>
-          </a:xfrm>
-          <a:prstGeom prst="rect">
-            <a:avLst/>
-          </a:prstGeom>
-        </p:spPr>
-      </p:pic>
-      <p:grpSp>
-        <p:nvGrpSpPr>
           <p:cNvPr id="127" name="Group 126"/>
           <p:cNvGrpSpPr/>
           <p:nvPr/>
         </p:nvGrpSpPr>
         <p:grpSpPr>
           <a:xfrm>
-            <a:off x="2679512" y="1880853"/>
+            <a:off x="2605798" y="1880853"/>
             <a:ext cx="601217" cy="515068"/>
             <a:chOff x="5931452" y="3072268"/>
             <a:chExt cx="962406" cy="824502"/>
@@ -5383,11 +5124,11 @@
             <p:nvPr/>
           </p:nvPicPr>
           <p:blipFill>
-            <a:blip r:embed="rId8">
+            <a:blip r:embed="rId7">
               <a:extLst>
                 <a:ext uri="{BEBA8EAE-BF5A-486C-A8C5-ECC9F3942E4B}">
                   <a14:imgProps xmlns:a14="http://schemas.microsoft.com/office/drawing/2010/main">
-                    <a14:imgLayer r:embed="rId9">
+                    <a14:imgLayer r:embed="rId8">
                       <a14:imgEffect>
                         <a14:colorTemperature colorTemp="5093"/>
                       </a14:imgEffect>
@@ -5430,7 +5171,7 @@
         </p:nvGrpSpPr>
         <p:grpSpPr>
           <a:xfrm>
-            <a:off x="2595969" y="1862941"/>
+            <a:off x="2522255" y="1862941"/>
             <a:ext cx="601217" cy="515068"/>
             <a:chOff x="5931452" y="3072268"/>
             <a:chExt cx="962406" cy="824502"/>
@@ -5508,11 +5249,11 @@
             <p:nvPr/>
           </p:nvPicPr>
           <p:blipFill>
-            <a:blip r:embed="rId8">
+            <a:blip r:embed="rId7">
               <a:extLst>
                 <a:ext uri="{BEBA8EAE-BF5A-486C-A8C5-ECC9F3942E4B}">
                   <a14:imgProps xmlns:a14="http://schemas.microsoft.com/office/drawing/2010/main">
-                    <a14:imgLayer r:embed="rId9">
+                    <a14:imgLayer r:embed="rId8">
                       <a14:imgEffect>
                         <a14:colorTemperature colorTemp="5093"/>
                       </a14:imgEffect>
@@ -5555,7 +5296,7 @@
         </p:nvGrpSpPr>
         <p:grpSpPr>
           <a:xfrm>
-            <a:off x="2512114" y="1827117"/>
+            <a:off x="2438400" y="1827117"/>
             <a:ext cx="601217" cy="515068"/>
             <a:chOff x="5931452" y="3072268"/>
             <a:chExt cx="962406" cy="824502"/>
@@ -5633,11 +5374,11 @@
             <p:nvPr/>
           </p:nvPicPr>
           <p:blipFill>
-            <a:blip r:embed="rId8">
+            <a:blip r:embed="rId7">
               <a:extLst>
                 <a:ext uri="{BEBA8EAE-BF5A-486C-A8C5-ECC9F3942E4B}">
                   <a14:imgProps xmlns:a14="http://schemas.microsoft.com/office/drawing/2010/main">
-                    <a14:imgLayer r:embed="rId9">
+                    <a14:imgLayer r:embed="rId8">
                       <a14:imgEffect>
                         <a14:colorTemperature colorTemp="5093"/>
                       </a14:imgEffect>
@@ -5677,14 +5418,14 @@
           <p:cNvPr id="180" name="Straight Arrow Connector 179"/>
           <p:cNvCxnSpPr>
             <a:stCxn id="198" idx="3"/>
-            <a:endCxn id="70" idx="1"/>
+            <a:endCxn id="206" idx="1"/>
           </p:cNvCxnSpPr>
           <p:nvPr/>
         </p:nvCxnSpPr>
         <p:spPr>
           <a:xfrm flipV="1">
-            <a:off x="1404056" y="2084650"/>
-            <a:ext cx="323347" cy="1"/>
+            <a:off x="1447800" y="2084651"/>
+            <a:ext cx="235013" cy="1"/>
           </a:xfrm>
           <a:prstGeom prst="straightConnector1">
             <a:avLst/>
@@ -5717,15 +5458,15 @@
         <p:nvCxnSpPr>
           <p:cNvPr id="182" name="Straight Arrow Connector 181"/>
           <p:cNvCxnSpPr>
-            <a:stCxn id="69" idx="3"/>
-            <a:endCxn id="141" idx="1"/>
+            <a:stCxn id="206" idx="3"/>
+            <a:endCxn id="140" idx="3"/>
           </p:cNvCxnSpPr>
           <p:nvPr/>
         </p:nvCxnSpPr>
         <p:spPr>
           <a:xfrm>
-            <a:off x="2300120" y="2084650"/>
-            <a:ext cx="295537" cy="1"/>
+            <a:off x="2208614" y="2084651"/>
+            <a:ext cx="229786" cy="0"/>
           </a:xfrm>
           <a:prstGeom prst="straightConnector1">
             <a:avLst/>
@@ -5762,7 +5503,7 @@
         </p:nvGrpSpPr>
         <p:grpSpPr>
           <a:xfrm>
-            <a:off x="2794811" y="359816"/>
+            <a:off x="2721097" y="359816"/>
             <a:ext cx="456234" cy="433126"/>
             <a:chOff x="2118368" y="152409"/>
             <a:chExt cx="413694" cy="392741"/>
@@ -5777,7 +5518,7 @@
             <p:nvPr/>
           </p:nvPicPr>
           <p:blipFill>
-            <a:blip r:embed="rId11">
+            <a:blip r:embed="rId9">
               <a:duotone>
                 <a:prstClr val="black"/>
                 <a:schemeClr val="accent6">
@@ -5788,7 +5529,7 @@
               <a:extLst>
                 <a:ext uri="{BEBA8EAE-BF5A-486C-A8C5-ECC9F3942E4B}">
                   <a14:imgProps xmlns:a14="http://schemas.microsoft.com/office/drawing/2010/main">
-                    <a14:imgLayer r:embed="rId12">
+                    <a14:imgLayer r:embed="rId10">
                       <a14:imgEffect>
                         <a14:colorTemperature colorTemp="7580"/>
                       </a14:imgEffect>
@@ -5945,149 +5686,254 @@
           </p:sp>
         </p:grpSp>
       </p:grpSp>
-      <p:pic>
-        <p:nvPicPr>
-          <p:cNvPr id="195" name="Picture 194"/>
-          <p:cNvPicPr>
-            <a:picLocks noChangeAspect="1"/>
-          </p:cNvPicPr>
+      <p:grpSp>
+        <p:nvGrpSpPr>
+          <p:cNvPr id="256" name="Group 255"/>
+          <p:cNvGrpSpPr/>
           <p:nvPr/>
-        </p:nvPicPr>
-        <p:blipFill>
-          <a:blip r:embed="rId13">
-            <a:extLst>
-              <a:ext uri="{28A0092B-C50C-407E-A947-70E740481C1C}">
-                <a14:useLocalDpi xmlns:a14="http://schemas.microsoft.com/office/drawing/2010/main" val="0"/>
-              </a:ext>
-            </a:extLst>
-          </a:blip>
-          <a:stretch>
-            <a:fillRect/>
-          </a:stretch>
-        </p:blipFill>
-        <p:spPr>
+        </p:nvGrpSpPr>
+        <p:grpSpPr>
           <a:xfrm>
-            <a:off x="327797" y="1092788"/>
-            <a:ext cx="413762" cy="489556"/>
+            <a:off x="407413" y="1092788"/>
+            <a:ext cx="583187" cy="489556"/>
+            <a:chOff x="407413" y="1092788"/>
+            <a:chExt cx="583187" cy="489556"/>
           </a:xfrm>
-          <a:prstGeom prst="rect">
-            <a:avLst/>
-          </a:prstGeom>
-        </p:spPr>
-      </p:pic>
-      <p:pic>
-        <p:nvPicPr>
-          <p:cNvPr id="196" name="Picture 195"/>
-          <p:cNvPicPr>
-            <a:picLocks noChangeAspect="1"/>
-          </p:cNvPicPr>
+        </p:grpSpPr>
+        <p:pic>
+          <p:nvPicPr>
+            <p:cNvPr id="195" name="Picture 194"/>
+            <p:cNvPicPr>
+              <a:picLocks noChangeAspect="1"/>
+            </p:cNvPicPr>
+            <p:nvPr/>
+          </p:nvPicPr>
+          <p:blipFill>
+            <a:blip r:embed="rId11">
+              <a:extLst>
+                <a:ext uri="{28A0092B-C50C-407E-A947-70E740481C1C}">
+                  <a14:useLocalDpi xmlns:a14="http://schemas.microsoft.com/office/drawing/2010/main" val="0"/>
+                </a:ext>
+              </a:extLst>
+            </a:blip>
+            <a:stretch>
+              <a:fillRect/>
+            </a:stretch>
+          </p:blipFill>
+          <p:spPr>
+            <a:xfrm>
+              <a:off x="407413" y="1092788"/>
+              <a:ext cx="413762" cy="489556"/>
+            </a:xfrm>
+            <a:prstGeom prst="rect">
+              <a:avLst/>
+            </a:prstGeom>
+          </p:spPr>
+        </p:pic>
+        <p:pic>
+          <p:nvPicPr>
+            <p:cNvPr id="196" name="Picture 195"/>
+            <p:cNvPicPr>
+              <a:picLocks noChangeAspect="1"/>
+            </p:cNvPicPr>
+            <p:nvPr/>
+          </p:nvPicPr>
+          <p:blipFill>
+            <a:blip r:embed="rId12">
+              <a:extLst>
+                <a:ext uri="{28A0092B-C50C-407E-A947-70E740481C1C}">
+                  <a14:useLocalDpi xmlns:a14="http://schemas.microsoft.com/office/drawing/2010/main" val="0"/>
+                </a:ext>
+              </a:extLst>
+            </a:blip>
+            <a:stretch>
+              <a:fillRect/>
+            </a:stretch>
+          </p:blipFill>
+          <p:spPr>
+            <a:xfrm>
+              <a:off x="814975" y="1187939"/>
+              <a:ext cx="175625" cy="236965"/>
+            </a:xfrm>
+            <a:prstGeom prst="rect">
+              <a:avLst/>
+            </a:prstGeom>
+            <a:effectLst>
+              <a:innerShdw blurRad="63500" dist="101600">
+                <a:schemeClr val="accent1">
+                  <a:lumMod val="50000"/>
+                  <a:alpha val="50000"/>
+                </a:schemeClr>
+              </a:innerShdw>
+            </a:effectLst>
+          </p:spPr>
+        </p:pic>
+      </p:grpSp>
+      <p:grpSp>
+        <p:nvGrpSpPr>
+          <p:cNvPr id="223" name="Group 222"/>
+          <p:cNvGrpSpPr/>
           <p:nvPr/>
-        </p:nvPicPr>
-        <p:blipFill>
-          <a:blip r:embed="rId14">
-            <a:extLst>
-              <a:ext uri="{28A0092B-C50C-407E-A947-70E740481C1C}">
-                <a14:useLocalDpi xmlns:a14="http://schemas.microsoft.com/office/drawing/2010/main" val="0"/>
-              </a:ext>
-            </a:extLst>
-          </a:blip>
-          <a:stretch>
-            <a:fillRect/>
-          </a:stretch>
-        </p:blipFill>
-        <p:spPr>
+        </p:nvGrpSpPr>
+        <p:grpSpPr>
           <a:xfrm>
-            <a:off x="735359" y="1187939"/>
-            <a:ext cx="175625" cy="236965"/>
+            <a:off x="401553" y="381000"/>
+            <a:ext cx="589047" cy="508000"/>
+            <a:chOff x="401553" y="381000"/>
+            <a:chExt cx="589047" cy="508000"/>
           </a:xfrm>
-          <a:prstGeom prst="rect">
-            <a:avLst/>
-          </a:prstGeom>
-          <a:effectLst>
-            <a:innerShdw blurRad="63500" dist="101600">
-              <a:schemeClr val="accent1">
-                <a:lumMod val="50000"/>
-                <a:alpha val="50000"/>
-              </a:schemeClr>
-            </a:innerShdw>
-          </a:effectLst>
-        </p:spPr>
-      </p:pic>
-      <p:pic>
-        <p:nvPicPr>
-          <p:cNvPr id="197" name="Picture 196"/>
-          <p:cNvPicPr>
-            <a:picLocks noChangeAspect="1"/>
-          </p:cNvPicPr>
+        </p:grpSpPr>
+        <p:pic>
+          <p:nvPicPr>
+            <p:cNvPr id="25" name="Picture 24"/>
+            <p:cNvPicPr>
+              <a:picLocks noChangeAspect="1"/>
+            </p:cNvPicPr>
+            <p:nvPr/>
+          </p:nvPicPr>
+          <p:blipFill>
+            <a:blip r:embed="rId13">
+              <a:extLst>
+                <a:ext uri="{28A0092B-C50C-407E-A947-70E740481C1C}">
+                  <a14:useLocalDpi xmlns:a14="http://schemas.microsoft.com/office/drawing/2010/main" val="0"/>
+                </a:ext>
+              </a:extLst>
+            </a:blip>
+            <a:stretch>
+              <a:fillRect/>
+            </a:stretch>
+          </p:blipFill>
+          <p:spPr>
+            <a:xfrm>
+              <a:off x="401553" y="381000"/>
+              <a:ext cx="425483" cy="508000"/>
+            </a:xfrm>
+            <a:prstGeom prst="rect">
+              <a:avLst/>
+            </a:prstGeom>
+          </p:spPr>
+        </p:pic>
+        <p:pic>
+          <p:nvPicPr>
+            <p:cNvPr id="197" name="Picture 196"/>
+            <p:cNvPicPr>
+              <a:picLocks noChangeAspect="1"/>
+            </p:cNvPicPr>
+            <p:nvPr/>
+          </p:nvPicPr>
+          <p:blipFill>
+            <a:blip r:embed="rId12">
+              <a:duotone>
+                <a:schemeClr val="bg2">
+                  <a:shade val="45000"/>
+                  <a:satMod val="135000"/>
+                </a:schemeClr>
+                <a:prstClr val="white"/>
+              </a:duotone>
+              <a:extLst>
+                <a:ext uri="{28A0092B-C50C-407E-A947-70E740481C1C}">
+                  <a14:useLocalDpi xmlns:a14="http://schemas.microsoft.com/office/drawing/2010/main" val="0"/>
+                </a:ext>
+              </a:extLst>
+            </a:blip>
+            <a:stretch>
+              <a:fillRect/>
+            </a:stretch>
+          </p:blipFill>
+          <p:spPr>
+            <a:xfrm>
+              <a:off x="814975" y="478507"/>
+              <a:ext cx="175625" cy="236965"/>
+            </a:xfrm>
+            <a:prstGeom prst="rect">
+              <a:avLst/>
+            </a:prstGeom>
+            <a:effectLst/>
+          </p:spPr>
+        </p:pic>
+      </p:grpSp>
+      <p:grpSp>
+        <p:nvGrpSpPr>
+          <p:cNvPr id="257" name="Group 256"/>
+          <p:cNvGrpSpPr/>
           <p:nvPr/>
-        </p:nvPicPr>
-        <p:blipFill>
-          <a:blip r:embed="rId14">
-            <a:duotone>
-              <a:schemeClr val="bg2">
-                <a:shade val="45000"/>
-                <a:satMod val="135000"/>
-              </a:schemeClr>
-              <a:prstClr val="white"/>
-            </a:duotone>
-            <a:extLst>
-              <a:ext uri="{28A0092B-C50C-407E-A947-70E740481C1C}">
-                <a14:useLocalDpi xmlns:a14="http://schemas.microsoft.com/office/drawing/2010/main" val="0"/>
-              </a:ext>
-            </a:extLst>
-          </a:blip>
-          <a:stretch>
-            <a:fillRect/>
-          </a:stretch>
-        </p:blipFill>
-        <p:spPr>
+        </p:nvGrpSpPr>
+        <p:grpSpPr>
           <a:xfrm>
-            <a:off x="735359" y="478507"/>
-            <a:ext cx="175625" cy="236965"/>
+            <a:off x="458681" y="1812986"/>
+            <a:ext cx="530341" cy="508000"/>
+            <a:chOff x="458681" y="1812986"/>
+            <a:chExt cx="530341" cy="508000"/>
           </a:xfrm>
-          <a:prstGeom prst="rect">
-            <a:avLst/>
-          </a:prstGeom>
-          <a:effectLst/>
-        </p:spPr>
-      </p:pic>
-      <p:pic>
-        <p:nvPicPr>
-          <p:cNvPr id="199" name="Picture 198"/>
-          <p:cNvPicPr>
-            <a:picLocks noChangeAspect="1"/>
-          </p:cNvPicPr>
-          <p:nvPr/>
-        </p:nvPicPr>
-        <p:blipFill>
-          <a:blip r:embed="rId14">
-            <a:extLst>
-              <a:ext uri="{28A0092B-C50C-407E-A947-70E740481C1C}">
-                <a14:useLocalDpi xmlns:a14="http://schemas.microsoft.com/office/drawing/2010/main" val="0"/>
-              </a:ext>
-            </a:extLst>
-          </a:blip>
-          <a:stretch>
-            <a:fillRect/>
-          </a:stretch>
-        </p:blipFill>
-        <p:spPr>
-          <a:xfrm>
-            <a:off x="733781" y="1921321"/>
-            <a:ext cx="175625" cy="236965"/>
-          </a:xfrm>
-          <a:prstGeom prst="rect">
-            <a:avLst/>
-          </a:prstGeom>
-          <a:effectLst>
-            <a:innerShdw blurRad="63500" dist="101600">
-              <a:srgbClr val="C00000">
-                <a:alpha val="50000"/>
-              </a:srgbClr>
-            </a:innerShdw>
-          </a:effectLst>
-        </p:spPr>
-      </p:pic>
+        </p:grpSpPr>
+        <p:pic>
+          <p:nvPicPr>
+            <p:cNvPr id="26" name="Picture 25"/>
+            <p:cNvPicPr>
+              <a:picLocks noChangeAspect="1"/>
+            </p:cNvPicPr>
+            <p:nvPr/>
+          </p:nvPicPr>
+          <p:blipFill>
+            <a:blip r:embed="rId14">
+              <a:extLst>
+                <a:ext uri="{28A0092B-C50C-407E-A947-70E740481C1C}">
+                  <a14:useLocalDpi xmlns:a14="http://schemas.microsoft.com/office/drawing/2010/main" val="0"/>
+                </a:ext>
+              </a:extLst>
+            </a:blip>
+            <a:stretch>
+              <a:fillRect/>
+            </a:stretch>
+          </p:blipFill>
+          <p:spPr>
+            <a:xfrm>
+              <a:off x="458681" y="1812986"/>
+              <a:ext cx="382935" cy="508000"/>
+            </a:xfrm>
+            <a:prstGeom prst="rect">
+              <a:avLst/>
+            </a:prstGeom>
+          </p:spPr>
+        </p:pic>
+        <p:pic>
+          <p:nvPicPr>
+            <p:cNvPr id="199" name="Picture 198"/>
+            <p:cNvPicPr>
+              <a:picLocks noChangeAspect="1"/>
+            </p:cNvPicPr>
+            <p:nvPr/>
+          </p:nvPicPr>
+          <p:blipFill>
+            <a:blip r:embed="rId12">
+              <a:extLst>
+                <a:ext uri="{28A0092B-C50C-407E-A947-70E740481C1C}">
+                  <a14:useLocalDpi xmlns:a14="http://schemas.microsoft.com/office/drawing/2010/main" val="0"/>
+                </a:ext>
+              </a:extLst>
+            </a:blip>
+            <a:stretch>
+              <a:fillRect/>
+            </a:stretch>
+          </p:blipFill>
+          <p:spPr>
+            <a:xfrm>
+              <a:off x="813397" y="1921321"/>
+              <a:ext cx="175625" cy="236965"/>
+            </a:xfrm>
+            <a:prstGeom prst="rect">
+              <a:avLst/>
+            </a:prstGeom>
+            <a:effectLst>
+              <a:innerShdw blurRad="63500" dist="101600">
+                <a:srgbClr val="C00000">
+                  <a:alpha val="50000"/>
+                </a:srgbClr>
+              </a:innerShdw>
+            </a:effectLst>
+          </p:spPr>
+        </p:pic>
+      </p:grpSp>
       <p:pic>
         <p:nvPicPr>
           <p:cNvPr id="201" name="Picture 200"/>
@@ -6110,14 +5956,228 @@
         </p:blipFill>
         <p:spPr>
           <a:xfrm>
-            <a:off x="2829588" y="1021076"/>
-            <a:ext cx="412634" cy="429526"/>
+            <a:off x="2707589" y="1031623"/>
+            <a:ext cx="412634" cy="429509"/>
           </a:xfrm>
           <a:prstGeom prst="rect">
             <a:avLst/>
           </a:prstGeom>
         </p:spPr>
       </p:pic>
+      <p:grpSp>
+        <p:nvGrpSpPr>
+          <p:cNvPr id="202" name="Group 201"/>
+          <p:cNvGrpSpPr/>
+          <p:nvPr/>
+        </p:nvGrpSpPr>
+        <p:grpSpPr>
+          <a:xfrm>
+            <a:off x="1682813" y="1158709"/>
+            <a:ext cx="525801" cy="429942"/>
+            <a:chOff x="3250490" y="2849626"/>
+            <a:chExt cx="659902" cy="539595"/>
+          </a:xfrm>
+        </p:grpSpPr>
+        <p:sp>
+          <p:nvSpPr>
+            <p:cNvPr id="203" name="Rounded Rectangle 202"/>
+            <p:cNvSpPr/>
+            <p:nvPr/>
+          </p:nvSpPr>
+          <p:spPr>
+            <a:xfrm>
+              <a:off x="3250490" y="2849626"/>
+              <a:ext cx="659902" cy="539595"/>
+            </a:xfrm>
+            <a:prstGeom prst="roundRect">
+              <a:avLst>
+                <a:gd name="adj" fmla="val 7153"/>
+              </a:avLst>
+            </a:prstGeom>
+            <a:solidFill>
+              <a:schemeClr val="accent6">
+                <a:lumMod val="20000"/>
+                <a:lumOff val="80000"/>
+                <a:alpha val="51000"/>
+              </a:schemeClr>
+            </a:solidFill>
+            <a:ln w="12700">
+              <a:solidFill>
+                <a:schemeClr val="accent3">
+                  <a:lumMod val="75000"/>
+                </a:schemeClr>
+              </a:solidFill>
+            </a:ln>
+            <a:effectLst/>
+          </p:spPr>
+          <p:style>
+            <a:lnRef idx="1">
+              <a:schemeClr val="accent1"/>
+            </a:lnRef>
+            <a:fillRef idx="3">
+              <a:schemeClr val="accent1"/>
+            </a:fillRef>
+            <a:effectRef idx="2">
+              <a:schemeClr val="accent1"/>
+            </a:effectRef>
+            <a:fontRef idx="minor">
+              <a:schemeClr val="lt1"/>
+            </a:fontRef>
+          </p:style>
+          <p:txBody>
+            <a:bodyPr rtlCol="0" anchor="t" anchorCtr="0"/>
+            <a:lstStyle/>
+            <a:p>
+              <a:pPr algn="ctr"/>
+              <a:endParaRPr lang="en-US" sz="3200" b="1" i="1" dirty="0">
+                <a:solidFill>
+                  <a:schemeClr val="accent1">
+                    <a:lumMod val="50000"/>
+                  </a:schemeClr>
+                </a:solidFill>
+              </a:endParaRPr>
+            </a:p>
+          </p:txBody>
+        </p:sp>
+        <p:pic>
+          <p:nvPicPr>
+            <p:cNvPr id="204" name="Picture 203"/>
+            <p:cNvPicPr>
+              <a:picLocks noChangeAspect="1"/>
+            </p:cNvPicPr>
+            <p:nvPr/>
+          </p:nvPicPr>
+          <p:blipFill>
+            <a:blip r:embed="rId3">
+              <a:alphaModFix/>
+              <a:extLst>
+                <a:ext uri="{28A0092B-C50C-407E-A947-70E740481C1C}">
+                  <a14:useLocalDpi xmlns:a14="http://schemas.microsoft.com/office/drawing/2010/main" val="0"/>
+                </a:ext>
+              </a:extLst>
+            </a:blip>
+            <a:stretch>
+              <a:fillRect/>
+            </a:stretch>
+          </p:blipFill>
+          <p:spPr>
+            <a:xfrm>
+              <a:off x="3293779" y="2916028"/>
+              <a:ext cx="573323" cy="406790"/>
+            </a:xfrm>
+            <a:prstGeom prst="rect">
+              <a:avLst/>
+            </a:prstGeom>
+          </p:spPr>
+        </p:pic>
+      </p:grpSp>
+      <p:grpSp>
+        <p:nvGrpSpPr>
+          <p:cNvPr id="205" name="Group 204"/>
+          <p:cNvGrpSpPr/>
+          <p:nvPr/>
+        </p:nvGrpSpPr>
+        <p:grpSpPr>
+          <a:xfrm>
+            <a:off x="1682813" y="1869680"/>
+            <a:ext cx="525801" cy="429942"/>
+            <a:chOff x="3253645" y="2838935"/>
+            <a:chExt cx="659902" cy="539595"/>
+          </a:xfrm>
+        </p:grpSpPr>
+        <p:sp>
+          <p:nvSpPr>
+            <p:cNvPr id="206" name="Rounded Rectangle 205"/>
+            <p:cNvSpPr/>
+            <p:nvPr/>
+          </p:nvSpPr>
+          <p:spPr>
+            <a:xfrm>
+              <a:off x="3253645" y="2838935"/>
+              <a:ext cx="659902" cy="539595"/>
+            </a:xfrm>
+            <a:prstGeom prst="roundRect">
+              <a:avLst>
+                <a:gd name="adj" fmla="val 7153"/>
+              </a:avLst>
+            </a:prstGeom>
+            <a:solidFill>
+              <a:schemeClr val="accent6">
+                <a:lumMod val="20000"/>
+                <a:lumOff val="80000"/>
+                <a:alpha val="51000"/>
+              </a:schemeClr>
+            </a:solidFill>
+            <a:ln w="12700">
+              <a:solidFill>
+                <a:schemeClr val="accent3">
+                  <a:lumMod val="75000"/>
+                </a:schemeClr>
+              </a:solidFill>
+            </a:ln>
+            <a:effectLst/>
+          </p:spPr>
+          <p:style>
+            <a:lnRef idx="1">
+              <a:schemeClr val="accent1"/>
+            </a:lnRef>
+            <a:fillRef idx="3">
+              <a:schemeClr val="accent1"/>
+            </a:fillRef>
+            <a:effectRef idx="2">
+              <a:schemeClr val="accent1"/>
+            </a:effectRef>
+            <a:fontRef idx="minor">
+              <a:schemeClr val="lt1"/>
+            </a:fontRef>
+          </p:style>
+          <p:txBody>
+            <a:bodyPr rtlCol="0" anchor="t" anchorCtr="0"/>
+            <a:lstStyle/>
+            <a:p>
+              <a:pPr algn="ctr"/>
+              <a:endParaRPr lang="en-US" sz="3200" b="1" i="1" dirty="0">
+                <a:solidFill>
+                  <a:schemeClr val="accent1">
+                    <a:lumMod val="50000"/>
+                  </a:schemeClr>
+                </a:solidFill>
+              </a:endParaRPr>
+            </a:p>
+          </p:txBody>
+        </p:sp>
+        <p:pic>
+          <p:nvPicPr>
+            <p:cNvPr id="207" name="Picture 206"/>
+            <p:cNvPicPr>
+              <a:picLocks noChangeAspect="1"/>
+            </p:cNvPicPr>
+            <p:nvPr/>
+          </p:nvPicPr>
+          <p:blipFill>
+            <a:blip r:embed="rId3">
+              <a:alphaModFix/>
+              <a:extLst>
+                <a:ext uri="{28A0092B-C50C-407E-A947-70E740481C1C}">
+                  <a14:useLocalDpi xmlns:a14="http://schemas.microsoft.com/office/drawing/2010/main" val="0"/>
+                </a:ext>
+              </a:extLst>
+            </a:blip>
+            <a:stretch>
+              <a:fillRect/>
+            </a:stretch>
+          </p:blipFill>
+          <p:spPr>
+            <a:xfrm>
+              <a:off x="3293779" y="2916028"/>
+              <a:ext cx="573323" cy="406790"/>
+            </a:xfrm>
+            <a:prstGeom prst="rect">
+              <a:avLst/>
+            </a:prstGeom>
+          </p:spPr>
+        </p:pic>
+      </p:grpSp>
     </p:spTree>
     <p:extLst>
       <p:ext uri="{BB962C8B-B14F-4D97-AF65-F5344CB8AC3E}">

--- a/images/runtimes/OW-Utilization-Scaling.pptx
+++ b/images/runtimes/OW-Utilization-Scaling.pptx
@@ -4365,13 +4365,263 @@
       </p:grpSpPr>
       <p:grpSp>
         <p:nvGrpSpPr>
+          <p:cNvPr id="238" name="Group 237"/>
+          <p:cNvGrpSpPr/>
+          <p:nvPr/>
+        </p:nvGrpSpPr>
+        <p:grpSpPr>
+          <a:xfrm>
+            <a:off x="2817687" y="1676399"/>
+            <a:ext cx="436577" cy="374019"/>
+            <a:chOff x="5931452" y="3072268"/>
+            <a:chExt cx="962406" cy="824502"/>
+          </a:xfrm>
+        </p:grpSpPr>
+        <p:sp>
+          <p:nvSpPr>
+            <p:cNvPr id="239" name="Hexagon 238"/>
+            <p:cNvSpPr/>
+            <p:nvPr/>
+          </p:nvSpPr>
+          <p:spPr>
+            <a:xfrm>
+              <a:off x="5931452" y="3072268"/>
+              <a:ext cx="962406" cy="824502"/>
+            </a:xfrm>
+            <a:prstGeom prst="hexagon">
+              <a:avLst/>
+            </a:prstGeom>
+            <a:solidFill>
+              <a:schemeClr val="accent6">
+                <a:lumMod val="40000"/>
+                <a:lumOff val="60000"/>
+              </a:schemeClr>
+            </a:solidFill>
+            <a:ln>
+              <a:noFill/>
+            </a:ln>
+            <a:effectLst>
+              <a:outerShdw blurRad="12700" dist="12700" dir="2700000" algn="tl" rotWithShape="0">
+                <a:prstClr val="black">
+                  <a:alpha val="40000"/>
+                </a:prstClr>
+              </a:outerShdw>
+            </a:effectLst>
+          </p:spPr>
+          <p:style>
+            <a:lnRef idx="2">
+              <a:schemeClr val="accent1">
+                <a:shade val="50000"/>
+              </a:schemeClr>
+            </a:lnRef>
+            <a:fillRef idx="1">
+              <a:schemeClr val="accent1"/>
+            </a:fillRef>
+            <a:effectRef idx="0">
+              <a:schemeClr val="accent1"/>
+            </a:effectRef>
+            <a:fontRef idx="minor">
+              <a:schemeClr val="lt1"/>
+            </a:fontRef>
+          </p:style>
+          <p:txBody>
+            <a:bodyPr wrap="none" rtlCol="0" anchor="ctr"/>
+            <a:lstStyle/>
+            <a:p>
+              <a:pPr algn="ctr"/>
+              <a:endParaRPr lang="en-US" sz="1867">
+                <a:solidFill>
+                  <a:schemeClr val="tx1">
+                    <a:lumMod val="85000"/>
+                    <a:lumOff val="15000"/>
+                  </a:schemeClr>
+                </a:solidFill>
+              </a:endParaRPr>
+            </a:p>
+          </p:txBody>
+        </p:sp>
+        <p:pic>
+          <p:nvPicPr>
+            <p:cNvPr id="240" name="pasted-image.pdf" descr="pasted-image.pdf"/>
+            <p:cNvPicPr>
+              <a:picLocks/>
+            </p:cNvPicPr>
+            <p:nvPr/>
+          </p:nvPicPr>
+          <p:blipFill>
+            <a:blip r:embed="rId3">
+              <a:extLst>
+                <a:ext uri="{BEBA8EAE-BF5A-486C-A8C5-ECC9F3942E4B}">
+                  <a14:imgProps xmlns:a14="http://schemas.microsoft.com/office/drawing/2010/main">
+                    <a14:imgLayer r:embed="rId4">
+                      <a14:imgEffect>
+                        <a14:colorTemperature colorTemp="5093"/>
+                      </a14:imgEffect>
+                    </a14:imgLayer>
+                  </a14:imgProps>
+                </a:ext>
+              </a:extLst>
+            </a:blip>
+            <a:stretch>
+              <a:fillRect/>
+            </a:stretch>
+          </p:blipFill>
+          <p:spPr>
+            <a:xfrm>
+              <a:off x="6065183" y="3137047"/>
+              <a:ext cx="694944" cy="694944"/>
+            </a:xfrm>
+            <a:prstGeom prst="rect">
+              <a:avLst/>
+            </a:prstGeom>
+            <a:ln w="12700" cap="flat">
+              <a:noFill/>
+              <a:miter lim="400000"/>
+            </a:ln>
+            <a:effectLst>
+              <a:outerShdw blurRad="25400" dist="25400" dir="2700000" algn="tl" rotWithShape="0">
+                <a:prstClr val="black">
+                  <a:alpha val="40000"/>
+                </a:prstClr>
+              </a:outerShdw>
+            </a:effectLst>
+          </p:spPr>
+        </p:pic>
+      </p:grpSp>
+      <p:grpSp>
+        <p:nvGrpSpPr>
+          <p:cNvPr id="241" name="Group 240"/>
+          <p:cNvGrpSpPr/>
+          <p:nvPr/>
+        </p:nvGrpSpPr>
+        <p:grpSpPr>
+          <a:xfrm>
+            <a:off x="2638850" y="1755469"/>
+            <a:ext cx="524922" cy="449705"/>
+            <a:chOff x="5931452" y="3072268"/>
+            <a:chExt cx="962406" cy="824502"/>
+          </a:xfrm>
+        </p:grpSpPr>
+        <p:sp>
+          <p:nvSpPr>
+            <p:cNvPr id="242" name="Hexagon 241"/>
+            <p:cNvSpPr/>
+            <p:nvPr/>
+          </p:nvSpPr>
+          <p:spPr>
+            <a:xfrm>
+              <a:off x="5931452" y="3072268"/>
+              <a:ext cx="962406" cy="824502"/>
+            </a:xfrm>
+            <a:prstGeom prst="hexagon">
+              <a:avLst/>
+            </a:prstGeom>
+            <a:solidFill>
+              <a:schemeClr val="accent6">
+                <a:lumMod val="40000"/>
+                <a:lumOff val="60000"/>
+              </a:schemeClr>
+            </a:solidFill>
+            <a:ln>
+              <a:noFill/>
+            </a:ln>
+            <a:effectLst>
+              <a:outerShdw blurRad="12700" dist="12700" dir="2700000" algn="tl" rotWithShape="0">
+                <a:prstClr val="black">
+                  <a:alpha val="40000"/>
+                </a:prstClr>
+              </a:outerShdw>
+            </a:effectLst>
+          </p:spPr>
+          <p:style>
+            <a:lnRef idx="2">
+              <a:schemeClr val="accent1">
+                <a:shade val="50000"/>
+              </a:schemeClr>
+            </a:lnRef>
+            <a:fillRef idx="1">
+              <a:schemeClr val="accent1"/>
+            </a:fillRef>
+            <a:effectRef idx="0">
+              <a:schemeClr val="accent1"/>
+            </a:effectRef>
+            <a:fontRef idx="minor">
+              <a:schemeClr val="lt1"/>
+            </a:fontRef>
+          </p:style>
+          <p:txBody>
+            <a:bodyPr wrap="none" rtlCol="0" anchor="ctr"/>
+            <a:lstStyle/>
+            <a:p>
+              <a:pPr algn="ctr"/>
+              <a:endParaRPr lang="en-US" sz="1867">
+                <a:solidFill>
+                  <a:schemeClr val="tx1">
+                    <a:lumMod val="85000"/>
+                    <a:lumOff val="15000"/>
+                  </a:schemeClr>
+                </a:solidFill>
+              </a:endParaRPr>
+            </a:p>
+          </p:txBody>
+        </p:sp>
+        <p:pic>
+          <p:nvPicPr>
+            <p:cNvPr id="243" name="pasted-image.pdf" descr="pasted-image.pdf"/>
+            <p:cNvPicPr>
+              <a:picLocks/>
+            </p:cNvPicPr>
+            <p:nvPr/>
+          </p:nvPicPr>
+          <p:blipFill>
+            <a:blip r:embed="rId3">
+              <a:extLst>
+                <a:ext uri="{BEBA8EAE-BF5A-486C-A8C5-ECC9F3942E4B}">
+                  <a14:imgProps xmlns:a14="http://schemas.microsoft.com/office/drawing/2010/main">
+                    <a14:imgLayer r:embed="rId4">
+                      <a14:imgEffect>
+                        <a14:colorTemperature colorTemp="5093"/>
+                      </a14:imgEffect>
+                    </a14:imgLayer>
+                  </a14:imgProps>
+                </a:ext>
+              </a:extLst>
+            </a:blip>
+            <a:stretch>
+              <a:fillRect/>
+            </a:stretch>
+          </p:blipFill>
+          <p:spPr>
+            <a:xfrm>
+              <a:off x="6065183" y="3137047"/>
+              <a:ext cx="694944" cy="694944"/>
+            </a:xfrm>
+            <a:prstGeom prst="rect">
+              <a:avLst/>
+            </a:prstGeom>
+            <a:ln w="12700" cap="flat">
+              <a:noFill/>
+              <a:miter lim="400000"/>
+            </a:ln>
+            <a:effectLst>
+              <a:outerShdw blurRad="25400" dist="25400" dir="2700000" algn="tl" rotWithShape="0">
+                <a:prstClr val="black">
+                  <a:alpha val="40000"/>
+                </a:prstClr>
+              </a:outerShdw>
+            </a:effectLst>
+          </p:spPr>
+        </p:pic>
+      </p:grpSp>
+      <p:grpSp>
+        <p:nvGrpSpPr>
           <p:cNvPr id="97" name="Group 96"/>
           <p:cNvGrpSpPr/>
           <p:nvPr/>
         </p:nvGrpSpPr>
         <p:grpSpPr>
           <a:xfrm>
-            <a:off x="1682813" y="415430"/>
+            <a:off x="1682813" y="360414"/>
             <a:ext cx="525801" cy="429942"/>
             <a:chOff x="3250490" y="2849626"/>
             <a:chExt cx="659902" cy="539595"/>
@@ -4447,7 +4697,7 @@
             <p:nvPr/>
           </p:nvPicPr>
           <p:blipFill>
-            <a:blip r:embed="rId3">
+            <a:blip r:embed="rId5">
               <a:alphaModFix/>
               <a:extLst>
                 <a:ext uri="{28A0092B-C50C-407E-A947-70E740481C1C}">
@@ -4478,7 +4728,7 @@
         </p:nvGrpSpPr>
         <p:grpSpPr>
           <a:xfrm>
-            <a:off x="2440481" y="381000"/>
+            <a:off x="2440481" y="325984"/>
             <a:ext cx="582231" cy="498803"/>
             <a:chOff x="2521614" y="389691"/>
             <a:chExt cx="582231" cy="498803"/>
@@ -4559,7 +4809,7 @@
             <p:nvPr/>
           </p:nvPicPr>
           <p:blipFill>
-            <a:blip r:embed="rId4">
+            <a:blip r:embed="rId6">
               <a:alphaModFix/>
               <a:duotone>
                 <a:schemeClr val="bg2">
@@ -4605,12 +4855,12 @@
           <p:nvPr/>
         </p:nvPicPr>
         <p:blipFill>
-          <a:blip r:embed="rId5">
+          <a:blip r:embed="rId7">
             <a:alphaModFix amt="63000"/>
             <a:extLst>
               <a:ext uri="{BEBA8EAE-BF5A-486C-A8C5-ECC9F3942E4B}">
                 <a14:imgProps xmlns:a14="http://schemas.microsoft.com/office/drawing/2010/main">
-                  <a14:imgLayer r:embed="rId6">
+                  <a14:imgLayer r:embed="rId8">
                     <a14:imgEffect>
                       <a14:colorTemperature colorTemp="6944"/>
                     </a14:imgEffect>
@@ -4628,7 +4878,7 @@
         </p:blipFill>
         <p:spPr>
           <a:xfrm>
-            <a:off x="1038405" y="396522"/>
+            <a:off x="1038405" y="341506"/>
             <a:ext cx="409395" cy="467759"/>
           </a:xfrm>
           <a:prstGeom prst="rect">
@@ -4655,7 +4905,7 @@
         </p:nvCxnSpPr>
         <p:spPr>
           <a:xfrm>
-            <a:off x="2208614" y="630401"/>
+            <a:off x="2208614" y="575385"/>
             <a:ext cx="231867" cy="1"/>
           </a:xfrm>
           <a:prstGeom prst="straightConnector1">
@@ -4699,7 +4949,7 @@
         </p:nvCxnSpPr>
         <p:spPr>
           <a:xfrm flipV="1">
-            <a:off x="1447800" y="630401"/>
+            <a:off x="1447800" y="575385"/>
             <a:ext cx="235013" cy="1"/>
           </a:xfrm>
           <a:prstGeom prst="straightConnector1">
@@ -4739,7 +4989,7 @@
         </p:nvGrpSpPr>
         <p:grpSpPr>
           <a:xfrm>
-            <a:off x="2450737" y="1116628"/>
+            <a:off x="2450737" y="1075605"/>
             <a:ext cx="600093" cy="514105"/>
             <a:chOff x="5931452" y="3072268"/>
             <a:chExt cx="962406" cy="824502"/>
@@ -4817,11 +5067,11 @@
             <p:nvPr/>
           </p:nvPicPr>
           <p:blipFill>
-            <a:blip r:embed="rId7">
+            <a:blip r:embed="rId3">
               <a:extLst>
                 <a:ext uri="{BEBA8EAE-BF5A-486C-A8C5-ECC9F3942E4B}">
                   <a14:imgProps xmlns:a14="http://schemas.microsoft.com/office/drawing/2010/main">
-                    <a14:imgLayer r:embed="rId8">
+                    <a14:imgLayer r:embed="rId4">
                       <a14:imgEffect>
                         <a14:colorTemperature colorTemp="5093"/>
                       </a14:imgEffect>
@@ -4865,12 +5115,12 @@
           <p:nvPr/>
         </p:nvPicPr>
         <p:blipFill>
-          <a:blip r:embed="rId5">
+          <a:blip r:embed="rId7">
             <a:alphaModFix amt="63000"/>
             <a:extLst>
               <a:ext uri="{BEBA8EAE-BF5A-486C-A8C5-ECC9F3942E4B}">
                 <a14:imgProps xmlns:a14="http://schemas.microsoft.com/office/drawing/2010/main">
-                  <a14:imgLayer r:embed="rId6">
+                  <a14:imgLayer r:embed="rId8">
                     <a14:imgEffect>
                       <a14:colorTemperature colorTemp="6944"/>
                     </a14:imgEffect>
@@ -4888,7 +5138,7 @@
         </p:blipFill>
         <p:spPr>
           <a:xfrm>
-            <a:off x="1038405" y="1139801"/>
+            <a:off x="1038405" y="1098778"/>
             <a:ext cx="409395" cy="467758"/>
           </a:xfrm>
           <a:prstGeom prst="rect">
@@ -4915,7 +5165,7 @@
         </p:nvCxnSpPr>
         <p:spPr>
           <a:xfrm>
-            <a:off x="1447800" y="1373680"/>
+            <a:off x="1447800" y="1332657"/>
             <a:ext cx="235013" cy="0"/>
           </a:xfrm>
           <a:prstGeom prst="straightConnector1">
@@ -4958,7 +5208,7 @@
         </p:nvCxnSpPr>
         <p:spPr>
           <a:xfrm>
-            <a:off x="2208614" y="1373680"/>
+            <a:off x="2208614" y="1332657"/>
             <a:ext cx="242123" cy="1"/>
           </a:xfrm>
           <a:prstGeom prst="straightConnector1">
@@ -4999,12 +5249,12 @@
           <p:nvPr/>
         </p:nvPicPr>
         <p:blipFill>
-          <a:blip r:embed="rId5">
+          <a:blip r:embed="rId7">
             <a:alphaModFix amt="63000"/>
             <a:extLst>
               <a:ext uri="{BEBA8EAE-BF5A-486C-A8C5-ECC9F3942E4B}">
                 <a14:imgProps xmlns:a14="http://schemas.microsoft.com/office/drawing/2010/main">
-                  <a14:imgLayer r:embed="rId6">
+                  <a14:imgLayer r:embed="rId8">
                     <a14:imgEffect>
                       <a14:colorTemperature colorTemp="6944"/>
                     </a14:imgEffect>
@@ -5038,381 +5288,6 @@
           <a:effectLst/>
         </p:spPr>
       </p:pic>
-      <p:grpSp>
-        <p:nvGrpSpPr>
-          <p:cNvPr id="127" name="Group 126"/>
-          <p:cNvGrpSpPr/>
-          <p:nvPr/>
-        </p:nvGrpSpPr>
-        <p:grpSpPr>
-          <a:xfrm>
-            <a:off x="2605798" y="1880853"/>
-            <a:ext cx="601217" cy="515068"/>
-            <a:chOff x="5931452" y="3072268"/>
-            <a:chExt cx="962406" cy="824502"/>
-          </a:xfrm>
-        </p:grpSpPr>
-        <p:sp>
-          <p:nvSpPr>
-            <p:cNvPr id="128" name="Hexagon 127"/>
-            <p:cNvSpPr/>
-            <p:nvPr/>
-          </p:nvSpPr>
-          <p:spPr>
-            <a:xfrm>
-              <a:off x="5931452" y="3072268"/>
-              <a:ext cx="962406" cy="824502"/>
-            </a:xfrm>
-            <a:prstGeom prst="hexagon">
-              <a:avLst/>
-            </a:prstGeom>
-            <a:solidFill>
-              <a:schemeClr val="accent6">
-                <a:lumMod val="40000"/>
-                <a:lumOff val="60000"/>
-              </a:schemeClr>
-            </a:solidFill>
-            <a:ln>
-              <a:noFill/>
-            </a:ln>
-            <a:effectLst>
-              <a:outerShdw blurRad="12700" dist="12700" dir="2700000" algn="tl" rotWithShape="0">
-                <a:prstClr val="black">
-                  <a:alpha val="40000"/>
-                </a:prstClr>
-              </a:outerShdw>
-            </a:effectLst>
-          </p:spPr>
-          <p:style>
-            <a:lnRef idx="2">
-              <a:schemeClr val="accent1">
-                <a:shade val="50000"/>
-              </a:schemeClr>
-            </a:lnRef>
-            <a:fillRef idx="1">
-              <a:schemeClr val="accent1"/>
-            </a:fillRef>
-            <a:effectRef idx="0">
-              <a:schemeClr val="accent1"/>
-            </a:effectRef>
-            <a:fontRef idx="minor">
-              <a:schemeClr val="lt1"/>
-            </a:fontRef>
-          </p:style>
-          <p:txBody>
-            <a:bodyPr wrap="none" rtlCol="0" anchor="ctr"/>
-            <a:lstStyle/>
-            <a:p>
-              <a:pPr algn="ctr"/>
-              <a:endParaRPr lang="en-US" sz="1867">
-                <a:solidFill>
-                  <a:schemeClr val="tx1">
-                    <a:lumMod val="85000"/>
-                    <a:lumOff val="15000"/>
-                  </a:schemeClr>
-                </a:solidFill>
-              </a:endParaRPr>
-            </a:p>
-          </p:txBody>
-        </p:sp>
-        <p:pic>
-          <p:nvPicPr>
-            <p:cNvPr id="130" name="pasted-image.pdf" descr="pasted-image.pdf"/>
-            <p:cNvPicPr>
-              <a:picLocks/>
-            </p:cNvPicPr>
-            <p:nvPr/>
-          </p:nvPicPr>
-          <p:blipFill>
-            <a:blip r:embed="rId7">
-              <a:extLst>
-                <a:ext uri="{BEBA8EAE-BF5A-486C-A8C5-ECC9F3942E4B}">
-                  <a14:imgProps xmlns:a14="http://schemas.microsoft.com/office/drawing/2010/main">
-                    <a14:imgLayer r:embed="rId8">
-                      <a14:imgEffect>
-                        <a14:colorTemperature colorTemp="5093"/>
-                      </a14:imgEffect>
-                    </a14:imgLayer>
-                  </a14:imgProps>
-                </a:ext>
-              </a:extLst>
-            </a:blip>
-            <a:stretch>
-              <a:fillRect/>
-            </a:stretch>
-          </p:blipFill>
-          <p:spPr>
-            <a:xfrm>
-              <a:off x="6065183" y="3137047"/>
-              <a:ext cx="694944" cy="694944"/>
-            </a:xfrm>
-            <a:prstGeom prst="rect">
-              <a:avLst/>
-            </a:prstGeom>
-            <a:ln w="12700" cap="flat">
-              <a:noFill/>
-              <a:miter lim="400000"/>
-            </a:ln>
-            <a:effectLst>
-              <a:outerShdw blurRad="25400" dist="25400" dir="2700000" algn="tl" rotWithShape="0">
-                <a:prstClr val="black">
-                  <a:alpha val="40000"/>
-                </a:prstClr>
-              </a:outerShdw>
-            </a:effectLst>
-          </p:spPr>
-        </p:pic>
-      </p:grpSp>
-      <p:grpSp>
-        <p:nvGrpSpPr>
-          <p:cNvPr id="131" name="Group 130"/>
-          <p:cNvGrpSpPr/>
-          <p:nvPr/>
-        </p:nvGrpSpPr>
-        <p:grpSpPr>
-          <a:xfrm>
-            <a:off x="2522255" y="1862941"/>
-            <a:ext cx="601217" cy="515068"/>
-            <a:chOff x="5931452" y="3072268"/>
-            <a:chExt cx="962406" cy="824502"/>
-          </a:xfrm>
-        </p:grpSpPr>
-        <p:sp>
-          <p:nvSpPr>
-            <p:cNvPr id="133" name="Hexagon 132"/>
-            <p:cNvSpPr/>
-            <p:nvPr/>
-          </p:nvSpPr>
-          <p:spPr>
-            <a:xfrm>
-              <a:off x="5931452" y="3072268"/>
-              <a:ext cx="962406" cy="824502"/>
-            </a:xfrm>
-            <a:prstGeom prst="hexagon">
-              <a:avLst/>
-            </a:prstGeom>
-            <a:solidFill>
-              <a:schemeClr val="accent6">
-                <a:lumMod val="40000"/>
-                <a:lumOff val="60000"/>
-              </a:schemeClr>
-            </a:solidFill>
-            <a:ln>
-              <a:noFill/>
-            </a:ln>
-            <a:effectLst>
-              <a:outerShdw blurRad="12700" dist="12700" dir="2700000" algn="tl" rotWithShape="0">
-                <a:prstClr val="black">
-                  <a:alpha val="40000"/>
-                </a:prstClr>
-              </a:outerShdw>
-            </a:effectLst>
-          </p:spPr>
-          <p:style>
-            <a:lnRef idx="2">
-              <a:schemeClr val="accent1">
-                <a:shade val="50000"/>
-              </a:schemeClr>
-            </a:lnRef>
-            <a:fillRef idx="1">
-              <a:schemeClr val="accent1"/>
-            </a:fillRef>
-            <a:effectRef idx="0">
-              <a:schemeClr val="accent1"/>
-            </a:effectRef>
-            <a:fontRef idx="minor">
-              <a:schemeClr val="lt1"/>
-            </a:fontRef>
-          </p:style>
-          <p:txBody>
-            <a:bodyPr wrap="none" rtlCol="0" anchor="ctr"/>
-            <a:lstStyle/>
-            <a:p>
-              <a:pPr algn="ctr"/>
-              <a:endParaRPr lang="en-US" sz="1867">
-                <a:solidFill>
-                  <a:schemeClr val="tx1">
-                    <a:lumMod val="85000"/>
-                    <a:lumOff val="15000"/>
-                  </a:schemeClr>
-                </a:solidFill>
-              </a:endParaRPr>
-            </a:p>
-          </p:txBody>
-        </p:sp>
-        <p:pic>
-          <p:nvPicPr>
-            <p:cNvPr id="135" name="pasted-image.pdf" descr="pasted-image.pdf"/>
-            <p:cNvPicPr>
-              <a:picLocks/>
-            </p:cNvPicPr>
-            <p:nvPr/>
-          </p:nvPicPr>
-          <p:blipFill>
-            <a:blip r:embed="rId7">
-              <a:extLst>
-                <a:ext uri="{BEBA8EAE-BF5A-486C-A8C5-ECC9F3942E4B}">
-                  <a14:imgProps xmlns:a14="http://schemas.microsoft.com/office/drawing/2010/main">
-                    <a14:imgLayer r:embed="rId8">
-                      <a14:imgEffect>
-                        <a14:colorTemperature colorTemp="5093"/>
-                      </a14:imgEffect>
-                    </a14:imgLayer>
-                  </a14:imgProps>
-                </a:ext>
-              </a:extLst>
-            </a:blip>
-            <a:stretch>
-              <a:fillRect/>
-            </a:stretch>
-          </p:blipFill>
-          <p:spPr>
-            <a:xfrm>
-              <a:off x="6065183" y="3137047"/>
-              <a:ext cx="694944" cy="694944"/>
-            </a:xfrm>
-            <a:prstGeom prst="rect">
-              <a:avLst/>
-            </a:prstGeom>
-            <a:ln w="12700" cap="flat">
-              <a:noFill/>
-              <a:miter lim="400000"/>
-            </a:ln>
-            <a:effectLst>
-              <a:outerShdw blurRad="25400" dist="25400" dir="2700000" algn="tl" rotWithShape="0">
-                <a:prstClr val="black">
-                  <a:alpha val="40000"/>
-                </a:prstClr>
-              </a:outerShdw>
-            </a:effectLst>
-          </p:spPr>
-        </p:pic>
-      </p:grpSp>
-      <p:grpSp>
-        <p:nvGrpSpPr>
-          <p:cNvPr id="139" name="Group 138"/>
-          <p:cNvGrpSpPr/>
-          <p:nvPr/>
-        </p:nvGrpSpPr>
-        <p:grpSpPr>
-          <a:xfrm>
-            <a:off x="2438400" y="1827117"/>
-            <a:ext cx="601217" cy="515068"/>
-            <a:chOff x="5931452" y="3072268"/>
-            <a:chExt cx="962406" cy="824502"/>
-          </a:xfrm>
-        </p:grpSpPr>
-        <p:sp>
-          <p:nvSpPr>
-            <p:cNvPr id="140" name="Hexagon 139"/>
-            <p:cNvSpPr/>
-            <p:nvPr/>
-          </p:nvSpPr>
-          <p:spPr>
-            <a:xfrm>
-              <a:off x="5931452" y="3072268"/>
-              <a:ext cx="962406" cy="824502"/>
-            </a:xfrm>
-            <a:prstGeom prst="hexagon">
-              <a:avLst/>
-            </a:prstGeom>
-            <a:solidFill>
-              <a:schemeClr val="accent6">
-                <a:lumMod val="40000"/>
-                <a:lumOff val="60000"/>
-              </a:schemeClr>
-            </a:solidFill>
-            <a:ln>
-              <a:noFill/>
-            </a:ln>
-            <a:effectLst>
-              <a:outerShdw blurRad="12700" dist="12700" dir="2700000" algn="tl" rotWithShape="0">
-                <a:prstClr val="black">
-                  <a:alpha val="40000"/>
-                </a:prstClr>
-              </a:outerShdw>
-            </a:effectLst>
-          </p:spPr>
-          <p:style>
-            <a:lnRef idx="2">
-              <a:schemeClr val="accent1">
-                <a:shade val="50000"/>
-              </a:schemeClr>
-            </a:lnRef>
-            <a:fillRef idx="1">
-              <a:schemeClr val="accent1"/>
-            </a:fillRef>
-            <a:effectRef idx="0">
-              <a:schemeClr val="accent1"/>
-            </a:effectRef>
-            <a:fontRef idx="minor">
-              <a:schemeClr val="lt1"/>
-            </a:fontRef>
-          </p:style>
-          <p:txBody>
-            <a:bodyPr wrap="none" rtlCol="0" anchor="ctr"/>
-            <a:lstStyle/>
-            <a:p>
-              <a:pPr algn="ctr"/>
-              <a:endParaRPr lang="en-US" sz="1867">
-                <a:solidFill>
-                  <a:schemeClr val="tx1">
-                    <a:lumMod val="85000"/>
-                    <a:lumOff val="15000"/>
-                  </a:schemeClr>
-                </a:solidFill>
-              </a:endParaRPr>
-            </a:p>
-          </p:txBody>
-        </p:sp>
-        <p:pic>
-          <p:nvPicPr>
-            <p:cNvPr id="141" name="pasted-image.pdf" descr="pasted-image.pdf"/>
-            <p:cNvPicPr>
-              <a:picLocks/>
-            </p:cNvPicPr>
-            <p:nvPr/>
-          </p:nvPicPr>
-          <p:blipFill>
-            <a:blip r:embed="rId7">
-              <a:extLst>
-                <a:ext uri="{BEBA8EAE-BF5A-486C-A8C5-ECC9F3942E4B}">
-                  <a14:imgProps xmlns:a14="http://schemas.microsoft.com/office/drawing/2010/main">
-                    <a14:imgLayer r:embed="rId8">
-                      <a14:imgEffect>
-                        <a14:colorTemperature colorTemp="5093"/>
-                      </a14:imgEffect>
-                    </a14:imgLayer>
-                  </a14:imgProps>
-                </a:ext>
-              </a:extLst>
-            </a:blip>
-            <a:stretch>
-              <a:fillRect/>
-            </a:stretch>
-          </p:blipFill>
-          <p:spPr>
-            <a:xfrm>
-              <a:off x="6065183" y="3137047"/>
-              <a:ext cx="694944" cy="694944"/>
-            </a:xfrm>
-            <a:prstGeom prst="rect">
-              <a:avLst/>
-            </a:prstGeom>
-            <a:ln w="12700" cap="flat">
-              <a:noFill/>
-              <a:miter lim="400000"/>
-            </a:ln>
-            <a:effectLst>
-              <a:outerShdw blurRad="25400" dist="25400" dir="2700000" algn="tl" rotWithShape="0">
-                <a:prstClr val="black">
-                  <a:alpha val="40000"/>
-                </a:prstClr>
-              </a:outerShdw>
-            </a:effectLst>
-          </p:spPr>
-        </p:pic>
-      </p:grpSp>
       <p:cxnSp>
         <p:nvCxnSpPr>
           <p:cNvPr id="180" name="Straight Arrow Connector 179"/>
@@ -5459,14 +5334,14 @@
           <p:cNvPr id="182" name="Straight Arrow Connector 181"/>
           <p:cNvCxnSpPr>
             <a:stCxn id="206" idx="3"/>
-            <a:endCxn id="140" idx="3"/>
+            <a:endCxn id="235" idx="3"/>
           </p:cNvCxnSpPr>
           <p:nvPr/>
         </p:nvCxnSpPr>
         <p:spPr>
           <a:xfrm>
             <a:off x="2208614" y="2084651"/>
-            <a:ext cx="229786" cy="0"/>
+            <a:ext cx="235926" cy="2547"/>
           </a:xfrm>
           <a:prstGeom prst="straightConnector1">
             <a:avLst/>
@@ -5503,7 +5378,7 @@
         </p:nvGrpSpPr>
         <p:grpSpPr>
           <a:xfrm>
-            <a:off x="2721097" y="359816"/>
+            <a:off x="2721097" y="304800"/>
             <a:ext cx="456234" cy="433126"/>
             <a:chOff x="2118368" y="152409"/>
             <a:chExt cx="413694" cy="392741"/>
@@ -5694,7 +5569,7 @@
         </p:nvGrpSpPr>
         <p:grpSpPr>
           <a:xfrm>
-            <a:off x="407413" y="1092788"/>
+            <a:off x="407413" y="1051765"/>
             <a:ext cx="583187" cy="489556"/>
             <a:chOff x="407413" y="1092788"/>
             <a:chExt cx="583187" cy="489556"/>
@@ -5777,7 +5652,7 @@
         </p:nvGrpSpPr>
         <p:grpSpPr>
           <a:xfrm>
-            <a:off x="401553" y="381000"/>
+            <a:off x="401553" y="325984"/>
             <a:ext cx="589047" cy="508000"/>
             <a:chOff x="401553" y="381000"/>
             <a:chExt cx="589047" cy="508000"/>
@@ -5956,7 +5831,7 @@
         </p:blipFill>
         <p:spPr>
           <a:xfrm>
-            <a:off x="2707589" y="1031623"/>
+            <a:off x="2707589" y="990600"/>
             <a:ext cx="412634" cy="429509"/>
           </a:xfrm>
           <a:prstGeom prst="rect">
@@ -5972,7 +5847,7 @@
         </p:nvGrpSpPr>
         <p:grpSpPr>
           <a:xfrm>
-            <a:off x="1682813" y="1158709"/>
+            <a:off x="1682813" y="1117686"/>
             <a:ext cx="525801" cy="429942"/>
             <a:chOff x="3250490" y="2849626"/>
             <a:chExt cx="659902" cy="539595"/>
@@ -6048,7 +5923,7 @@
             <p:nvPr/>
           </p:nvPicPr>
           <p:blipFill>
-            <a:blip r:embed="rId3">
+            <a:blip r:embed="rId5">
               <a:alphaModFix/>
               <a:extLst>
                 <a:ext uri="{28A0092B-C50C-407E-A947-70E740481C1C}">
@@ -6155,7 +6030,7 @@
             <p:nvPr/>
           </p:nvPicPr>
           <p:blipFill>
-            <a:blip r:embed="rId3">
+            <a:blip r:embed="rId5">
               <a:alphaModFix/>
               <a:extLst>
                 <a:ext uri="{28A0092B-C50C-407E-A947-70E740481C1C}">
@@ -6178,6 +6053,161 @@
           </p:spPr>
         </p:pic>
       </p:grpSp>
+      <p:grpSp>
+        <p:nvGrpSpPr>
+          <p:cNvPr id="234" name="Group 233"/>
+          <p:cNvGrpSpPr/>
+          <p:nvPr/>
+        </p:nvGrpSpPr>
+        <p:grpSpPr>
+          <a:xfrm>
+            <a:off x="2444540" y="1833125"/>
+            <a:ext cx="593136" cy="508145"/>
+            <a:chOff x="5931452" y="3072268"/>
+            <a:chExt cx="962406" cy="824502"/>
+          </a:xfrm>
+        </p:grpSpPr>
+        <p:sp>
+          <p:nvSpPr>
+            <p:cNvPr id="235" name="Hexagon 234"/>
+            <p:cNvSpPr/>
+            <p:nvPr/>
+          </p:nvSpPr>
+          <p:spPr>
+            <a:xfrm>
+              <a:off x="5931452" y="3072268"/>
+              <a:ext cx="962406" cy="824502"/>
+            </a:xfrm>
+            <a:prstGeom prst="hexagon">
+              <a:avLst/>
+            </a:prstGeom>
+            <a:solidFill>
+              <a:schemeClr val="accent6">
+                <a:lumMod val="40000"/>
+                <a:lumOff val="60000"/>
+              </a:schemeClr>
+            </a:solidFill>
+            <a:ln>
+              <a:noFill/>
+            </a:ln>
+            <a:effectLst>
+              <a:outerShdw blurRad="12700" dist="12700" dir="2700000" algn="tl" rotWithShape="0">
+                <a:prstClr val="black">
+                  <a:alpha val="40000"/>
+                </a:prstClr>
+              </a:outerShdw>
+            </a:effectLst>
+          </p:spPr>
+          <p:style>
+            <a:lnRef idx="2">
+              <a:schemeClr val="accent1">
+                <a:shade val="50000"/>
+              </a:schemeClr>
+            </a:lnRef>
+            <a:fillRef idx="1">
+              <a:schemeClr val="accent1"/>
+            </a:fillRef>
+            <a:effectRef idx="0">
+              <a:schemeClr val="accent1"/>
+            </a:effectRef>
+            <a:fontRef idx="minor">
+              <a:schemeClr val="lt1"/>
+            </a:fontRef>
+          </p:style>
+          <p:txBody>
+            <a:bodyPr wrap="none" rtlCol="0" anchor="ctr"/>
+            <a:lstStyle/>
+            <a:p>
+              <a:pPr algn="ctr"/>
+              <a:endParaRPr lang="en-US" sz="1867">
+                <a:solidFill>
+                  <a:schemeClr val="tx1">
+                    <a:lumMod val="85000"/>
+                    <a:lumOff val="15000"/>
+                  </a:schemeClr>
+                </a:solidFill>
+              </a:endParaRPr>
+            </a:p>
+          </p:txBody>
+        </p:sp>
+        <p:pic>
+          <p:nvPicPr>
+            <p:cNvPr id="236" name="pasted-image.pdf" descr="pasted-image.pdf"/>
+            <p:cNvPicPr>
+              <a:picLocks/>
+            </p:cNvPicPr>
+            <p:nvPr/>
+          </p:nvPicPr>
+          <p:blipFill>
+            <a:blip r:embed="rId3">
+              <a:extLst>
+                <a:ext uri="{BEBA8EAE-BF5A-486C-A8C5-ECC9F3942E4B}">
+                  <a14:imgProps xmlns:a14="http://schemas.microsoft.com/office/drawing/2010/main">
+                    <a14:imgLayer r:embed="rId4">
+                      <a14:imgEffect>
+                        <a14:colorTemperature colorTemp="5093"/>
+                      </a14:imgEffect>
+                    </a14:imgLayer>
+                  </a14:imgProps>
+                </a:ext>
+              </a:extLst>
+            </a:blip>
+            <a:stretch>
+              <a:fillRect/>
+            </a:stretch>
+          </p:blipFill>
+          <p:spPr>
+            <a:xfrm>
+              <a:off x="6065183" y="3137047"/>
+              <a:ext cx="694944" cy="694944"/>
+            </a:xfrm>
+            <a:prstGeom prst="rect">
+              <a:avLst/>
+            </a:prstGeom>
+            <a:ln w="12700" cap="flat">
+              <a:noFill/>
+              <a:miter lim="400000"/>
+            </a:ln>
+            <a:effectLst>
+              <a:outerShdw blurRad="25400" dist="25400" dir="2700000" algn="tl" rotWithShape="0">
+                <a:prstClr val="black">
+                  <a:alpha val="40000"/>
+                </a:prstClr>
+              </a:outerShdw>
+            </a:effectLst>
+          </p:spPr>
+        </p:pic>
+      </p:grpSp>
+      <p:pic>
+        <p:nvPicPr>
+          <p:cNvPr id="258" name="Picture 257"/>
+          <p:cNvPicPr>
+            <a:picLocks noChangeAspect="1"/>
+          </p:cNvPicPr>
+          <p:nvPr/>
+        </p:nvPicPr>
+        <p:blipFill>
+          <a:blip r:embed="rId16">
+            <a:extLst>
+              <a:ext uri="{28A0092B-C50C-407E-A947-70E740481C1C}">
+                <a14:useLocalDpi xmlns:a14="http://schemas.microsoft.com/office/drawing/2010/main" val="0"/>
+              </a:ext>
+            </a:extLst>
+          </a:blip>
+          <a:stretch>
+            <a:fillRect/>
+          </a:stretch>
+        </p:blipFill>
+        <p:spPr>
+          <a:xfrm rot="175519">
+            <a:off x="2571790" y="1732044"/>
+            <a:ext cx="557974" cy="555427"/>
+          </a:xfrm>
+          <a:prstGeom prst="rect">
+            <a:avLst/>
+          </a:prstGeom>
+        </p:spPr>
+      </p:pic>
     </p:spTree>
     <p:extLst>
       <p:ext uri="{BB962C8B-B14F-4D97-AF65-F5344CB8AC3E}">

--- a/images/runtimes/OW-Utilization-Scaling.pptx
+++ b/images/runtimes/OW-Utilization-Scaling.pptx
@@ -4365,13 +4365,139 @@
       </p:grpSpPr>
       <p:grpSp>
         <p:nvGrpSpPr>
+          <p:cNvPr id="244" name="Group 243"/>
+          <p:cNvGrpSpPr/>
+          <p:nvPr/>
+        </p:nvGrpSpPr>
+        <p:grpSpPr>
+          <a:xfrm>
+            <a:off x="2871465" y="1733261"/>
+            <a:ext cx="325348" cy="278728"/>
+            <a:chOff x="5931452" y="3072268"/>
+            <a:chExt cx="962406" cy="824502"/>
+          </a:xfrm>
+        </p:grpSpPr>
+        <p:sp>
+          <p:nvSpPr>
+            <p:cNvPr id="245" name="Hexagon 244"/>
+            <p:cNvSpPr/>
+            <p:nvPr/>
+          </p:nvSpPr>
+          <p:spPr>
+            <a:xfrm>
+              <a:off x="5931452" y="3072268"/>
+              <a:ext cx="962406" cy="824502"/>
+            </a:xfrm>
+            <a:prstGeom prst="hexagon">
+              <a:avLst/>
+            </a:prstGeom>
+            <a:solidFill>
+              <a:schemeClr val="accent6">
+                <a:lumMod val="40000"/>
+                <a:lumOff val="60000"/>
+              </a:schemeClr>
+            </a:solidFill>
+            <a:ln>
+              <a:noFill/>
+            </a:ln>
+            <a:effectLst>
+              <a:outerShdw blurRad="12700" dist="12700" dir="2700000" algn="tl" rotWithShape="0">
+                <a:prstClr val="black">
+                  <a:alpha val="40000"/>
+                </a:prstClr>
+              </a:outerShdw>
+            </a:effectLst>
+          </p:spPr>
+          <p:style>
+            <a:lnRef idx="2">
+              <a:schemeClr val="accent1">
+                <a:shade val="50000"/>
+              </a:schemeClr>
+            </a:lnRef>
+            <a:fillRef idx="1">
+              <a:schemeClr val="accent1"/>
+            </a:fillRef>
+            <a:effectRef idx="0">
+              <a:schemeClr val="accent1"/>
+            </a:effectRef>
+            <a:fontRef idx="minor">
+              <a:schemeClr val="lt1"/>
+            </a:fontRef>
+          </p:style>
+          <p:txBody>
+            <a:bodyPr wrap="none" rtlCol="0" anchor="ctr"/>
+            <a:lstStyle/>
+            <a:p>
+              <a:pPr algn="ctr"/>
+              <a:endParaRPr lang="en-US" sz="1867">
+                <a:solidFill>
+                  <a:schemeClr val="tx1">
+                    <a:lumMod val="85000"/>
+                    <a:lumOff val="15000"/>
+                  </a:schemeClr>
+                </a:solidFill>
+              </a:endParaRPr>
+            </a:p>
+          </p:txBody>
+        </p:sp>
+        <p:pic>
+          <p:nvPicPr>
+            <p:cNvPr id="246" name="pasted-image.pdf" descr="pasted-image.pdf"/>
+            <p:cNvPicPr>
+              <a:picLocks/>
+            </p:cNvPicPr>
+            <p:nvPr/>
+          </p:nvPicPr>
+          <p:blipFill>
+            <a:blip r:embed="rId3">
+              <a:alphaModFix amt="50000"/>
+              <a:extLst>
+                <a:ext uri="{BEBA8EAE-BF5A-486C-A8C5-ECC9F3942E4B}">
+                  <a14:imgProps xmlns:a14="http://schemas.microsoft.com/office/drawing/2010/main">
+                    <a14:imgLayer r:embed="rId4">
+                      <a14:imgEffect>
+                        <a14:colorTemperature colorTemp="5093"/>
+                      </a14:imgEffect>
+                    </a14:imgLayer>
+                  </a14:imgProps>
+                </a:ext>
+              </a:extLst>
+            </a:blip>
+            <a:stretch>
+              <a:fillRect/>
+            </a:stretch>
+          </p:blipFill>
+          <p:spPr>
+            <a:xfrm>
+              <a:off x="6065183" y="3137047"/>
+              <a:ext cx="694944" cy="694944"/>
+            </a:xfrm>
+            <a:prstGeom prst="rect">
+              <a:avLst/>
+            </a:prstGeom>
+            <a:ln w="12700" cap="flat">
+              <a:noFill/>
+              <a:miter lim="400000"/>
+            </a:ln>
+            <a:effectLst>
+              <a:outerShdw blurRad="25400" dist="25400" dir="2700000" algn="tl" rotWithShape="0">
+                <a:prstClr val="black">
+                  <a:alpha val="40000"/>
+                </a:prstClr>
+              </a:outerShdw>
+            </a:effectLst>
+          </p:spPr>
+        </p:pic>
+      </p:grpSp>
+      <p:grpSp>
+        <p:nvGrpSpPr>
           <p:cNvPr id="238" name="Group 237"/>
           <p:cNvGrpSpPr/>
           <p:nvPr/>
         </p:nvGrpSpPr>
         <p:grpSpPr>
           <a:xfrm>
-            <a:off x="2817687" y="1676399"/>
+            <a:off x="2683518" y="1787554"/>
             <a:ext cx="436577" cy="374019"/>
             <a:chOff x="5931452" y="3072268"/>
             <a:chExt cx="962406" cy="824502"/>
@@ -4450,131 +4576,7 @@
           </p:nvPicPr>
           <p:blipFill>
             <a:blip r:embed="rId3">
-              <a:extLst>
-                <a:ext uri="{BEBA8EAE-BF5A-486C-A8C5-ECC9F3942E4B}">
-                  <a14:imgProps xmlns:a14="http://schemas.microsoft.com/office/drawing/2010/main">
-                    <a14:imgLayer r:embed="rId4">
-                      <a14:imgEffect>
-                        <a14:colorTemperature colorTemp="5093"/>
-                      </a14:imgEffect>
-                    </a14:imgLayer>
-                  </a14:imgProps>
-                </a:ext>
-              </a:extLst>
-            </a:blip>
-            <a:stretch>
-              <a:fillRect/>
-            </a:stretch>
-          </p:blipFill>
-          <p:spPr>
-            <a:xfrm>
-              <a:off x="6065183" y="3137047"/>
-              <a:ext cx="694944" cy="694944"/>
-            </a:xfrm>
-            <a:prstGeom prst="rect">
-              <a:avLst/>
-            </a:prstGeom>
-            <a:ln w="12700" cap="flat">
-              <a:noFill/>
-              <a:miter lim="400000"/>
-            </a:ln>
-            <a:effectLst>
-              <a:outerShdw blurRad="25400" dist="25400" dir="2700000" algn="tl" rotWithShape="0">
-                <a:prstClr val="black">
-                  <a:alpha val="40000"/>
-                </a:prstClr>
-              </a:outerShdw>
-            </a:effectLst>
-          </p:spPr>
-        </p:pic>
-      </p:grpSp>
-      <p:grpSp>
-        <p:nvGrpSpPr>
-          <p:cNvPr id="241" name="Group 240"/>
-          <p:cNvGrpSpPr/>
-          <p:nvPr/>
-        </p:nvGrpSpPr>
-        <p:grpSpPr>
-          <a:xfrm>
-            <a:off x="2638850" y="1755469"/>
-            <a:ext cx="524922" cy="449705"/>
-            <a:chOff x="5931452" y="3072268"/>
-            <a:chExt cx="962406" cy="824502"/>
-          </a:xfrm>
-        </p:grpSpPr>
-        <p:sp>
-          <p:nvSpPr>
-            <p:cNvPr id="242" name="Hexagon 241"/>
-            <p:cNvSpPr/>
-            <p:nvPr/>
-          </p:nvSpPr>
-          <p:spPr>
-            <a:xfrm>
-              <a:off x="5931452" y="3072268"/>
-              <a:ext cx="962406" cy="824502"/>
-            </a:xfrm>
-            <a:prstGeom prst="hexagon">
-              <a:avLst/>
-            </a:prstGeom>
-            <a:solidFill>
-              <a:schemeClr val="accent6">
-                <a:lumMod val="40000"/>
-                <a:lumOff val="60000"/>
-              </a:schemeClr>
-            </a:solidFill>
-            <a:ln>
-              <a:noFill/>
-            </a:ln>
-            <a:effectLst>
-              <a:outerShdw blurRad="12700" dist="12700" dir="2700000" algn="tl" rotWithShape="0">
-                <a:prstClr val="black">
-                  <a:alpha val="40000"/>
-                </a:prstClr>
-              </a:outerShdw>
-            </a:effectLst>
-          </p:spPr>
-          <p:style>
-            <a:lnRef idx="2">
-              <a:schemeClr val="accent1">
-                <a:shade val="50000"/>
-              </a:schemeClr>
-            </a:lnRef>
-            <a:fillRef idx="1">
-              <a:schemeClr val="accent1"/>
-            </a:fillRef>
-            <a:effectRef idx="0">
-              <a:schemeClr val="accent1"/>
-            </a:effectRef>
-            <a:fontRef idx="minor">
-              <a:schemeClr val="lt1"/>
-            </a:fontRef>
-          </p:style>
-          <p:txBody>
-            <a:bodyPr wrap="none" rtlCol="0" anchor="ctr"/>
-            <a:lstStyle/>
-            <a:p>
-              <a:pPr algn="ctr"/>
-              <a:endParaRPr lang="en-US" sz="1867">
-                <a:solidFill>
-                  <a:schemeClr val="tx1">
-                    <a:lumMod val="85000"/>
-                    <a:lumOff val="15000"/>
-                  </a:schemeClr>
-                </a:solidFill>
-              </a:endParaRPr>
-            </a:p>
-          </p:txBody>
-        </p:sp>
-        <p:pic>
-          <p:nvPicPr>
-            <p:cNvPr id="243" name="pasted-image.pdf" descr="pasted-image.pdf"/>
-            <p:cNvPicPr>
-              <a:picLocks/>
-            </p:cNvPicPr>
-            <p:nvPr/>
-          </p:nvPicPr>
-          <p:blipFill>
-            <a:blip r:embed="rId3">
+              <a:alphaModFix amt="50000"/>
               <a:extLst>
                 <a:ext uri="{BEBA8EAE-BF5A-486C-A8C5-ECC9F3942E4B}">
                   <a14:imgProps xmlns:a14="http://schemas.microsoft.com/office/drawing/2010/main">
@@ -6199,8 +6201,8 @@
           </a:stretch>
         </p:blipFill>
         <p:spPr>
-          <a:xfrm rot="175519">
-            <a:off x="2571790" y="1732044"/>
+          <a:xfrm rot="180417">
+            <a:off x="2574047" y="1741238"/>
             <a:ext cx="557974" cy="555427"/>
           </a:xfrm>
           <a:prstGeom prst="rect">

--- a/images/runtimes/OW-Utilization-Scaling.pptx
+++ b/images/runtimes/OW-Utilization-Scaling.pptx
@@ -6202,8 +6202,8 @@
         </p:blipFill>
         <p:spPr>
           <a:xfrm rot="180417">
-            <a:off x="2574047" y="1741238"/>
-            <a:ext cx="557974" cy="555427"/>
+            <a:off x="2584868" y="1734753"/>
+            <a:ext cx="506601" cy="510675"/>
           </a:xfrm>
           <a:prstGeom prst="rect">
             <a:avLst/>

--- a/images/runtimes/OW-Utilization-Scaling.pptx
+++ b/images/runtimes/OW-Utilization-Scaling.pptx
@@ -4371,7 +4371,7 @@
         </p:nvGrpSpPr>
         <p:grpSpPr>
           <a:xfrm>
-            <a:off x="2871465" y="1733261"/>
+            <a:off x="2819400" y="1733261"/>
             <a:ext cx="325348" cy="278728"/>
             <a:chOff x="5931452" y="3072268"/>
             <a:chExt cx="962406" cy="824502"/>
@@ -4497,7 +4497,7 @@
         </p:nvGrpSpPr>
         <p:grpSpPr>
           <a:xfrm>
-            <a:off x="2683518" y="1787554"/>
+            <a:off x="2667000" y="1787554"/>
             <a:ext cx="436577" cy="374019"/>
             <a:chOff x="5931452" y="3072268"/>
             <a:chExt cx="962406" cy="824502"/>
@@ -6202,8 +6202,8 @@
         </p:blipFill>
         <p:spPr>
           <a:xfrm rot="180417">
-            <a:off x="2584868" y="1734753"/>
-            <a:ext cx="506601" cy="510675"/>
+            <a:off x="2658817" y="1734870"/>
+            <a:ext cx="475560" cy="479384"/>
           </a:xfrm>
           <a:prstGeom prst="rect">
             <a:avLst/>
